--- a/THE presentation.pptx
+++ b/THE presentation.pptx
@@ -20,9 +20,10 @@
     <p:sldId id="271" r:id="rId14"/>
     <p:sldId id="262" r:id="rId15"/>
     <p:sldId id="274" r:id="rId16"/>
-    <p:sldId id="263" r:id="rId17"/>
-    <p:sldId id="264" r:id="rId18"/>
-    <p:sldId id="265" r:id="rId19"/>
+    <p:sldId id="275" r:id="rId17"/>
+    <p:sldId id="263" r:id="rId18"/>
+    <p:sldId id="264" r:id="rId19"/>
+    <p:sldId id="265" r:id="rId20"/>
   </p:sldIdLst>
   <p:sldSz cx="12192000" cy="6858000"/>
   <p:notesSz cx="6858000" cy="9144000"/>
@@ -121,6 +122,11 @@
       </a:defRPr>
     </a:lvl9pPr>
   </p:defaultTextStyle>
+  <p:extLst>
+    <p:ext uri="{EFAFB233-063F-42B5-8137-9DF3F51BA10A}">
+      <p15:sldGuideLst xmlns:p15="http://schemas.microsoft.com/office/powerpoint/2012/main"/>
+    </p:ext>
+  </p:extLst>
 </p:presentation>
 </file>
 
@@ -174,7 +180,7 @@
           <a:noFill/>
           <a:extLst>
             <a:ext uri="{909E8E84-426E-40dd-AFC4-6F175D3DCCD1}">
-              <a14:hiddenFill xmlns:a14="http://schemas.microsoft.com/office/drawing/2010/main" xmlns="">
+              <a14:hiddenFill xmlns="" xmlns:a14="http://schemas.microsoft.com/office/drawing/2010/main">
                 <a:solidFill>
                   <a:srgbClr val="FFFFFF"/>
                 </a:solidFill>
@@ -234,7 +240,7 @@
             </a:ln>
             <a:extLst>
               <a:ext uri="{91240B29-F687-4f45-9708-019B960494DF}">
-                <a14:hiddenLine xmlns:a14="http://schemas.microsoft.com/office/drawing/2010/main" xmlns="" w="9525">
+                <a14:hiddenLine xmlns="" xmlns:a14="http://schemas.microsoft.com/office/drawing/2010/main" w="9525">
                   <a:solidFill>
                     <a:srgbClr val="000000"/>
                   </a:solidFill>
@@ -324,7 +330,7 @@
             </a:ln>
             <a:extLst>
               <a:ext uri="{91240B29-F687-4f45-9708-019B960494DF}">
-                <a14:hiddenLine xmlns:a14="http://schemas.microsoft.com/office/drawing/2010/main" xmlns="" w="9525">
+                <a14:hiddenLine xmlns="" xmlns:a14="http://schemas.microsoft.com/office/drawing/2010/main" w="9525">
                   <a:solidFill>
                     <a:srgbClr val="000000"/>
                   </a:solidFill>
@@ -414,7 +420,7 @@
             </a:ln>
             <a:extLst>
               <a:ext uri="{91240B29-F687-4f45-9708-019B960494DF}">
-                <a14:hiddenLine xmlns:a14="http://schemas.microsoft.com/office/drawing/2010/main" xmlns="" w="9525">
+                <a14:hiddenLine xmlns="" xmlns:a14="http://schemas.microsoft.com/office/drawing/2010/main" w="9525">
                   <a:solidFill>
                     <a:srgbClr val="000000"/>
                   </a:solidFill>
@@ -448,7 +454,7 @@
             </a:ln>
             <a:extLst>
               <a:ext uri="{91240B29-F687-4f45-9708-019B960494DF}">
-                <a14:hiddenLine xmlns:a14="http://schemas.microsoft.com/office/drawing/2010/main" xmlns="" w="9525">
+                <a14:hiddenLine xmlns="" xmlns:a14="http://schemas.microsoft.com/office/drawing/2010/main" w="9525">
                   <a:solidFill>
                     <a:srgbClr val="000000"/>
                   </a:solidFill>
@@ -538,7 +544,7 @@
             </a:ln>
             <a:extLst>
               <a:ext uri="{91240B29-F687-4f45-9708-019B960494DF}">
-                <a14:hiddenLine xmlns:a14="http://schemas.microsoft.com/office/drawing/2010/main" xmlns="" w="9525">
+                <a14:hiddenLine xmlns="" xmlns:a14="http://schemas.microsoft.com/office/drawing/2010/main" w="9525">
                   <a:solidFill>
                     <a:srgbClr val="000000"/>
                   </a:solidFill>
@@ -600,7 +606,7 @@
             </a:ln>
             <a:extLst>
               <a:ext uri="{91240B29-F687-4f45-9708-019B960494DF}">
-                <a14:hiddenLine xmlns:a14="http://schemas.microsoft.com/office/drawing/2010/main" xmlns="" w="9525">
+                <a14:hiddenLine xmlns="" xmlns:a14="http://schemas.microsoft.com/office/drawing/2010/main" w="9525">
                   <a:solidFill>
                     <a:srgbClr val="000000"/>
                   </a:solidFill>
@@ -662,7 +668,7 @@
             </a:ln>
             <a:extLst>
               <a:ext uri="{91240B29-F687-4f45-9708-019B960494DF}">
-                <a14:hiddenLine xmlns:a14="http://schemas.microsoft.com/office/drawing/2010/main" xmlns="" w="9525">
+                <a14:hiddenLine xmlns="" xmlns:a14="http://schemas.microsoft.com/office/drawing/2010/main" w="9525">
                   <a:solidFill>
                     <a:srgbClr val="000000"/>
                   </a:solidFill>
@@ -752,7 +758,7 @@
             </a:ln>
             <a:extLst>
               <a:ext uri="{91240B29-F687-4f45-9708-019B960494DF}">
-                <a14:hiddenLine xmlns:a14="http://schemas.microsoft.com/office/drawing/2010/main" xmlns="" w="9525">
+                <a14:hiddenLine xmlns="" xmlns:a14="http://schemas.microsoft.com/office/drawing/2010/main" w="9525">
                   <a:solidFill>
                     <a:srgbClr val="000000"/>
                   </a:solidFill>
@@ -814,7 +820,7 @@
             </a:ln>
             <a:extLst>
               <a:ext uri="{91240B29-F687-4f45-9708-019B960494DF}">
-                <a14:hiddenLine xmlns:a14="http://schemas.microsoft.com/office/drawing/2010/main" xmlns="" w="9525">
+                <a14:hiddenLine xmlns="" xmlns:a14="http://schemas.microsoft.com/office/drawing/2010/main" w="9525">
                   <a:solidFill>
                     <a:srgbClr val="000000"/>
                   </a:solidFill>
@@ -876,7 +882,7 @@
             </a:ln>
             <a:extLst>
               <a:ext uri="{91240B29-F687-4f45-9708-019B960494DF}">
-                <a14:hiddenLine xmlns:a14="http://schemas.microsoft.com/office/drawing/2010/main" xmlns="" w="9525">
+                <a14:hiddenLine xmlns="" xmlns:a14="http://schemas.microsoft.com/office/drawing/2010/main" w="9525">
                   <a:solidFill>
                     <a:srgbClr val="000000"/>
                   </a:solidFill>
@@ -966,7 +972,7 @@
             </a:ln>
             <a:extLst>
               <a:ext uri="{91240B29-F687-4f45-9708-019B960494DF}">
-                <a14:hiddenLine xmlns:a14="http://schemas.microsoft.com/office/drawing/2010/main" xmlns="" w="9525">
+                <a14:hiddenLine xmlns="" xmlns:a14="http://schemas.microsoft.com/office/drawing/2010/main" w="9525">
                   <a:solidFill>
                     <a:srgbClr val="000000"/>
                   </a:solidFill>
@@ -1056,7 +1062,7 @@
             </a:ln>
             <a:extLst>
               <a:ext uri="{91240B29-F687-4f45-9708-019B960494DF}">
-                <a14:hiddenLine xmlns:a14="http://schemas.microsoft.com/office/drawing/2010/main" xmlns="" w="9525">
+                <a14:hiddenLine xmlns="" xmlns:a14="http://schemas.microsoft.com/office/drawing/2010/main" w="9525">
                   <a:solidFill>
                     <a:srgbClr val="000000"/>
                   </a:solidFill>
@@ -1118,7 +1124,7 @@
             </a:ln>
             <a:extLst>
               <a:ext uri="{91240B29-F687-4f45-9708-019B960494DF}">
-                <a14:hiddenLine xmlns:a14="http://schemas.microsoft.com/office/drawing/2010/main" xmlns="" w="9525">
+                <a14:hiddenLine xmlns="" xmlns:a14="http://schemas.microsoft.com/office/drawing/2010/main" w="9525">
                   <a:solidFill>
                     <a:srgbClr val="000000"/>
                   </a:solidFill>
@@ -1228,7 +1234,7 @@
             </a:ln>
             <a:extLst>
               <a:ext uri="{91240B29-F687-4f45-9708-019B960494DF}">
-                <a14:hiddenLine xmlns:a14="http://schemas.microsoft.com/office/drawing/2010/main" xmlns="" w="9525">
+                <a14:hiddenLine xmlns="" xmlns:a14="http://schemas.microsoft.com/office/drawing/2010/main" w="9525">
                   <a:solidFill>
                     <a:srgbClr val="000000"/>
                   </a:solidFill>
@@ -1290,7 +1296,7 @@
             </a:ln>
             <a:extLst>
               <a:ext uri="{91240B29-F687-4f45-9708-019B960494DF}">
-                <a14:hiddenLine xmlns:a14="http://schemas.microsoft.com/office/drawing/2010/main" xmlns="" w="9525">
+                <a14:hiddenLine xmlns="" xmlns:a14="http://schemas.microsoft.com/office/drawing/2010/main" w="9525">
                   <a:solidFill>
                     <a:srgbClr val="000000"/>
                   </a:solidFill>
@@ -1380,7 +1386,7 @@
             </a:ln>
             <a:extLst>
               <a:ext uri="{91240B29-F687-4f45-9708-019B960494DF}">
-                <a14:hiddenLine xmlns:a14="http://schemas.microsoft.com/office/drawing/2010/main" xmlns="" w="9525">
+                <a14:hiddenLine xmlns="" xmlns:a14="http://schemas.microsoft.com/office/drawing/2010/main" w="9525">
                   <a:solidFill>
                     <a:srgbClr val="000000"/>
                   </a:solidFill>
@@ -1470,7 +1476,7 @@
             </a:ln>
             <a:extLst>
               <a:ext uri="{91240B29-F687-4f45-9708-019B960494DF}">
-                <a14:hiddenLine xmlns:a14="http://schemas.microsoft.com/office/drawing/2010/main" xmlns="" w="9525">
+                <a14:hiddenLine xmlns="" xmlns:a14="http://schemas.microsoft.com/office/drawing/2010/main" w="9525">
                   <a:solidFill>
                     <a:srgbClr val="000000"/>
                   </a:solidFill>
@@ -1532,7 +1538,7 @@
             </a:ln>
             <a:extLst>
               <a:ext uri="{91240B29-F687-4f45-9708-019B960494DF}">
-                <a14:hiddenLine xmlns:a14="http://schemas.microsoft.com/office/drawing/2010/main" xmlns="" w="9525">
+                <a14:hiddenLine xmlns="" xmlns:a14="http://schemas.microsoft.com/office/drawing/2010/main" w="9525">
                   <a:solidFill>
                     <a:srgbClr val="000000"/>
                   </a:solidFill>
@@ -1622,7 +1628,7 @@
             </a:ln>
             <a:extLst>
               <a:ext uri="{91240B29-F687-4f45-9708-019B960494DF}">
-                <a14:hiddenLine xmlns:a14="http://schemas.microsoft.com/office/drawing/2010/main" xmlns="" w="9525">
+                <a14:hiddenLine xmlns="" xmlns:a14="http://schemas.microsoft.com/office/drawing/2010/main" w="9525">
                   <a:solidFill>
                     <a:srgbClr val="000000"/>
                   </a:solidFill>
@@ -1712,7 +1718,7 @@
             </a:ln>
             <a:extLst>
               <a:ext uri="{91240B29-F687-4f45-9708-019B960494DF}">
-                <a14:hiddenLine xmlns:a14="http://schemas.microsoft.com/office/drawing/2010/main" xmlns="" w="9525">
+                <a14:hiddenLine xmlns="" xmlns:a14="http://schemas.microsoft.com/office/drawing/2010/main" w="9525">
                   <a:solidFill>
                     <a:srgbClr val="000000"/>
                   </a:solidFill>
@@ -1768,7 +1774,7 @@
             </a:ln>
             <a:extLst>
               <a:ext uri="{91240B29-F687-4f45-9708-019B960494DF}">
-                <a14:hiddenLine xmlns:a14="http://schemas.microsoft.com/office/drawing/2010/main" xmlns="" w="9525">
+                <a14:hiddenLine xmlns="" xmlns:a14="http://schemas.microsoft.com/office/drawing/2010/main" w="9525">
                   <a:solidFill>
                     <a:srgbClr val="000000"/>
                   </a:solidFill>
@@ -1858,7 +1864,7 @@
             </a:ln>
             <a:extLst>
               <a:ext uri="{91240B29-F687-4f45-9708-019B960494DF}">
-                <a14:hiddenLine xmlns:a14="http://schemas.microsoft.com/office/drawing/2010/main" xmlns="" w="9525">
+                <a14:hiddenLine xmlns="" xmlns:a14="http://schemas.microsoft.com/office/drawing/2010/main" w="9525">
                   <a:solidFill>
                     <a:srgbClr val="000000"/>
                   </a:solidFill>
@@ -1914,7 +1920,7 @@
             </a:ln>
             <a:extLst>
               <a:ext uri="{91240B29-F687-4f45-9708-019B960494DF}">
-                <a14:hiddenLine xmlns:a14="http://schemas.microsoft.com/office/drawing/2010/main" xmlns="" w="9525">
+                <a14:hiddenLine xmlns="" xmlns:a14="http://schemas.microsoft.com/office/drawing/2010/main" w="9525">
                   <a:solidFill>
                     <a:srgbClr val="000000"/>
                   </a:solidFill>
@@ -2004,7 +2010,7 @@
             </a:ln>
             <a:extLst>
               <a:ext uri="{91240B29-F687-4f45-9708-019B960494DF}">
-                <a14:hiddenLine xmlns:a14="http://schemas.microsoft.com/office/drawing/2010/main" xmlns="" w="9525">
+                <a14:hiddenLine xmlns="" xmlns:a14="http://schemas.microsoft.com/office/drawing/2010/main" w="9525">
                   <a:solidFill>
                     <a:srgbClr val="000000"/>
                   </a:solidFill>
@@ -2072,7 +2078,7 @@
             </a:ln>
             <a:extLst>
               <a:ext uri="{91240B29-F687-4f45-9708-019B960494DF}">
-                <a14:hiddenLine xmlns:a14="http://schemas.microsoft.com/office/drawing/2010/main" xmlns="" w="9525">
+                <a14:hiddenLine xmlns="" xmlns:a14="http://schemas.microsoft.com/office/drawing/2010/main" w="9525">
                   <a:solidFill>
                     <a:srgbClr val="000000"/>
                   </a:solidFill>
@@ -2162,7 +2168,7 @@
             </a:ln>
             <a:extLst>
               <a:ext uri="{91240B29-F687-4f45-9708-019B960494DF}">
-                <a14:hiddenLine xmlns:a14="http://schemas.microsoft.com/office/drawing/2010/main" xmlns="" w="9525">
+                <a14:hiddenLine xmlns="" xmlns:a14="http://schemas.microsoft.com/office/drawing/2010/main" w="9525">
                   <a:solidFill>
                     <a:srgbClr val="000000"/>
                   </a:solidFill>
@@ -2230,7 +2236,7 @@
             </a:ln>
             <a:extLst>
               <a:ext uri="{91240B29-F687-4f45-9708-019B960494DF}">
-                <a14:hiddenLine xmlns:a14="http://schemas.microsoft.com/office/drawing/2010/main" xmlns="" w="9525">
+                <a14:hiddenLine xmlns="" xmlns:a14="http://schemas.microsoft.com/office/drawing/2010/main" w="9525">
                   <a:solidFill>
                     <a:srgbClr val="000000"/>
                   </a:solidFill>
@@ -2320,7 +2326,7 @@
             </a:ln>
             <a:extLst>
               <a:ext uri="{91240B29-F687-4f45-9708-019B960494DF}">
-                <a14:hiddenLine xmlns:a14="http://schemas.microsoft.com/office/drawing/2010/main" xmlns="" w="9525">
+                <a14:hiddenLine xmlns="" xmlns:a14="http://schemas.microsoft.com/office/drawing/2010/main" w="9525">
                   <a:solidFill>
                     <a:srgbClr val="000000"/>
                   </a:solidFill>
@@ -2354,7 +2360,7 @@
             </a:ln>
             <a:extLst>
               <a:ext uri="{91240B29-F687-4f45-9708-019B960494DF}">
-                <a14:hiddenLine xmlns:a14="http://schemas.microsoft.com/office/drawing/2010/main" xmlns="" w="9525">
+                <a14:hiddenLine xmlns="" xmlns:a14="http://schemas.microsoft.com/office/drawing/2010/main" w="9525">
                   <a:solidFill>
                     <a:srgbClr val="000000"/>
                   </a:solidFill>
@@ -2444,7 +2450,7 @@
             </a:ln>
             <a:extLst>
               <a:ext uri="{91240B29-F687-4f45-9708-019B960494DF}">
-                <a14:hiddenLine xmlns:a14="http://schemas.microsoft.com/office/drawing/2010/main" xmlns="" w="9525">
+                <a14:hiddenLine xmlns="" xmlns:a14="http://schemas.microsoft.com/office/drawing/2010/main" w="9525">
                   <a:solidFill>
                     <a:srgbClr val="000000"/>
                   </a:solidFill>
@@ -2506,7 +2512,7 @@
             </a:ln>
             <a:extLst>
               <a:ext uri="{91240B29-F687-4f45-9708-019B960494DF}">
-                <a14:hiddenLine xmlns:a14="http://schemas.microsoft.com/office/drawing/2010/main" xmlns="" w="9525">
+                <a14:hiddenLine xmlns="" xmlns:a14="http://schemas.microsoft.com/office/drawing/2010/main" w="9525">
                   <a:solidFill>
                     <a:srgbClr val="000000"/>
                   </a:solidFill>
@@ -2568,7 +2574,7 @@
             </a:ln>
             <a:extLst>
               <a:ext uri="{91240B29-F687-4f45-9708-019B960494DF}">
-                <a14:hiddenLine xmlns:a14="http://schemas.microsoft.com/office/drawing/2010/main" xmlns="" w="9525">
+                <a14:hiddenLine xmlns="" xmlns:a14="http://schemas.microsoft.com/office/drawing/2010/main" w="9525">
                   <a:solidFill>
                     <a:srgbClr val="000000"/>
                   </a:solidFill>
@@ -2658,7 +2664,7 @@
             </a:ln>
             <a:extLst>
               <a:ext uri="{91240B29-F687-4f45-9708-019B960494DF}">
-                <a14:hiddenLine xmlns:a14="http://schemas.microsoft.com/office/drawing/2010/main" xmlns="" w="9525">
+                <a14:hiddenLine xmlns="" xmlns:a14="http://schemas.microsoft.com/office/drawing/2010/main" w="9525">
                   <a:solidFill>
                     <a:srgbClr val="000000"/>
                   </a:solidFill>
@@ -2726,7 +2732,7 @@
             </a:ln>
             <a:extLst>
               <a:ext uri="{91240B29-F687-4f45-9708-019B960494DF}">
-                <a14:hiddenLine xmlns:a14="http://schemas.microsoft.com/office/drawing/2010/main" xmlns="" w="9525">
+                <a14:hiddenLine xmlns="" xmlns:a14="http://schemas.microsoft.com/office/drawing/2010/main" w="9525">
                   <a:solidFill>
                     <a:srgbClr val="000000"/>
                   </a:solidFill>
@@ -2788,7 +2794,7 @@
             </a:ln>
             <a:extLst>
               <a:ext uri="{91240B29-F687-4f45-9708-019B960494DF}">
-                <a14:hiddenLine xmlns:a14="http://schemas.microsoft.com/office/drawing/2010/main" xmlns="" w="9525">
+                <a14:hiddenLine xmlns="" xmlns:a14="http://schemas.microsoft.com/office/drawing/2010/main" w="9525">
                   <a:solidFill>
                     <a:srgbClr val="000000"/>
                   </a:solidFill>
@@ -2878,7 +2884,7 @@
             </a:ln>
             <a:extLst>
               <a:ext uri="{91240B29-F687-4f45-9708-019B960494DF}">
-                <a14:hiddenLine xmlns:a14="http://schemas.microsoft.com/office/drawing/2010/main" xmlns="" w="9525">
+                <a14:hiddenLine xmlns="" xmlns:a14="http://schemas.microsoft.com/office/drawing/2010/main" w="9525">
                   <a:solidFill>
                     <a:srgbClr val="000000"/>
                   </a:solidFill>
@@ -2940,7 +2946,7 @@
             </a:ln>
             <a:extLst>
               <a:ext uri="{91240B29-F687-4f45-9708-019B960494DF}">
-                <a14:hiddenLine xmlns:a14="http://schemas.microsoft.com/office/drawing/2010/main" xmlns="" w="9525">
+                <a14:hiddenLine xmlns="" xmlns:a14="http://schemas.microsoft.com/office/drawing/2010/main" w="9525">
                   <a:solidFill>
                     <a:srgbClr val="000000"/>
                   </a:solidFill>
@@ -3030,7 +3036,7 @@
             </a:ln>
             <a:extLst>
               <a:ext uri="{91240B29-F687-4f45-9708-019B960494DF}">
-                <a14:hiddenLine xmlns:a14="http://schemas.microsoft.com/office/drawing/2010/main" xmlns="" w="9525">
+                <a14:hiddenLine xmlns="" xmlns:a14="http://schemas.microsoft.com/office/drawing/2010/main" w="9525">
                   <a:solidFill>
                     <a:srgbClr val="000000"/>
                   </a:solidFill>
@@ -3092,7 +3098,7 @@
             </a:ln>
             <a:extLst>
               <a:ext uri="{91240B29-F687-4f45-9708-019B960494DF}">
-                <a14:hiddenLine xmlns:a14="http://schemas.microsoft.com/office/drawing/2010/main" xmlns="" w="9525">
+                <a14:hiddenLine xmlns="" xmlns:a14="http://schemas.microsoft.com/office/drawing/2010/main" w="9525">
                   <a:solidFill>
                     <a:srgbClr val="000000"/>
                   </a:solidFill>
@@ -3182,7 +3188,7 @@
             </a:ln>
             <a:extLst>
               <a:ext uri="{91240B29-F687-4f45-9708-019B960494DF}">
-                <a14:hiddenLine xmlns:a14="http://schemas.microsoft.com/office/drawing/2010/main" xmlns="" w="9525">
+                <a14:hiddenLine xmlns="" xmlns:a14="http://schemas.microsoft.com/office/drawing/2010/main" w="9525">
                   <a:solidFill>
                     <a:srgbClr val="000000"/>
                   </a:solidFill>
@@ -3216,7 +3222,7 @@
             </a:ln>
             <a:extLst>
               <a:ext uri="{91240B29-F687-4f45-9708-019B960494DF}">
-                <a14:hiddenLine xmlns:a14="http://schemas.microsoft.com/office/drawing/2010/main" xmlns="" w="9525">
+                <a14:hiddenLine xmlns="" xmlns:a14="http://schemas.microsoft.com/office/drawing/2010/main" w="9525">
                   <a:solidFill>
                     <a:srgbClr val="000000"/>
                   </a:solidFill>
@@ -3281,7 +3287,7 @@
             </a:ln>
             <a:extLst>
               <a:ext uri="{91240B29-F687-4f45-9708-019B960494DF}">
-                <a14:hiddenLine xmlns:a14="http://schemas.microsoft.com/office/drawing/2010/main" xmlns="" w="9525">
+                <a14:hiddenLine xmlns="" xmlns:a14="http://schemas.microsoft.com/office/drawing/2010/main" w="9525">
                   <a:solidFill>
                     <a:srgbClr val="000000"/>
                   </a:solidFill>
@@ -3371,7 +3377,7 @@
             </a:ln>
             <a:extLst>
               <a:ext uri="{91240B29-F687-4f45-9708-019B960494DF}">
-                <a14:hiddenLine xmlns:a14="http://schemas.microsoft.com/office/drawing/2010/main" xmlns="" w="9525">
+                <a14:hiddenLine xmlns="" xmlns:a14="http://schemas.microsoft.com/office/drawing/2010/main" w="9525">
                   <a:solidFill>
                     <a:srgbClr val="000000"/>
                   </a:solidFill>
@@ -3433,7 +3439,7 @@
             </a:ln>
             <a:extLst>
               <a:ext uri="{91240B29-F687-4f45-9708-019B960494DF}">
-                <a14:hiddenLine xmlns:a14="http://schemas.microsoft.com/office/drawing/2010/main" xmlns="" w="9525">
+                <a14:hiddenLine xmlns="" xmlns:a14="http://schemas.microsoft.com/office/drawing/2010/main" w="9525">
                   <a:solidFill>
                     <a:srgbClr val="000000"/>
                   </a:solidFill>
@@ -3523,7 +3529,7 @@
             </a:ln>
             <a:extLst>
               <a:ext uri="{91240B29-F687-4f45-9708-019B960494DF}">
-                <a14:hiddenLine xmlns:a14="http://schemas.microsoft.com/office/drawing/2010/main" xmlns="" w="9525">
+                <a14:hiddenLine xmlns="" xmlns:a14="http://schemas.microsoft.com/office/drawing/2010/main" w="9525">
                   <a:solidFill>
                     <a:srgbClr val="000000"/>
                   </a:solidFill>
@@ -3613,7 +3619,7 @@
             </a:ln>
             <a:extLst>
               <a:ext uri="{91240B29-F687-4f45-9708-019B960494DF}">
-                <a14:hiddenLine xmlns:a14="http://schemas.microsoft.com/office/drawing/2010/main" xmlns="" w="9525">
+                <a14:hiddenLine xmlns="" xmlns:a14="http://schemas.microsoft.com/office/drawing/2010/main" w="9525">
                   <a:solidFill>
                     <a:srgbClr val="000000"/>
                   </a:solidFill>
@@ -3678,7 +3684,7 @@
             </a:ln>
             <a:extLst>
               <a:ext uri="{91240B29-F687-4f45-9708-019B960494DF}">
-                <a14:hiddenLine xmlns:a14="http://schemas.microsoft.com/office/drawing/2010/main" xmlns="" w="9525">
+                <a14:hiddenLine xmlns="" xmlns:a14="http://schemas.microsoft.com/office/drawing/2010/main" w="9525">
                   <a:solidFill>
                     <a:srgbClr val="000000"/>
                   </a:solidFill>
@@ -3740,7 +3746,7 @@
             </a:ln>
             <a:extLst>
               <a:ext uri="{91240B29-F687-4f45-9708-019B960494DF}">
-                <a14:hiddenLine xmlns:a14="http://schemas.microsoft.com/office/drawing/2010/main" xmlns="" w="9525">
+                <a14:hiddenLine xmlns="" xmlns:a14="http://schemas.microsoft.com/office/drawing/2010/main" w="9525">
                   <a:solidFill>
                     <a:srgbClr val="000000"/>
                   </a:solidFill>
@@ -3830,7 +3836,7 @@
             </a:ln>
             <a:extLst>
               <a:ext uri="{91240B29-F687-4f45-9708-019B960494DF}">
-                <a14:hiddenLine xmlns:a14="http://schemas.microsoft.com/office/drawing/2010/main" xmlns="" w="9525">
+                <a14:hiddenLine xmlns="" xmlns:a14="http://schemas.microsoft.com/office/drawing/2010/main" w="9525">
                   <a:solidFill>
                     <a:srgbClr val="000000"/>
                   </a:solidFill>
@@ -3920,7 +3926,7 @@
             </a:ln>
             <a:extLst>
               <a:ext uri="{91240B29-F687-4f45-9708-019B960494DF}">
-                <a14:hiddenLine xmlns:a14="http://schemas.microsoft.com/office/drawing/2010/main" xmlns="" w="9525">
+                <a14:hiddenLine xmlns="" xmlns:a14="http://schemas.microsoft.com/office/drawing/2010/main" w="9525">
                   <a:solidFill>
                     <a:srgbClr val="000000"/>
                   </a:solidFill>
@@ -3982,7 +3988,7 @@
             </a:ln>
             <a:extLst>
               <a:ext uri="{91240B29-F687-4f45-9708-019B960494DF}">
-                <a14:hiddenLine xmlns:a14="http://schemas.microsoft.com/office/drawing/2010/main" xmlns="" w="9525">
+                <a14:hiddenLine xmlns="" xmlns:a14="http://schemas.microsoft.com/office/drawing/2010/main" w="9525">
                   <a:solidFill>
                     <a:srgbClr val="000000"/>
                   </a:solidFill>
@@ -4102,7 +4108,7 @@
             </a:ln>
             <a:extLst>
               <a:ext uri="{91240B29-F687-4f45-9708-019B960494DF}">
-                <a14:hiddenLine xmlns:a14="http://schemas.microsoft.com/office/drawing/2010/main" xmlns="" w="9525">
+                <a14:hiddenLine xmlns="" xmlns:a14="http://schemas.microsoft.com/office/drawing/2010/main" w="9525">
                   <a:solidFill>
                     <a:srgbClr val="000000"/>
                   </a:solidFill>
@@ -4170,7 +4176,7 @@
             </a:ln>
             <a:extLst>
               <a:ext uri="{91240B29-F687-4f45-9708-019B960494DF}">
-                <a14:hiddenLine xmlns:a14="http://schemas.microsoft.com/office/drawing/2010/main" xmlns="" w="9525">
+                <a14:hiddenLine xmlns="" xmlns:a14="http://schemas.microsoft.com/office/drawing/2010/main" w="9525">
                   <a:solidFill>
                     <a:srgbClr val="000000"/>
                   </a:solidFill>
@@ -4260,7 +4266,7 @@
             </a:ln>
             <a:extLst>
               <a:ext uri="{91240B29-F687-4f45-9708-019B960494DF}">
-                <a14:hiddenLine xmlns:a14="http://schemas.microsoft.com/office/drawing/2010/main" xmlns="" w="9525">
+                <a14:hiddenLine xmlns="" xmlns:a14="http://schemas.microsoft.com/office/drawing/2010/main" w="9525">
                   <a:solidFill>
                     <a:srgbClr val="000000"/>
                   </a:solidFill>
@@ -4400,7 +4406,7 @@
           <a:p>
             <a:fld id="{6AC71DA6-16EA-4B99-A57E-C700199AA47B}" type="datetimeFigureOut">
               <a:rPr lang="en-US" smtClean="0"/>
-              <a:t>12/16/2021</a:t>
+              <a:t>12/17/2021</a:t>
             </a:fld>
             <a:endParaRPr lang="en-US"/>
           </a:p>
@@ -4667,7 +4673,7 @@
           <a:p>
             <a:fld id="{6AC71DA6-16EA-4B99-A57E-C700199AA47B}" type="datetimeFigureOut">
               <a:rPr lang="en-US" smtClean="0"/>
-              <a:t>12/16/2021</a:t>
+              <a:t>12/17/2021</a:t>
             </a:fld>
             <a:endParaRPr lang="en-US"/>
           </a:p>
@@ -4863,7 +4869,7 @@
           <a:p>
             <a:fld id="{6AC71DA6-16EA-4B99-A57E-C700199AA47B}" type="datetimeFigureOut">
               <a:rPr lang="en-US" smtClean="0"/>
-              <a:t>12/16/2021</a:t>
+              <a:t>12/17/2021</a:t>
             </a:fld>
             <a:endParaRPr lang="en-US"/>
           </a:p>
@@ -5126,7 +5132,7 @@
           <a:p>
             <a:fld id="{6AC71DA6-16EA-4B99-A57E-C700199AA47B}" type="datetimeFigureOut">
               <a:rPr lang="en-US" smtClean="0"/>
-              <a:t>12/16/2021</a:t>
+              <a:t>12/17/2021</a:t>
             </a:fld>
             <a:endParaRPr lang="en-US"/>
           </a:p>
@@ -5560,7 +5566,7 @@
           <a:p>
             <a:fld id="{6AC71DA6-16EA-4B99-A57E-C700199AA47B}" type="datetimeFigureOut">
               <a:rPr lang="en-US" smtClean="0"/>
-              <a:t>12/16/2021</a:t>
+              <a:t>12/17/2021</a:t>
             </a:fld>
             <a:endParaRPr lang="en-US"/>
           </a:p>
@@ -6106,7 +6112,7 @@
           <a:p>
             <a:fld id="{6AC71DA6-16EA-4B99-A57E-C700199AA47B}" type="datetimeFigureOut">
               <a:rPr lang="en-US" smtClean="0"/>
-              <a:t>12/16/2021</a:t>
+              <a:t>12/17/2021</a:t>
             </a:fld>
             <a:endParaRPr lang="en-US"/>
           </a:p>
@@ -6826,7 +6832,7 @@
           <a:p>
             <a:fld id="{6AC71DA6-16EA-4B99-A57E-C700199AA47B}" type="datetimeFigureOut">
               <a:rPr lang="en-US" smtClean="0"/>
-              <a:t>12/16/2021</a:t>
+              <a:t>12/17/2021</a:t>
             </a:fld>
             <a:endParaRPr lang="en-US"/>
           </a:p>
@@ -6996,7 +7002,7 @@
           <a:p>
             <a:fld id="{6AC71DA6-16EA-4B99-A57E-C700199AA47B}" type="datetimeFigureOut">
               <a:rPr lang="en-US" smtClean="0"/>
-              <a:t>12/16/2021</a:t>
+              <a:t>12/17/2021</a:t>
             </a:fld>
             <a:endParaRPr lang="en-US"/>
           </a:p>
@@ -7176,7 +7182,7 @@
           <a:p>
             <a:fld id="{6AC71DA6-16EA-4B99-A57E-C700199AA47B}" type="datetimeFigureOut">
               <a:rPr lang="en-US" smtClean="0"/>
-              <a:t>12/16/2021</a:t>
+              <a:t>12/17/2021</a:t>
             </a:fld>
             <a:endParaRPr lang="en-US"/>
           </a:p>
@@ -7346,7 +7352,7 @@
           <a:p>
             <a:fld id="{6AC71DA6-16EA-4B99-A57E-C700199AA47B}" type="datetimeFigureOut">
               <a:rPr lang="en-US" smtClean="0"/>
-              <a:t>12/16/2021</a:t>
+              <a:t>12/17/2021</a:t>
             </a:fld>
             <a:endParaRPr lang="en-US"/>
           </a:p>
@@ -7596,7 +7602,7 @@
           <a:p>
             <a:fld id="{6AC71DA6-16EA-4B99-A57E-C700199AA47B}" type="datetimeFigureOut">
               <a:rPr lang="en-US" smtClean="0"/>
-              <a:t>12/16/2021</a:t>
+              <a:t>12/17/2021</a:t>
             </a:fld>
             <a:endParaRPr lang="en-US"/>
           </a:p>
@@ -7828,7 +7834,7 @@
           <a:p>
             <a:fld id="{6AC71DA6-16EA-4B99-A57E-C700199AA47B}" type="datetimeFigureOut">
               <a:rPr lang="en-US" smtClean="0"/>
-              <a:t>12/16/2021</a:t>
+              <a:t>12/17/2021</a:t>
             </a:fld>
             <a:endParaRPr lang="en-US"/>
           </a:p>
@@ -8209,7 +8215,7 @@
           <a:p>
             <a:fld id="{6AC71DA6-16EA-4B99-A57E-C700199AA47B}" type="datetimeFigureOut">
               <a:rPr lang="en-US" smtClean="0"/>
-              <a:t>12/16/2021</a:t>
+              <a:t>12/17/2021</a:t>
             </a:fld>
             <a:endParaRPr lang="en-US"/>
           </a:p>
@@ -8327,7 +8333,7 @@
           <a:p>
             <a:fld id="{6AC71DA6-16EA-4B99-A57E-C700199AA47B}" type="datetimeFigureOut">
               <a:rPr lang="en-US" smtClean="0"/>
-              <a:t>12/16/2021</a:t>
+              <a:t>12/17/2021</a:t>
             </a:fld>
             <a:endParaRPr lang="en-US"/>
           </a:p>
@@ -8422,7 +8428,7 @@
           <a:p>
             <a:fld id="{6AC71DA6-16EA-4B99-A57E-C700199AA47B}" type="datetimeFigureOut">
               <a:rPr lang="en-US" smtClean="0"/>
-              <a:t>12/16/2021</a:t>
+              <a:t>12/17/2021</a:t>
             </a:fld>
             <a:endParaRPr lang="en-US"/>
           </a:p>
@@ -8671,7 +8677,7 @@
           <a:p>
             <a:fld id="{6AC71DA6-16EA-4B99-A57E-C700199AA47B}" type="datetimeFigureOut">
               <a:rPr lang="en-US" smtClean="0"/>
-              <a:t>12/16/2021</a:t>
+              <a:t>12/17/2021</a:t>
             </a:fld>
             <a:endParaRPr lang="en-US"/>
           </a:p>
@@ -8951,7 +8957,7 @@
           <a:p>
             <a:fld id="{6AC71DA6-16EA-4B99-A57E-C700199AA47B}" type="datetimeFigureOut">
               <a:rPr lang="en-US" smtClean="0"/>
-              <a:t>12/16/2021</a:t>
+              <a:t>12/17/2021</a:t>
             </a:fld>
             <a:endParaRPr lang="en-US"/>
           </a:p>
@@ -9067,7 +9073,7 @@
           <a:noFill/>
           <a:extLst>
             <a:ext uri="{909E8E84-426E-40dd-AFC4-6F175D3DCCD1}">
-              <a14:hiddenFill xmlns:a14="http://schemas.microsoft.com/office/drawing/2010/main" xmlns="">
+              <a14:hiddenFill xmlns="" xmlns:a14="http://schemas.microsoft.com/office/drawing/2010/main">
                 <a:solidFill>
                   <a:srgbClr val="FFFFFF"/>
                 </a:solidFill>
@@ -9141,7 +9147,7 @@
               </a:ln>
               <a:extLst>
                 <a:ext uri="{91240B29-F687-4f45-9708-019B960494DF}">
-                  <a14:hiddenLine xmlns:a14="http://schemas.microsoft.com/office/drawing/2010/main" xmlns="" w="9525">
+                  <a14:hiddenLine xmlns="" xmlns:a14="http://schemas.microsoft.com/office/drawing/2010/main" w="9525">
                     <a:solidFill>
                       <a:srgbClr val="000000"/>
                     </a:solidFill>
@@ -9231,7 +9237,7 @@
               </a:ln>
               <a:extLst>
                 <a:ext uri="{91240B29-F687-4f45-9708-019B960494DF}">
-                  <a14:hiddenLine xmlns:a14="http://schemas.microsoft.com/office/drawing/2010/main" xmlns="" w="9525">
+                  <a14:hiddenLine xmlns="" xmlns:a14="http://schemas.microsoft.com/office/drawing/2010/main" w="9525">
                     <a:solidFill>
                       <a:srgbClr val="000000"/>
                     </a:solidFill>
@@ -9321,7 +9327,7 @@
               </a:ln>
               <a:extLst>
                 <a:ext uri="{91240B29-F687-4f45-9708-019B960494DF}">
-                  <a14:hiddenLine xmlns:a14="http://schemas.microsoft.com/office/drawing/2010/main" xmlns="" w="9525">
+                  <a14:hiddenLine xmlns="" xmlns:a14="http://schemas.microsoft.com/office/drawing/2010/main" w="9525">
                     <a:solidFill>
                       <a:srgbClr val="000000"/>
                     </a:solidFill>
@@ -9383,7 +9389,7 @@
               </a:ln>
               <a:extLst>
                 <a:ext uri="{91240B29-F687-4f45-9708-019B960494DF}">
-                  <a14:hiddenLine xmlns:a14="http://schemas.microsoft.com/office/drawing/2010/main" xmlns="" w="9525">
+                  <a14:hiddenLine xmlns="" xmlns:a14="http://schemas.microsoft.com/office/drawing/2010/main" w="9525">
                     <a:solidFill>
                       <a:srgbClr val="000000"/>
                     </a:solidFill>
@@ -9473,7 +9479,7 @@
               </a:ln>
               <a:extLst>
                 <a:ext uri="{91240B29-F687-4f45-9708-019B960494DF}">
-                  <a14:hiddenLine xmlns:a14="http://schemas.microsoft.com/office/drawing/2010/main" xmlns="" w="9525">
+                  <a14:hiddenLine xmlns="" xmlns:a14="http://schemas.microsoft.com/office/drawing/2010/main" w="9525">
                     <a:solidFill>
                       <a:srgbClr val="000000"/>
                     </a:solidFill>
@@ -9535,7 +9541,7 @@
               </a:ln>
               <a:extLst>
                 <a:ext uri="{91240B29-F687-4f45-9708-019B960494DF}">
-                  <a14:hiddenLine xmlns:a14="http://schemas.microsoft.com/office/drawing/2010/main" xmlns="" w="9525">
+                  <a14:hiddenLine xmlns="" xmlns:a14="http://schemas.microsoft.com/office/drawing/2010/main" w="9525">
                     <a:solidFill>
                       <a:srgbClr val="000000"/>
                     </a:solidFill>
@@ -9597,7 +9603,7 @@
               </a:ln>
               <a:extLst>
                 <a:ext uri="{91240B29-F687-4f45-9708-019B960494DF}">
-                  <a14:hiddenLine xmlns:a14="http://schemas.microsoft.com/office/drawing/2010/main" xmlns="" w="9525">
+                  <a14:hiddenLine xmlns="" xmlns:a14="http://schemas.microsoft.com/office/drawing/2010/main" w="9525">
                     <a:solidFill>
                       <a:srgbClr val="000000"/>
                     </a:solidFill>
@@ -9687,7 +9693,7 @@
               </a:ln>
               <a:extLst>
                 <a:ext uri="{91240B29-F687-4f45-9708-019B960494DF}">
-                  <a14:hiddenLine xmlns:a14="http://schemas.microsoft.com/office/drawing/2010/main" xmlns="" w="9525">
+                  <a14:hiddenLine xmlns="" xmlns:a14="http://schemas.microsoft.com/office/drawing/2010/main" w="9525">
                     <a:solidFill>
                       <a:srgbClr val="000000"/>
                     </a:solidFill>
@@ -9777,7 +9783,7 @@
               </a:ln>
               <a:extLst>
                 <a:ext uri="{91240B29-F687-4f45-9708-019B960494DF}">
-                  <a14:hiddenLine xmlns:a14="http://schemas.microsoft.com/office/drawing/2010/main" xmlns="" w="9525">
+                  <a14:hiddenLine xmlns="" xmlns:a14="http://schemas.microsoft.com/office/drawing/2010/main" w="9525">
                     <a:solidFill>
                       <a:srgbClr val="000000"/>
                     </a:solidFill>
@@ -9839,7 +9845,7 @@
               </a:ln>
               <a:extLst>
                 <a:ext uri="{91240B29-F687-4f45-9708-019B960494DF}">
-                  <a14:hiddenLine xmlns:a14="http://schemas.microsoft.com/office/drawing/2010/main" xmlns="" w="9525">
+                  <a14:hiddenLine xmlns="" xmlns:a14="http://schemas.microsoft.com/office/drawing/2010/main" w="9525">
                     <a:solidFill>
                       <a:srgbClr val="000000"/>
                     </a:solidFill>
@@ -9949,7 +9955,7 @@
               </a:ln>
               <a:extLst>
                 <a:ext uri="{91240B29-F687-4f45-9708-019B960494DF}">
-                  <a14:hiddenLine xmlns:a14="http://schemas.microsoft.com/office/drawing/2010/main" xmlns="" w="9525">
+                  <a14:hiddenLine xmlns="" xmlns:a14="http://schemas.microsoft.com/office/drawing/2010/main" w="9525">
                     <a:solidFill>
                       <a:srgbClr val="000000"/>
                     </a:solidFill>
@@ -10033,7 +10039,7 @@
               </a:ln>
               <a:extLst>
                 <a:ext uri="{91240B29-F687-4f45-9708-019B960494DF}">
-                  <a14:hiddenLine xmlns:a14="http://schemas.microsoft.com/office/drawing/2010/main" xmlns="" w="9525">
+                  <a14:hiddenLine xmlns="" xmlns:a14="http://schemas.microsoft.com/office/drawing/2010/main" w="9525">
                     <a:solidFill>
                       <a:srgbClr val="000000"/>
                     </a:solidFill>
@@ -10095,7 +10101,7 @@
               </a:ln>
               <a:extLst>
                 <a:ext uri="{91240B29-F687-4f45-9708-019B960494DF}">
-                  <a14:hiddenLine xmlns:a14="http://schemas.microsoft.com/office/drawing/2010/main" xmlns="" w="9525">
+                  <a14:hiddenLine xmlns="" xmlns:a14="http://schemas.microsoft.com/office/drawing/2010/main" w="9525">
                     <a:solidFill>
                       <a:srgbClr val="000000"/>
                     </a:solidFill>
@@ -10157,7 +10163,7 @@
               </a:ln>
               <a:extLst>
                 <a:ext uri="{91240B29-F687-4f45-9708-019B960494DF}">
-                  <a14:hiddenLine xmlns:a14="http://schemas.microsoft.com/office/drawing/2010/main" xmlns="" w="9525">
+                  <a14:hiddenLine xmlns="" xmlns:a14="http://schemas.microsoft.com/office/drawing/2010/main" w="9525">
                     <a:solidFill>
                       <a:srgbClr val="000000"/>
                     </a:solidFill>
@@ -10247,7 +10253,7 @@
               </a:ln>
               <a:extLst>
                 <a:ext uri="{91240B29-F687-4f45-9708-019B960494DF}">
-                  <a14:hiddenLine xmlns:a14="http://schemas.microsoft.com/office/drawing/2010/main" xmlns="" w="9525">
+                  <a14:hiddenLine xmlns="" xmlns:a14="http://schemas.microsoft.com/office/drawing/2010/main" w="9525">
                     <a:solidFill>
                       <a:srgbClr val="000000"/>
                     </a:solidFill>
@@ -10281,7 +10287,7 @@
               </a:ln>
               <a:extLst>
                 <a:ext uri="{91240B29-F687-4f45-9708-019B960494DF}">
-                  <a14:hiddenLine xmlns:a14="http://schemas.microsoft.com/office/drawing/2010/main" xmlns="" w="9525">
+                  <a14:hiddenLine xmlns="" xmlns:a14="http://schemas.microsoft.com/office/drawing/2010/main" w="9525">
                     <a:solidFill>
                       <a:srgbClr val="000000"/>
                     </a:solidFill>
@@ -10346,7 +10352,7 @@
               </a:ln>
               <a:extLst>
                 <a:ext uri="{91240B29-F687-4f45-9708-019B960494DF}">
-                  <a14:hiddenLine xmlns:a14="http://schemas.microsoft.com/office/drawing/2010/main" xmlns="" w="9525">
+                  <a14:hiddenLine xmlns="" xmlns:a14="http://schemas.microsoft.com/office/drawing/2010/main" w="9525">
                     <a:solidFill>
                       <a:srgbClr val="000000"/>
                     </a:solidFill>
@@ -10436,7 +10442,7 @@
               </a:ln>
               <a:extLst>
                 <a:ext uri="{91240B29-F687-4f45-9708-019B960494DF}">
-                  <a14:hiddenLine xmlns:a14="http://schemas.microsoft.com/office/drawing/2010/main" xmlns="" w="9525">
+                  <a14:hiddenLine xmlns="" xmlns:a14="http://schemas.microsoft.com/office/drawing/2010/main" w="9525">
                     <a:solidFill>
                       <a:srgbClr val="000000"/>
                     </a:solidFill>
@@ -10498,7 +10504,7 @@
               </a:ln>
               <a:extLst>
                 <a:ext uri="{91240B29-F687-4f45-9708-019B960494DF}">
-                  <a14:hiddenLine xmlns:a14="http://schemas.microsoft.com/office/drawing/2010/main" xmlns="" w="9525">
+                  <a14:hiddenLine xmlns="" xmlns:a14="http://schemas.microsoft.com/office/drawing/2010/main" w="9525">
                     <a:solidFill>
                       <a:srgbClr val="000000"/>
                     </a:solidFill>
@@ -10588,7 +10594,7 @@
               </a:ln>
               <a:extLst>
                 <a:ext uri="{91240B29-F687-4f45-9708-019B960494DF}">
-                  <a14:hiddenLine xmlns:a14="http://schemas.microsoft.com/office/drawing/2010/main" xmlns="" w="9525">
+                  <a14:hiddenLine xmlns="" xmlns:a14="http://schemas.microsoft.com/office/drawing/2010/main" w="9525">
                     <a:solidFill>
                       <a:srgbClr val="000000"/>
                     </a:solidFill>
@@ -10653,7 +10659,7 @@
               </a:ln>
               <a:extLst>
                 <a:ext uri="{91240B29-F687-4f45-9708-019B960494DF}">
-                  <a14:hiddenLine xmlns:a14="http://schemas.microsoft.com/office/drawing/2010/main" xmlns="" w="9525">
+                  <a14:hiddenLine xmlns="" xmlns:a14="http://schemas.microsoft.com/office/drawing/2010/main" w="9525">
                     <a:solidFill>
                       <a:srgbClr val="000000"/>
                     </a:solidFill>
@@ -10715,7 +10721,7 @@
               </a:ln>
               <a:extLst>
                 <a:ext uri="{91240B29-F687-4f45-9708-019B960494DF}">
-                  <a14:hiddenLine xmlns:a14="http://schemas.microsoft.com/office/drawing/2010/main" xmlns="" w="9525">
+                  <a14:hiddenLine xmlns="" xmlns:a14="http://schemas.microsoft.com/office/drawing/2010/main" w="9525">
                     <a:solidFill>
                       <a:srgbClr val="000000"/>
                     </a:solidFill>
@@ -10805,7 +10811,7 @@
               </a:ln>
               <a:extLst>
                 <a:ext uri="{91240B29-F687-4f45-9708-019B960494DF}">
-                  <a14:hiddenLine xmlns:a14="http://schemas.microsoft.com/office/drawing/2010/main" xmlns="" w="9525">
+                  <a14:hiddenLine xmlns="" xmlns:a14="http://schemas.microsoft.com/office/drawing/2010/main" w="9525">
                     <a:solidFill>
                       <a:srgbClr val="000000"/>
                     </a:solidFill>
@@ -10895,7 +10901,7 @@
               </a:ln>
               <a:extLst>
                 <a:ext uri="{91240B29-F687-4f45-9708-019B960494DF}">
-                  <a14:hiddenLine xmlns:a14="http://schemas.microsoft.com/office/drawing/2010/main" xmlns="" w="9525">
+                  <a14:hiddenLine xmlns="" xmlns:a14="http://schemas.microsoft.com/office/drawing/2010/main" w="9525">
                     <a:solidFill>
                       <a:srgbClr val="000000"/>
                     </a:solidFill>
@@ -10960,7 +10966,7 @@
               </a:ln>
               <a:extLst>
                 <a:ext uri="{91240B29-F687-4f45-9708-019B960494DF}">
-                  <a14:hiddenLine xmlns:a14="http://schemas.microsoft.com/office/drawing/2010/main" xmlns="" w="9525">
+                  <a14:hiddenLine xmlns="" xmlns:a14="http://schemas.microsoft.com/office/drawing/2010/main" w="9525">
                     <a:solidFill>
                       <a:srgbClr val="000000"/>
                     </a:solidFill>
@@ -11080,7 +11086,7 @@
               </a:ln>
               <a:extLst>
                 <a:ext uri="{91240B29-F687-4f45-9708-019B960494DF}">
-                  <a14:hiddenLine xmlns:a14="http://schemas.microsoft.com/office/drawing/2010/main" xmlns="" w="9525">
+                  <a14:hiddenLine xmlns="" xmlns:a14="http://schemas.microsoft.com/office/drawing/2010/main" w="9525">
                     <a:solidFill>
                       <a:srgbClr val="000000"/>
                     </a:solidFill>
@@ -11178,7 +11184,7 @@
               </a:ln>
               <a:extLst>
                 <a:ext uri="{91240B29-F687-4f45-9708-019B960494DF}">
-                  <a14:hiddenLine xmlns:a14="http://schemas.microsoft.com/office/drawing/2010/main" xmlns="" w="9525">
+                  <a14:hiddenLine xmlns="" xmlns:a14="http://schemas.microsoft.com/office/drawing/2010/main" w="9525">
                     <a:solidFill>
                       <a:srgbClr val="000000"/>
                     </a:solidFill>
@@ -11293,7 +11299,7 @@
               </a:ln>
               <a:extLst>
                 <a:ext uri="{91240B29-F687-4f45-9708-019B960494DF}">
-                  <a14:hiddenLine xmlns:a14="http://schemas.microsoft.com/office/drawing/2010/main" xmlns="" w="9525">
+                  <a14:hiddenLine xmlns="" xmlns:a14="http://schemas.microsoft.com/office/drawing/2010/main" w="9525">
                     <a:solidFill>
                       <a:srgbClr val="000000"/>
                     </a:solidFill>
@@ -11383,7 +11389,7 @@
               </a:ln>
               <a:extLst>
                 <a:ext uri="{91240B29-F687-4f45-9708-019B960494DF}">
-                  <a14:hiddenLine xmlns:a14="http://schemas.microsoft.com/office/drawing/2010/main" xmlns="" w="9525">
+                  <a14:hiddenLine xmlns="" xmlns:a14="http://schemas.microsoft.com/office/drawing/2010/main" w="9525">
                     <a:solidFill>
                       <a:srgbClr val="000000"/>
                     </a:solidFill>
@@ -11448,7 +11454,7 @@
               </a:ln>
               <a:extLst>
                 <a:ext uri="{91240B29-F687-4f45-9708-019B960494DF}">
-                  <a14:hiddenLine xmlns:a14="http://schemas.microsoft.com/office/drawing/2010/main" xmlns="" w="9525">
+                  <a14:hiddenLine xmlns="" xmlns:a14="http://schemas.microsoft.com/office/drawing/2010/main" w="9525">
                     <a:solidFill>
                       <a:srgbClr val="000000"/>
                     </a:solidFill>
@@ -11538,7 +11544,7 @@
               </a:ln>
               <a:extLst>
                 <a:ext uri="{91240B29-F687-4f45-9708-019B960494DF}">
-                  <a14:hiddenLine xmlns:a14="http://schemas.microsoft.com/office/drawing/2010/main" xmlns="" w="9525">
+                  <a14:hiddenLine xmlns="" xmlns:a14="http://schemas.microsoft.com/office/drawing/2010/main" w="9525">
                     <a:solidFill>
                       <a:srgbClr val="000000"/>
                     </a:solidFill>
@@ -11606,7 +11612,7 @@
               </a:ln>
               <a:extLst>
                 <a:ext uri="{91240B29-F687-4f45-9708-019B960494DF}">
-                  <a14:hiddenLine xmlns:a14="http://schemas.microsoft.com/office/drawing/2010/main" xmlns="" w="9525">
+                  <a14:hiddenLine xmlns="" xmlns:a14="http://schemas.microsoft.com/office/drawing/2010/main" w="9525">
                     <a:solidFill>
                       <a:srgbClr val="000000"/>
                     </a:solidFill>
@@ -11696,7 +11702,7 @@
               </a:ln>
               <a:extLst>
                 <a:ext uri="{91240B29-F687-4f45-9708-019B960494DF}">
-                  <a14:hiddenLine xmlns:a14="http://schemas.microsoft.com/office/drawing/2010/main" xmlns="" w="9525">
+                  <a14:hiddenLine xmlns="" xmlns:a14="http://schemas.microsoft.com/office/drawing/2010/main" w="9525">
                     <a:solidFill>
                       <a:srgbClr val="000000"/>
                     </a:solidFill>
@@ -11764,7 +11770,7 @@
               </a:ln>
               <a:extLst>
                 <a:ext uri="{91240B29-F687-4f45-9708-019B960494DF}">
-                  <a14:hiddenLine xmlns:a14="http://schemas.microsoft.com/office/drawing/2010/main" xmlns="" w="9525">
+                  <a14:hiddenLine xmlns="" xmlns:a14="http://schemas.microsoft.com/office/drawing/2010/main" w="9525">
                     <a:solidFill>
                       <a:srgbClr val="000000"/>
                     </a:solidFill>
@@ -11854,7 +11860,7 @@
               </a:ln>
               <a:extLst>
                 <a:ext uri="{91240B29-F687-4f45-9708-019B960494DF}">
-                  <a14:hiddenLine xmlns:a14="http://schemas.microsoft.com/office/drawing/2010/main" xmlns="" w="9525">
+                  <a14:hiddenLine xmlns="" xmlns:a14="http://schemas.microsoft.com/office/drawing/2010/main" w="9525">
                     <a:solidFill>
                       <a:srgbClr val="000000"/>
                     </a:solidFill>
@@ -11888,7 +11894,7 @@
               </a:ln>
               <a:extLst>
                 <a:ext uri="{91240B29-F687-4f45-9708-019B960494DF}">
-                  <a14:hiddenLine xmlns:a14="http://schemas.microsoft.com/office/drawing/2010/main" xmlns="" w="9525">
+                  <a14:hiddenLine xmlns="" xmlns:a14="http://schemas.microsoft.com/office/drawing/2010/main" w="9525">
                     <a:solidFill>
                       <a:srgbClr val="000000"/>
                     </a:solidFill>
@@ -12028,7 +12034,7 @@
           <a:p>
             <a:fld id="{6AC71DA6-16EA-4B99-A57E-C700199AA47B}" type="datetimeFigureOut">
               <a:rPr lang="en-US" smtClean="0"/>
-              <a:t>12/16/2021</a:t>
+              <a:t>12/17/2021</a:t>
             </a:fld>
             <a:endParaRPr lang="en-US"/>
           </a:p>
@@ -12774,47 +12780,6 @@
           </a:prstGeom>
         </p:spPr>
       </p:pic>
-      <p:sp>
-        <p:nvSpPr>
-          <p:cNvPr id="2" name="Title 1">
-            <a:extLst>
-              <a:ext uri="{FF2B5EF4-FFF2-40B4-BE49-F238E27FC236}">
-                <a16:creationId xmlns:a16="http://schemas.microsoft.com/office/drawing/2014/main" id="{30264402-B2A8-41C1-BD9A-507E2249E5DC}"/>
-              </a:ext>
-            </a:extLst>
-          </p:cNvPr>
-          <p:cNvSpPr>
-            <a:spLocks noGrp="1"/>
-          </p:cNvSpPr>
-          <p:nvPr>
-            <p:ph type="title"/>
-          </p:nvPr>
-        </p:nvSpPr>
-        <p:spPr>
-          <a:xfrm>
-            <a:off x="1132764" y="0"/>
-            <a:ext cx="8773234" cy="1478570"/>
-          </a:xfrm>
-        </p:spPr>
-        <p:txBody>
-          <a:bodyPr/>
-          <a:lstStyle/>
-          <a:p>
-            <a:r>
-              <a:rPr lang="en-US" dirty="0">
-                <a:solidFill>
-                  <a:schemeClr val="bg2">
-                    <a:lumMod val="75000"/>
-                  </a:schemeClr>
-                </a:solidFill>
-                <a:latin typeface="Cambria Math" panose="02040503050406030204" pitchFamily="18" charset="0"/>
-                <a:ea typeface="Cambria Math" panose="02040503050406030204" pitchFamily="18" charset="0"/>
-              </a:rPr>
-              <a:t>Insights</a:t>
-            </a:r>
-          </a:p>
-        </p:txBody>
-      </p:sp>
       <p:pic>
         <p:nvPicPr>
           <p:cNvPr id="4" name="Picture 3">
@@ -12842,14 +12807,77 @@
         </p:blipFill>
         <p:spPr>
           <a:xfrm>
-            <a:off x="614614" y="1071349"/>
-            <a:ext cx="10528577" cy="5643349"/>
+            <a:off x="806104" y="411254"/>
+            <a:ext cx="11227103" cy="6017761"/>
           </a:xfrm>
           <a:prstGeom prst="rect">
             <a:avLst/>
           </a:prstGeom>
         </p:spPr>
       </p:pic>
+      <p:sp>
+        <p:nvSpPr>
+          <p:cNvPr id="5" name="Title 1">
+            <a:extLst>
+              <a:ext uri="{FF2B5EF4-FFF2-40B4-BE49-F238E27FC236}">
+                <a16:creationId xmlns:a16="http://schemas.microsoft.com/office/drawing/2014/main" id="{BA686864-29C1-4E13-8067-488D8AE55D92}"/>
+              </a:ext>
+            </a:extLst>
+          </p:cNvPr>
+          <p:cNvSpPr txBox="1">
+            <a:spLocks/>
+          </p:cNvSpPr>
+          <p:nvPr/>
+        </p:nvSpPr>
+        <p:spPr>
+          <a:xfrm>
+            <a:off x="0" y="75829"/>
+            <a:ext cx="1115566" cy="5721322"/>
+          </a:xfrm>
+          <a:prstGeom prst="rect">
+            <a:avLst/>
+          </a:prstGeom>
+        </p:spPr>
+        <p:txBody>
+          <a:bodyPr vert="vert270" lIns="91440" tIns="45720" rIns="91440" bIns="45720" rtlCol="0" anchor="ctr">
+            <a:normAutofit/>
+          </a:bodyPr>
+          <a:lstStyle>
+            <a:lvl1pPr algn="l" defTabSz="914400" rtl="0" eaLnBrk="1" latinLnBrk="0" hangingPunct="1">
+              <a:lnSpc>
+                <a:spcPct val="90000"/>
+              </a:lnSpc>
+              <a:spcBef>
+                <a:spcPct val="0"/>
+              </a:spcBef>
+              <a:buNone/>
+              <a:defRPr sz="3600" kern="1200" cap="all" baseline="0">
+                <a:solidFill>
+                  <a:schemeClr val="tx1"/>
+                </a:solidFill>
+                <a:latin typeface="+mj-lt"/>
+                <a:ea typeface="+mj-ea"/>
+                <a:cs typeface="+mj-cs"/>
+              </a:defRPr>
+            </a:lvl1pPr>
+          </a:lstStyle>
+          <a:p>
+            <a:pPr algn="r"/>
+            <a:r>
+              <a:rPr lang="en-US" dirty="0">
+                <a:solidFill>
+                  <a:schemeClr val="bg2">
+                    <a:lumMod val="75000"/>
+                  </a:schemeClr>
+                </a:solidFill>
+                <a:latin typeface="Cambria Math" panose="02040503050406030204" pitchFamily="18" charset="0"/>
+                <a:ea typeface="Cambria Math" panose="02040503050406030204" pitchFamily="18" charset="0"/>
+              </a:rPr>
+              <a:t>Insights</a:t>
+            </a:r>
+          </a:p>
+        </p:txBody>
+      </p:sp>
     </p:spTree>
     <p:extLst>
       <p:ext uri="{BB962C8B-B14F-4D97-AF65-F5344CB8AC3E}">
@@ -13786,9 +13814,14 @@
             <p:ph type="title"/>
           </p:nvPr>
         </p:nvSpPr>
-        <p:spPr/>
+        <p:spPr>
+          <a:xfrm>
+            <a:off x="117285" y="167414"/>
+            <a:ext cx="1010475" cy="5197066"/>
+          </a:xfrm>
+        </p:spPr>
         <p:txBody>
-          <a:bodyPr/>
+          <a:bodyPr vert="vert270"/>
           <a:lstStyle/>
           <a:p>
             <a:r>
@@ -13801,118 +13834,180 @@
                 <a:latin typeface="Cambria Math" panose="02040503050406030204" pitchFamily="18" charset="0"/>
                 <a:ea typeface="Cambria Math" panose="02040503050406030204" pitchFamily="18" charset="0"/>
               </a:rPr>
-              <a:t>4</a:t>
+              <a:t>Models progress</a:t>
             </a:r>
           </a:p>
         </p:txBody>
       </p:sp>
-      <p:sp>
-        <p:nvSpPr>
-          <p:cNvPr id="3" name="Content Placeholder 2">
+      <p:grpSp>
+        <p:nvGrpSpPr>
+          <p:cNvPr id="15" name="Group 14">
             <a:extLst>
               <a:ext uri="{FF2B5EF4-FFF2-40B4-BE49-F238E27FC236}">
-                <a16:creationId xmlns:a16="http://schemas.microsoft.com/office/drawing/2014/main" id="{6487F335-35A2-4006-9513-61363C54C4F5}"/>
+                <a16:creationId xmlns:a16="http://schemas.microsoft.com/office/drawing/2014/main" id="{96532C5E-55BC-4243-B634-DBCD96E3ADEC}"/>
               </a:ext>
             </a:extLst>
           </p:cNvPr>
-          <p:cNvSpPr>
-            <a:spLocks noGrp="1"/>
-          </p:cNvSpPr>
-          <p:nvPr>
-            <p:ph idx="1"/>
-          </p:nvPr>
-        </p:nvSpPr>
-        <p:spPr/>
-        <p:txBody>
-          <a:bodyPr/>
-          <a:lstStyle/>
-          <a:p>
-            <a:r>
-              <a:rPr lang="en-US" dirty="0">
-                <a:solidFill>
-                  <a:schemeClr val="bg2">
-                    <a:lumMod val="75000"/>
-                  </a:schemeClr>
-                </a:solidFill>
-                <a:latin typeface="Cambria Math" panose="02040503050406030204" pitchFamily="18" charset="0"/>
-                <a:ea typeface="Cambria Math" panose="02040503050406030204" pitchFamily="18" charset="0"/>
-              </a:rPr>
-              <a:t>Data</a:t>
-            </a:r>
-          </a:p>
-          <a:p>
-            <a:r>
-              <a:rPr lang="en-US" dirty="0">
-                <a:solidFill>
-                  <a:schemeClr val="bg2">
-                    <a:lumMod val="75000"/>
-                  </a:schemeClr>
-                </a:solidFill>
-                <a:latin typeface="Cambria Math" panose="02040503050406030204" pitchFamily="18" charset="0"/>
-                <a:ea typeface="Cambria Math" panose="02040503050406030204" pitchFamily="18" charset="0"/>
-              </a:rPr>
-              <a:t>Obstacles</a:t>
-            </a:r>
-          </a:p>
-          <a:p>
-            <a:r>
-              <a:rPr lang="en-US" dirty="0">
-                <a:solidFill>
-                  <a:schemeClr val="bg2">
-                    <a:lumMod val="75000"/>
-                  </a:schemeClr>
-                </a:solidFill>
-                <a:latin typeface="Cambria Math" panose="02040503050406030204" pitchFamily="18" charset="0"/>
-                <a:ea typeface="Cambria Math" panose="02040503050406030204" pitchFamily="18" charset="0"/>
-              </a:rPr>
-              <a:t>Code flow</a:t>
-            </a:r>
-          </a:p>
-          <a:p>
-            <a:r>
-              <a:rPr lang="en-US" dirty="0">
-                <a:solidFill>
-                  <a:schemeClr val="bg2">
-                    <a:lumMod val="75000"/>
-                  </a:schemeClr>
-                </a:solidFill>
-                <a:latin typeface="Cambria Math" panose="02040503050406030204" pitchFamily="18" charset="0"/>
-                <a:ea typeface="Cambria Math" panose="02040503050406030204" pitchFamily="18" charset="0"/>
-              </a:rPr>
-              <a:t>Insights</a:t>
-            </a:r>
-          </a:p>
-          <a:p>
-            <a:r>
-              <a:rPr lang="en-US" dirty="0">
-                <a:solidFill>
-                  <a:schemeClr val="bg2">
-                    <a:lumMod val="75000"/>
-                  </a:schemeClr>
-                </a:solidFill>
-                <a:latin typeface="Cambria Math" panose="02040503050406030204" pitchFamily="18" charset="0"/>
-                <a:ea typeface="Cambria Math" panose="02040503050406030204" pitchFamily="18" charset="0"/>
-              </a:rPr>
-              <a:t>Models</a:t>
-            </a:r>
-          </a:p>
-          <a:p>
-            <a:endParaRPr lang="en-US" dirty="0">
-              <a:solidFill>
-                <a:schemeClr val="bg2">
-                  <a:lumMod val="75000"/>
-                </a:schemeClr>
-              </a:solidFill>
-              <a:latin typeface="Cambria Math" panose="02040503050406030204" pitchFamily="18" charset="0"/>
-              <a:ea typeface="Cambria Math" panose="02040503050406030204" pitchFamily="18" charset="0"/>
-            </a:endParaRPr>
-          </a:p>
-        </p:txBody>
-      </p:sp>
+          <p:cNvGrpSpPr/>
+          <p:nvPr/>
+        </p:nvGrpSpPr>
+        <p:grpSpPr>
+          <a:xfrm>
+            <a:off x="2985516" y="321564"/>
+            <a:ext cx="6646164" cy="6214872"/>
+            <a:chOff x="1315212" y="478536"/>
+            <a:chExt cx="5942076" cy="5900928"/>
+          </a:xfrm>
+        </p:grpSpPr>
+        <p:pic>
+          <p:nvPicPr>
+            <p:cNvPr id="8" name="Picture 7">
+              <a:extLst>
+                <a:ext uri="{FF2B5EF4-FFF2-40B4-BE49-F238E27FC236}">
+                  <a16:creationId xmlns:a16="http://schemas.microsoft.com/office/drawing/2014/main" id="{AD1055F9-81C1-4D53-BCAC-648F702A38C9}"/>
+                </a:ext>
+              </a:extLst>
+            </p:cNvPr>
+            <p:cNvPicPr>
+              <a:picLocks noChangeAspect="1"/>
+            </p:cNvPicPr>
+            <p:nvPr/>
+          </p:nvPicPr>
+          <p:blipFill>
+            <a:blip r:embed="rId4">
+              <a:extLst>
+                <a:ext uri="{28A0092B-C50C-407E-A947-70E740481C1C}">
+                  <a14:useLocalDpi xmlns:a14="http://schemas.microsoft.com/office/drawing/2010/main" val="0"/>
+                </a:ext>
+              </a:extLst>
+            </a:blip>
+            <a:stretch>
+              <a:fillRect/>
+            </a:stretch>
+          </p:blipFill>
+          <p:spPr>
+            <a:xfrm>
+              <a:off x="1315212" y="478536"/>
+              <a:ext cx="3023616" cy="3023616"/>
+            </a:xfrm>
+            <a:prstGeom prst="rect">
+              <a:avLst/>
+            </a:prstGeom>
+          </p:spPr>
+        </p:pic>
+        <p:pic>
+          <p:nvPicPr>
+            <p:cNvPr id="10" name="Picture 9">
+              <a:extLst>
+                <a:ext uri="{FF2B5EF4-FFF2-40B4-BE49-F238E27FC236}">
+                  <a16:creationId xmlns:a16="http://schemas.microsoft.com/office/drawing/2014/main" id="{1315625E-B3AD-4064-8397-B06A7778D201}"/>
+                </a:ext>
+              </a:extLst>
+            </p:cNvPr>
+            <p:cNvPicPr>
+              <a:picLocks noChangeAspect="1"/>
+            </p:cNvPicPr>
+            <p:nvPr/>
+          </p:nvPicPr>
+          <p:blipFill>
+            <a:blip r:embed="rId5">
+              <a:extLst>
+                <a:ext uri="{28A0092B-C50C-407E-A947-70E740481C1C}">
+                  <a14:useLocalDpi xmlns:a14="http://schemas.microsoft.com/office/drawing/2010/main" val="0"/>
+                </a:ext>
+              </a:extLst>
+            </a:blip>
+            <a:stretch>
+              <a:fillRect/>
+            </a:stretch>
+          </p:blipFill>
+          <p:spPr>
+            <a:xfrm>
+              <a:off x="4233672" y="478536"/>
+              <a:ext cx="3023616" cy="3023616"/>
+            </a:xfrm>
+            <a:prstGeom prst="rect">
+              <a:avLst/>
+            </a:prstGeom>
+          </p:spPr>
+        </p:pic>
+        <p:pic>
+          <p:nvPicPr>
+            <p:cNvPr id="12" name="Picture 11">
+              <a:extLst>
+                <a:ext uri="{FF2B5EF4-FFF2-40B4-BE49-F238E27FC236}">
+                  <a16:creationId xmlns:a16="http://schemas.microsoft.com/office/drawing/2014/main" id="{6A398FF9-084B-46F0-9B36-2F752A27FECB}"/>
+                </a:ext>
+              </a:extLst>
+            </p:cNvPr>
+            <p:cNvPicPr>
+              <a:picLocks noChangeAspect="1"/>
+            </p:cNvPicPr>
+            <p:nvPr/>
+          </p:nvPicPr>
+          <p:blipFill>
+            <a:blip r:embed="rId6">
+              <a:extLst>
+                <a:ext uri="{28A0092B-C50C-407E-A947-70E740481C1C}">
+                  <a14:useLocalDpi xmlns:a14="http://schemas.microsoft.com/office/drawing/2010/main" val="0"/>
+                </a:ext>
+              </a:extLst>
+            </a:blip>
+            <a:stretch>
+              <a:fillRect/>
+            </a:stretch>
+          </p:blipFill>
+          <p:spPr>
+            <a:xfrm>
+              <a:off x="4306824" y="3429000"/>
+              <a:ext cx="2950464" cy="2950464"/>
+            </a:xfrm>
+            <a:prstGeom prst="rect">
+              <a:avLst/>
+            </a:prstGeom>
+          </p:spPr>
+        </p:pic>
+        <p:pic>
+          <p:nvPicPr>
+            <p:cNvPr id="14" name="Picture 13">
+              <a:extLst>
+                <a:ext uri="{FF2B5EF4-FFF2-40B4-BE49-F238E27FC236}">
+                  <a16:creationId xmlns:a16="http://schemas.microsoft.com/office/drawing/2014/main" id="{1130ABB5-66D9-44C1-B44B-120DF24C2708}"/>
+                </a:ext>
+              </a:extLst>
+            </p:cNvPr>
+            <p:cNvPicPr>
+              <a:picLocks noChangeAspect="1"/>
+            </p:cNvPicPr>
+            <p:nvPr/>
+          </p:nvPicPr>
+          <p:blipFill>
+            <a:blip r:embed="rId7">
+              <a:extLst>
+                <a:ext uri="{28A0092B-C50C-407E-A947-70E740481C1C}">
+                  <a14:useLocalDpi xmlns:a14="http://schemas.microsoft.com/office/drawing/2010/main" val="0"/>
+                </a:ext>
+              </a:extLst>
+            </a:blip>
+            <a:stretch>
+              <a:fillRect/>
+            </a:stretch>
+          </p:blipFill>
+          <p:spPr>
+            <a:xfrm>
+              <a:off x="1315212" y="3355848"/>
+              <a:ext cx="3023616" cy="3023616"/>
+            </a:xfrm>
+            <a:prstGeom prst="rect">
+              <a:avLst/>
+            </a:prstGeom>
+          </p:spPr>
+        </p:pic>
+      </p:grpSp>
     </p:spTree>
     <p:extLst>
       <p:ext uri="{BB962C8B-B14F-4D97-AF65-F5344CB8AC3E}">
-        <p14:creationId xmlns:p14="http://schemas.microsoft.com/office/powerpoint/2010/main" val="2919211087"/>
+        <p14:creationId xmlns:p14="http://schemas.microsoft.com/office/powerpoint/2010/main" val="2006630729"/>
       </p:ext>
     </p:extLst>
   </p:cSld>
@@ -14126,6 +14221,220 @@
     </p:spTree>
     <p:extLst>
       <p:ext uri="{BB962C8B-B14F-4D97-AF65-F5344CB8AC3E}">
+        <p14:creationId xmlns:p14="http://schemas.microsoft.com/office/powerpoint/2010/main" val="2919211087"/>
+      </p:ext>
+    </p:extLst>
+  </p:cSld>
+  <p:clrMapOvr>
+    <a:masterClrMapping/>
+  </p:clrMapOvr>
+</p:sld>
+</file>
+
+<file path=ppt/slides/slide18.xml><?xml version="1.0" encoding="utf-8"?>
+<p:sld xmlns:a="http://schemas.openxmlformats.org/drawingml/2006/main" xmlns:r="http://schemas.openxmlformats.org/officeDocument/2006/relationships" xmlns:p="http://schemas.openxmlformats.org/presentationml/2006/main">
+  <p:cSld>
+    <p:spTree>
+      <p:nvGrpSpPr>
+        <p:cNvPr id="1" name=""/>
+        <p:cNvGrpSpPr/>
+        <p:nvPr/>
+      </p:nvGrpSpPr>
+      <p:grpSpPr>
+        <a:xfrm>
+          <a:off x="0" y="0"/>
+          <a:ext cx="0" cy="0"/>
+          <a:chOff x="0" y="0"/>
+          <a:chExt cx="0" cy="0"/>
+        </a:xfrm>
+      </p:grpSpPr>
+      <p:pic>
+        <p:nvPicPr>
+          <p:cNvPr id="7" name="Picture 6">
+            <a:extLst>
+              <a:ext uri="{FF2B5EF4-FFF2-40B4-BE49-F238E27FC236}">
+                <a16:creationId xmlns:a16="http://schemas.microsoft.com/office/drawing/2014/main" id="{88EEF8E8-F7BC-40C3-9710-68AEFED57224}"/>
+              </a:ext>
+            </a:extLst>
+          </p:cNvPr>
+          <p:cNvPicPr>
+            <a:picLocks noChangeAspect="1"/>
+          </p:cNvPicPr>
+          <p:nvPr/>
+        </p:nvPicPr>
+        <p:blipFill>
+          <a:blip r:embed="rId2">
+            <a:extLst>
+              <a:ext uri="{BEBA8EAE-BF5A-486C-A8C5-ECC9F3942E4B}">
+                <a14:imgProps xmlns:a14="http://schemas.microsoft.com/office/drawing/2010/main">
+                  <a14:imgLayer r:embed="rId3">
+                    <a14:imgEffect>
+                      <a14:saturation sat="10000"/>
+                    </a14:imgEffect>
+                    <a14:imgEffect>
+                      <a14:brightnessContrast bright="10000"/>
+                    </a14:imgEffect>
+                  </a14:imgLayer>
+                </a14:imgProps>
+              </a:ext>
+            </a:extLst>
+          </a:blip>
+          <a:stretch>
+            <a:fillRect/>
+          </a:stretch>
+        </p:blipFill>
+        <p:spPr>
+          <a:xfrm>
+            <a:off x="0" y="0"/>
+            <a:ext cx="12192000" cy="6858000"/>
+          </a:xfrm>
+          <a:prstGeom prst="rect">
+            <a:avLst/>
+          </a:prstGeom>
+        </p:spPr>
+      </p:pic>
+      <p:sp>
+        <p:nvSpPr>
+          <p:cNvPr id="2" name="Title 1">
+            <a:extLst>
+              <a:ext uri="{FF2B5EF4-FFF2-40B4-BE49-F238E27FC236}">
+                <a16:creationId xmlns:a16="http://schemas.microsoft.com/office/drawing/2014/main" id="{30264402-B2A8-41C1-BD9A-507E2249E5DC}"/>
+              </a:ext>
+            </a:extLst>
+          </p:cNvPr>
+          <p:cNvSpPr>
+            <a:spLocks noGrp="1"/>
+          </p:cNvSpPr>
+          <p:nvPr>
+            <p:ph type="title"/>
+          </p:nvPr>
+        </p:nvSpPr>
+        <p:spPr/>
+        <p:txBody>
+          <a:bodyPr/>
+          <a:lstStyle/>
+          <a:p>
+            <a:r>
+              <a:rPr lang="en-US" dirty="0">
+                <a:solidFill>
+                  <a:schemeClr val="bg2">
+                    <a:lumMod val="75000"/>
+                  </a:schemeClr>
+                </a:solidFill>
+                <a:latin typeface="Cambria Math" panose="02040503050406030204" pitchFamily="18" charset="0"/>
+                <a:ea typeface="Cambria Math" panose="02040503050406030204" pitchFamily="18" charset="0"/>
+              </a:rPr>
+              <a:t>4</a:t>
+            </a:r>
+          </a:p>
+        </p:txBody>
+      </p:sp>
+      <p:sp>
+        <p:nvSpPr>
+          <p:cNvPr id="3" name="Content Placeholder 2">
+            <a:extLst>
+              <a:ext uri="{FF2B5EF4-FFF2-40B4-BE49-F238E27FC236}">
+                <a16:creationId xmlns:a16="http://schemas.microsoft.com/office/drawing/2014/main" id="{6487F335-35A2-4006-9513-61363C54C4F5}"/>
+              </a:ext>
+            </a:extLst>
+          </p:cNvPr>
+          <p:cNvSpPr>
+            <a:spLocks noGrp="1"/>
+          </p:cNvSpPr>
+          <p:nvPr>
+            <p:ph idx="1"/>
+          </p:nvPr>
+        </p:nvSpPr>
+        <p:spPr/>
+        <p:txBody>
+          <a:bodyPr/>
+          <a:lstStyle/>
+          <a:p>
+            <a:r>
+              <a:rPr lang="en-US" dirty="0">
+                <a:solidFill>
+                  <a:schemeClr val="bg2">
+                    <a:lumMod val="75000"/>
+                  </a:schemeClr>
+                </a:solidFill>
+                <a:latin typeface="Cambria Math" panose="02040503050406030204" pitchFamily="18" charset="0"/>
+                <a:ea typeface="Cambria Math" panose="02040503050406030204" pitchFamily="18" charset="0"/>
+              </a:rPr>
+              <a:t>Data</a:t>
+            </a:r>
+          </a:p>
+          <a:p>
+            <a:r>
+              <a:rPr lang="en-US" dirty="0">
+                <a:solidFill>
+                  <a:schemeClr val="bg2">
+                    <a:lumMod val="75000"/>
+                  </a:schemeClr>
+                </a:solidFill>
+                <a:latin typeface="Cambria Math" panose="02040503050406030204" pitchFamily="18" charset="0"/>
+                <a:ea typeface="Cambria Math" panose="02040503050406030204" pitchFamily="18" charset="0"/>
+              </a:rPr>
+              <a:t>Obstacles</a:t>
+            </a:r>
+          </a:p>
+          <a:p>
+            <a:r>
+              <a:rPr lang="en-US" dirty="0">
+                <a:solidFill>
+                  <a:schemeClr val="bg2">
+                    <a:lumMod val="75000"/>
+                  </a:schemeClr>
+                </a:solidFill>
+                <a:latin typeface="Cambria Math" panose="02040503050406030204" pitchFamily="18" charset="0"/>
+                <a:ea typeface="Cambria Math" panose="02040503050406030204" pitchFamily="18" charset="0"/>
+              </a:rPr>
+              <a:t>Code flow</a:t>
+            </a:r>
+          </a:p>
+          <a:p>
+            <a:r>
+              <a:rPr lang="en-US" dirty="0">
+                <a:solidFill>
+                  <a:schemeClr val="bg2">
+                    <a:lumMod val="75000"/>
+                  </a:schemeClr>
+                </a:solidFill>
+                <a:latin typeface="Cambria Math" panose="02040503050406030204" pitchFamily="18" charset="0"/>
+                <a:ea typeface="Cambria Math" panose="02040503050406030204" pitchFamily="18" charset="0"/>
+              </a:rPr>
+              <a:t>Insights</a:t>
+            </a:r>
+          </a:p>
+          <a:p>
+            <a:r>
+              <a:rPr lang="en-US" dirty="0">
+                <a:solidFill>
+                  <a:schemeClr val="bg2">
+                    <a:lumMod val="75000"/>
+                  </a:schemeClr>
+                </a:solidFill>
+                <a:latin typeface="Cambria Math" panose="02040503050406030204" pitchFamily="18" charset="0"/>
+                <a:ea typeface="Cambria Math" panose="02040503050406030204" pitchFamily="18" charset="0"/>
+              </a:rPr>
+              <a:t>Models</a:t>
+            </a:r>
+          </a:p>
+          <a:p>
+            <a:endParaRPr lang="en-US" dirty="0">
+              <a:solidFill>
+                <a:schemeClr val="bg2">
+                  <a:lumMod val="75000"/>
+                </a:schemeClr>
+              </a:solidFill>
+              <a:latin typeface="Cambria Math" panose="02040503050406030204" pitchFamily="18" charset="0"/>
+              <a:ea typeface="Cambria Math" panose="02040503050406030204" pitchFamily="18" charset="0"/>
+            </a:endParaRPr>
+          </a:p>
+        </p:txBody>
+      </p:sp>
+    </p:spTree>
+    <p:extLst>
+      <p:ext uri="{BB962C8B-B14F-4D97-AF65-F5344CB8AC3E}">
         <p14:creationId xmlns:p14="http://schemas.microsoft.com/office/powerpoint/2010/main" val="429243427"/>
       </p:ext>
     </p:extLst>
@@ -14136,7 +14445,7 @@
 </p:sld>
 </file>
 
-<file path=ppt/slides/slide18.xml><?xml version="1.0" encoding="utf-8"?>
+<file path=ppt/slides/slide19.xml><?xml version="1.0" encoding="utf-8"?>
 <p:sld xmlns:a="http://schemas.openxmlformats.org/drawingml/2006/main" xmlns:r="http://schemas.openxmlformats.org/officeDocument/2006/relationships" xmlns:p="http://schemas.openxmlformats.org/presentationml/2006/main">
   <p:cSld>
     <p:spTree>
@@ -15706,11 +16015,17 @@
             <p:ph type="title"/>
           </p:nvPr>
         </p:nvSpPr>
-        <p:spPr/>
+        <p:spPr>
+          <a:xfrm>
+            <a:off x="0" y="75829"/>
+            <a:ext cx="1115566" cy="5721322"/>
+          </a:xfrm>
+        </p:spPr>
         <p:txBody>
-          <a:bodyPr/>
+          <a:bodyPr vert="vert270"/>
           <a:lstStyle/>
           <a:p>
+            <a:pPr algn="r"/>
             <a:r>
               <a:rPr lang="en-US" dirty="0">
                 <a:solidFill>
@@ -15754,14 +16069,127 @@
         </p:blipFill>
         <p:spPr>
           <a:xfrm>
-            <a:off x="330496" y="2006221"/>
-            <a:ext cx="11288695" cy="4233261"/>
+            <a:off x="1398923" y="140353"/>
+            <a:ext cx="10509719" cy="3941145"/>
           </a:xfrm>
           <a:prstGeom prst="rect">
             <a:avLst/>
           </a:prstGeom>
         </p:spPr>
       </p:pic>
+      <p:sp>
+        <p:nvSpPr>
+          <p:cNvPr id="3" name="TextBox 2">
+            <a:extLst>
+              <a:ext uri="{FF2B5EF4-FFF2-40B4-BE49-F238E27FC236}">
+                <a16:creationId xmlns:a16="http://schemas.microsoft.com/office/drawing/2014/main" id="{A51886AD-9C58-4A26-B6A9-0C2961A1296E}"/>
+              </a:ext>
+            </a:extLst>
+          </p:cNvPr>
+          <p:cNvSpPr txBox="1"/>
+          <p:nvPr/>
+        </p:nvSpPr>
+        <p:spPr>
+          <a:xfrm>
+            <a:off x="1398923" y="4267200"/>
+            <a:ext cx="10162032" cy="2161489"/>
+          </a:xfrm>
+          <a:prstGeom prst="rect">
+            <a:avLst/>
+          </a:prstGeom>
+          <a:noFill/>
+        </p:spPr>
+        <p:txBody>
+          <a:bodyPr wrap="square" rtlCol="0">
+            <a:spAutoFit/>
+          </a:bodyPr>
+          <a:lstStyle/>
+          <a:p>
+            <a:pPr marL="228600" indent="-228600" defTabSz="914400" fontAlgn="base">
+              <a:lnSpc>
+                <a:spcPct val="120000"/>
+              </a:lnSpc>
+              <a:spcBef>
+                <a:spcPts val="1000"/>
+              </a:spcBef>
+              <a:spcAft>
+                <a:spcPts val="0"/>
+              </a:spcAft>
+              <a:buSzPct val="125000"/>
+              <a:buFont typeface="Arial" panose="020B0604020202020204" pitchFamily="34" charset="0"/>
+              <a:buChar char="•"/>
+            </a:pPr>
+            <a:r>
+              <a:rPr lang="en-US" sz="2000" dirty="0">
+                <a:solidFill>
+                  <a:schemeClr val="bg2">
+                    <a:lumMod val="75000"/>
+                  </a:schemeClr>
+                </a:solidFill>
+                <a:latin typeface="Cambria Math" panose="02040503050406030204" pitchFamily="18" charset="0"/>
+                <a:ea typeface="Cambria Math" panose="02040503050406030204" pitchFamily="18" charset="0"/>
+              </a:rPr>
+              <a:t>On average, there were significantly more liquor stores per 10k people in counties with lower than average unemployment</a:t>
+            </a:r>
+          </a:p>
+          <a:p>
+            <a:pPr marL="228600" indent="-228600" defTabSz="914400" fontAlgn="base">
+              <a:lnSpc>
+                <a:spcPct val="120000"/>
+              </a:lnSpc>
+              <a:spcBef>
+                <a:spcPts val="1000"/>
+              </a:spcBef>
+              <a:spcAft>
+                <a:spcPts val="0"/>
+              </a:spcAft>
+              <a:buSzPct val="125000"/>
+              <a:buFont typeface="Arial" panose="020B0604020202020204" pitchFamily="34" charset="0"/>
+              <a:buChar char="•"/>
+            </a:pPr>
+            <a:r>
+              <a:rPr lang="en-US" sz="2000" dirty="0">
+                <a:solidFill>
+                  <a:schemeClr val="bg2">
+                    <a:lumMod val="75000"/>
+                  </a:schemeClr>
+                </a:solidFill>
+                <a:latin typeface="Cambria Math" panose="02040503050406030204" pitchFamily="18" charset="0"/>
+                <a:ea typeface="Cambria Math" panose="02040503050406030204" pitchFamily="18" charset="0"/>
+              </a:rPr>
+              <a:t>Counties with a higher than average unemployment rate tended to have more people who voted Democrat than Republican</a:t>
+            </a:r>
+          </a:p>
+          <a:p>
+            <a:pPr marL="228600" indent="-228600" defTabSz="914400" fontAlgn="base">
+              <a:lnSpc>
+                <a:spcPct val="120000"/>
+              </a:lnSpc>
+              <a:spcBef>
+                <a:spcPts val="1000"/>
+              </a:spcBef>
+              <a:spcAft>
+                <a:spcPts val="0"/>
+              </a:spcAft>
+              <a:buSzPct val="125000"/>
+              <a:buFont typeface="Arial" panose="020B0604020202020204" pitchFamily="34" charset="0"/>
+              <a:buChar char="•"/>
+            </a:pPr>
+            <a:r>
+              <a:rPr lang="en-US" sz="2000" dirty="0">
+                <a:solidFill>
+                  <a:schemeClr val="bg2">
+                    <a:lumMod val="75000"/>
+                  </a:schemeClr>
+                </a:solidFill>
+                <a:latin typeface="Cambria Math" panose="02040503050406030204" pitchFamily="18" charset="0"/>
+                <a:ea typeface="Cambria Math" panose="02040503050406030204" pitchFamily="18" charset="0"/>
+              </a:rPr>
+              <a:t>Higher unemployment counties had a slightly higher rural population on average</a:t>
+            </a:r>
+          </a:p>
+        </p:txBody>
+      </p:sp>
     </p:spTree>
     <p:extLst>
       <p:ext uri="{BB962C8B-B14F-4D97-AF65-F5344CB8AC3E}">
@@ -15837,42 +16265,6 @@
           </a:prstGeom>
         </p:spPr>
       </p:pic>
-      <p:sp>
-        <p:nvSpPr>
-          <p:cNvPr id="2" name="Title 1">
-            <a:extLst>
-              <a:ext uri="{FF2B5EF4-FFF2-40B4-BE49-F238E27FC236}">
-                <a16:creationId xmlns:a16="http://schemas.microsoft.com/office/drawing/2014/main" id="{30264402-B2A8-41C1-BD9A-507E2249E5DC}"/>
-              </a:ext>
-            </a:extLst>
-          </p:cNvPr>
-          <p:cNvSpPr>
-            <a:spLocks noGrp="1"/>
-          </p:cNvSpPr>
-          <p:nvPr>
-            <p:ph type="title"/>
-          </p:nvPr>
-        </p:nvSpPr>
-        <p:spPr/>
-        <p:txBody>
-          <a:bodyPr/>
-          <a:lstStyle/>
-          <a:p>
-            <a:r>
-              <a:rPr lang="en-US" dirty="0">
-                <a:solidFill>
-                  <a:schemeClr val="bg2">
-                    <a:lumMod val="75000"/>
-                  </a:schemeClr>
-                </a:solidFill>
-                <a:latin typeface="Cambria Math" panose="02040503050406030204" pitchFamily="18" charset="0"/>
-                <a:ea typeface="Cambria Math" panose="02040503050406030204" pitchFamily="18" charset="0"/>
-              </a:rPr>
-              <a:t>Insights</a:t>
-            </a:r>
-          </a:p>
-        </p:txBody>
-      </p:sp>
       <p:pic>
         <p:nvPicPr>
           <p:cNvPr id="4" name="Picture 3">
@@ -15901,14 +16293,156 @@
         </p:blipFill>
         <p:spPr>
           <a:xfrm>
-            <a:off x="291839" y="1887552"/>
-            <a:ext cx="11605146" cy="4351930"/>
+            <a:off x="1054607" y="75829"/>
+            <a:ext cx="11031353" cy="4136758"/>
           </a:xfrm>
           <a:prstGeom prst="rect">
             <a:avLst/>
           </a:prstGeom>
         </p:spPr>
       </p:pic>
+      <p:sp>
+        <p:nvSpPr>
+          <p:cNvPr id="5" name="Title 1">
+            <a:extLst>
+              <a:ext uri="{FF2B5EF4-FFF2-40B4-BE49-F238E27FC236}">
+                <a16:creationId xmlns:a16="http://schemas.microsoft.com/office/drawing/2014/main" id="{DDB3FDF4-929F-41B8-970A-01EEFD38D2E0}"/>
+              </a:ext>
+            </a:extLst>
+          </p:cNvPr>
+          <p:cNvSpPr txBox="1">
+            <a:spLocks/>
+          </p:cNvSpPr>
+          <p:nvPr/>
+        </p:nvSpPr>
+        <p:spPr>
+          <a:xfrm>
+            <a:off x="0" y="75829"/>
+            <a:ext cx="1115566" cy="5721322"/>
+          </a:xfrm>
+          <a:prstGeom prst="rect">
+            <a:avLst/>
+          </a:prstGeom>
+        </p:spPr>
+        <p:txBody>
+          <a:bodyPr vert="vert270" lIns="91440" tIns="45720" rIns="91440" bIns="45720" rtlCol="0" anchor="ctr">
+            <a:normAutofit/>
+          </a:bodyPr>
+          <a:lstStyle>
+            <a:lvl1pPr algn="l" defTabSz="914400" rtl="0" eaLnBrk="1" latinLnBrk="0" hangingPunct="1">
+              <a:lnSpc>
+                <a:spcPct val="90000"/>
+              </a:lnSpc>
+              <a:spcBef>
+                <a:spcPct val="0"/>
+              </a:spcBef>
+              <a:buNone/>
+              <a:defRPr sz="3600" kern="1200" cap="all" baseline="0">
+                <a:solidFill>
+                  <a:schemeClr val="tx1"/>
+                </a:solidFill>
+                <a:latin typeface="+mj-lt"/>
+                <a:ea typeface="+mj-ea"/>
+                <a:cs typeface="+mj-cs"/>
+              </a:defRPr>
+            </a:lvl1pPr>
+          </a:lstStyle>
+          <a:p>
+            <a:pPr algn="r"/>
+            <a:r>
+              <a:rPr lang="en-US" dirty="0">
+                <a:solidFill>
+                  <a:schemeClr val="bg2">
+                    <a:lumMod val="75000"/>
+                  </a:schemeClr>
+                </a:solidFill>
+                <a:latin typeface="Cambria Math" panose="02040503050406030204" pitchFamily="18" charset="0"/>
+                <a:ea typeface="Cambria Math" panose="02040503050406030204" pitchFamily="18" charset="0"/>
+              </a:rPr>
+              <a:t>Insights</a:t>
+            </a:r>
+          </a:p>
+        </p:txBody>
+      </p:sp>
+      <p:sp>
+        <p:nvSpPr>
+          <p:cNvPr id="9" name="TextBox 8">
+            <a:extLst>
+              <a:ext uri="{FF2B5EF4-FFF2-40B4-BE49-F238E27FC236}">
+                <a16:creationId xmlns:a16="http://schemas.microsoft.com/office/drawing/2014/main" id="{9C8EF492-8D98-4DB9-871A-1C64C95AB405}"/>
+              </a:ext>
+            </a:extLst>
+          </p:cNvPr>
+          <p:cNvSpPr txBox="1"/>
+          <p:nvPr/>
+        </p:nvSpPr>
+        <p:spPr>
+          <a:xfrm>
+            <a:off x="1115566" y="4502557"/>
+            <a:ext cx="10265666" cy="1663917"/>
+          </a:xfrm>
+          <a:prstGeom prst="rect">
+            <a:avLst/>
+          </a:prstGeom>
+          <a:noFill/>
+        </p:spPr>
+        <p:txBody>
+          <a:bodyPr wrap="square">
+            <a:spAutoFit/>
+          </a:bodyPr>
+          <a:lstStyle/>
+          <a:p>
+            <a:pPr marL="228600" indent="-228600" defTabSz="914400" fontAlgn="base">
+              <a:lnSpc>
+                <a:spcPct val="120000"/>
+              </a:lnSpc>
+              <a:spcBef>
+                <a:spcPts val="1000"/>
+              </a:spcBef>
+              <a:buSzPct val="125000"/>
+              <a:buFont typeface="Arial" panose="020B0604020202020204" pitchFamily="34" charset="0"/>
+              <a:buChar char="•"/>
+            </a:pPr>
+            <a:r>
+              <a:rPr lang="en-US" sz="2000" dirty="0">
+                <a:solidFill>
+                  <a:schemeClr val="bg2">
+                    <a:lumMod val="75000"/>
+                  </a:schemeClr>
+                </a:solidFill>
+                <a:latin typeface="Cambria Math" panose="02040503050406030204" pitchFamily="18" charset="0"/>
+                <a:ea typeface="Cambria Math" panose="02040503050406030204" pitchFamily="18" charset="0"/>
+              </a:rPr>
+              <a:t>Counties with a higher than average unemployment rate also displayed higher numbers of single parents and smokers</a:t>
+            </a:r>
+          </a:p>
+          <a:p>
+            <a:pPr marL="228600" indent="-228600" defTabSz="914400" fontAlgn="base">
+              <a:lnSpc>
+                <a:spcPct val="120000"/>
+              </a:lnSpc>
+              <a:spcBef>
+                <a:spcPts val="1000"/>
+              </a:spcBef>
+              <a:buSzPct val="125000"/>
+              <a:buFont typeface="Arial" panose="020B0604020202020204" pitchFamily="34" charset="0"/>
+              <a:buChar char="•"/>
+            </a:pPr>
+            <a:r>
+              <a:rPr lang="en-US" sz="2000" dirty="0">
+                <a:solidFill>
+                  <a:schemeClr val="bg2">
+                    <a:lumMod val="75000"/>
+                  </a:schemeClr>
+                </a:solidFill>
+                <a:latin typeface="Cambria Math" panose="02040503050406030204" pitchFamily="18" charset="0"/>
+                <a:ea typeface="Cambria Math" panose="02040503050406030204" pitchFamily="18" charset="0"/>
+              </a:rPr>
+              <a:t>Counties with a lower than average unemployment rate tended to have a slightly higher percentage of high school and college graduates</a:t>
+            </a:r>
+          </a:p>
+        </p:txBody>
+      </p:sp>
     </p:spTree>
     <p:extLst>
       <p:ext uri="{BB962C8B-B14F-4D97-AF65-F5344CB8AC3E}">
@@ -15984,42 +16518,6 @@
           </a:prstGeom>
         </p:spPr>
       </p:pic>
-      <p:sp>
-        <p:nvSpPr>
-          <p:cNvPr id="2" name="Title 1">
-            <a:extLst>
-              <a:ext uri="{FF2B5EF4-FFF2-40B4-BE49-F238E27FC236}">
-                <a16:creationId xmlns:a16="http://schemas.microsoft.com/office/drawing/2014/main" id="{30264402-B2A8-41C1-BD9A-507E2249E5DC}"/>
-              </a:ext>
-            </a:extLst>
-          </p:cNvPr>
-          <p:cNvSpPr>
-            <a:spLocks noGrp="1"/>
-          </p:cNvSpPr>
-          <p:nvPr>
-            <p:ph type="title"/>
-          </p:nvPr>
-        </p:nvSpPr>
-        <p:spPr/>
-        <p:txBody>
-          <a:bodyPr/>
-          <a:lstStyle/>
-          <a:p>
-            <a:r>
-              <a:rPr lang="en-US" dirty="0">
-                <a:solidFill>
-                  <a:schemeClr val="bg2">
-                    <a:lumMod val="75000"/>
-                  </a:schemeClr>
-                </a:solidFill>
-                <a:latin typeface="Cambria Math" panose="02040503050406030204" pitchFamily="18" charset="0"/>
-                <a:ea typeface="Cambria Math" panose="02040503050406030204" pitchFamily="18" charset="0"/>
-              </a:rPr>
-              <a:t>Insights</a:t>
-            </a:r>
-          </a:p>
-        </p:txBody>
-      </p:sp>
       <p:pic>
         <p:nvPicPr>
           <p:cNvPr id="5" name="Picture 4">
@@ -16048,14 +16546,156 @@
         </p:blipFill>
         <p:spPr>
           <a:xfrm>
-            <a:off x="506791" y="2097088"/>
-            <a:ext cx="11175242" cy="3991157"/>
+            <a:off x="999743" y="128081"/>
+            <a:ext cx="11054145" cy="3947908"/>
           </a:xfrm>
           <a:prstGeom prst="rect">
             <a:avLst/>
           </a:prstGeom>
         </p:spPr>
       </p:pic>
+      <p:sp>
+        <p:nvSpPr>
+          <p:cNvPr id="6" name="Title 1">
+            <a:extLst>
+              <a:ext uri="{FF2B5EF4-FFF2-40B4-BE49-F238E27FC236}">
+                <a16:creationId xmlns:a16="http://schemas.microsoft.com/office/drawing/2014/main" id="{5D58B5EA-C5F9-424B-983B-F82AE3AB1580}"/>
+              </a:ext>
+            </a:extLst>
+          </p:cNvPr>
+          <p:cNvSpPr txBox="1">
+            <a:spLocks/>
+          </p:cNvSpPr>
+          <p:nvPr/>
+        </p:nvSpPr>
+        <p:spPr>
+          <a:xfrm>
+            <a:off x="0" y="75829"/>
+            <a:ext cx="1115566" cy="5721322"/>
+          </a:xfrm>
+          <a:prstGeom prst="rect">
+            <a:avLst/>
+          </a:prstGeom>
+        </p:spPr>
+        <p:txBody>
+          <a:bodyPr vert="vert270" lIns="91440" tIns="45720" rIns="91440" bIns="45720" rtlCol="0" anchor="ctr">
+            <a:normAutofit/>
+          </a:bodyPr>
+          <a:lstStyle>
+            <a:lvl1pPr algn="l" defTabSz="914400" rtl="0" eaLnBrk="1" latinLnBrk="0" hangingPunct="1">
+              <a:lnSpc>
+                <a:spcPct val="90000"/>
+              </a:lnSpc>
+              <a:spcBef>
+                <a:spcPct val="0"/>
+              </a:spcBef>
+              <a:buNone/>
+              <a:defRPr sz="3600" kern="1200" cap="all" baseline="0">
+                <a:solidFill>
+                  <a:schemeClr val="tx1"/>
+                </a:solidFill>
+                <a:latin typeface="+mj-lt"/>
+                <a:ea typeface="+mj-ea"/>
+                <a:cs typeface="+mj-cs"/>
+              </a:defRPr>
+            </a:lvl1pPr>
+          </a:lstStyle>
+          <a:p>
+            <a:pPr algn="r"/>
+            <a:r>
+              <a:rPr lang="en-US" dirty="0">
+                <a:solidFill>
+                  <a:schemeClr val="bg2">
+                    <a:lumMod val="75000"/>
+                  </a:schemeClr>
+                </a:solidFill>
+                <a:latin typeface="Cambria Math" panose="02040503050406030204" pitchFamily="18" charset="0"/>
+                <a:ea typeface="Cambria Math" panose="02040503050406030204" pitchFamily="18" charset="0"/>
+              </a:rPr>
+              <a:t>Insights</a:t>
+            </a:r>
+          </a:p>
+        </p:txBody>
+      </p:sp>
+      <p:sp>
+        <p:nvSpPr>
+          <p:cNvPr id="9" name="TextBox 8">
+            <a:extLst>
+              <a:ext uri="{FF2B5EF4-FFF2-40B4-BE49-F238E27FC236}">
+                <a16:creationId xmlns:a16="http://schemas.microsoft.com/office/drawing/2014/main" id="{0AFF979F-69C6-4BAD-A5C1-1B69E5E3BBFD}"/>
+              </a:ext>
+            </a:extLst>
+          </p:cNvPr>
+          <p:cNvSpPr txBox="1"/>
+          <p:nvPr/>
+        </p:nvSpPr>
+        <p:spPr>
+          <a:xfrm>
+            <a:off x="999742" y="4214168"/>
+            <a:ext cx="10771633" cy="1663917"/>
+          </a:xfrm>
+          <a:prstGeom prst="rect">
+            <a:avLst/>
+          </a:prstGeom>
+          <a:noFill/>
+        </p:spPr>
+        <p:txBody>
+          <a:bodyPr wrap="square">
+            <a:spAutoFit/>
+          </a:bodyPr>
+          <a:lstStyle/>
+          <a:p>
+            <a:pPr marL="228600" indent="-228600" defTabSz="914400" fontAlgn="base">
+              <a:lnSpc>
+                <a:spcPct val="120000"/>
+              </a:lnSpc>
+              <a:spcBef>
+                <a:spcPts val="1000"/>
+              </a:spcBef>
+              <a:buSzPct val="125000"/>
+              <a:buFont typeface="Arial" panose="020B0604020202020204" pitchFamily="34" charset="0"/>
+              <a:buChar char="•"/>
+            </a:pPr>
+            <a:r>
+              <a:rPr lang="en-US" sz="2000" dirty="0">
+                <a:solidFill>
+                  <a:schemeClr val="bg2">
+                    <a:lumMod val="75000"/>
+                  </a:schemeClr>
+                </a:solidFill>
+                <a:latin typeface="Cambria Math" panose="02040503050406030204" pitchFamily="18" charset="0"/>
+                <a:ea typeface="Cambria Math" panose="02040503050406030204" pitchFamily="18" charset="0"/>
+              </a:rPr>
+              <a:t>Counties with lower than average unemployment rates tended to have significantly more small to medium size businesses than higher than average unemployment counties</a:t>
+            </a:r>
+          </a:p>
+          <a:p>
+            <a:pPr marL="228600" indent="-228600" defTabSz="914400" fontAlgn="base">
+              <a:lnSpc>
+                <a:spcPct val="120000"/>
+              </a:lnSpc>
+              <a:spcBef>
+                <a:spcPts val="1000"/>
+              </a:spcBef>
+              <a:buSzPct val="125000"/>
+              <a:buFont typeface="Arial" panose="020B0604020202020204" pitchFamily="34" charset="0"/>
+              <a:buChar char="•"/>
+            </a:pPr>
+            <a:r>
+              <a:rPr lang="en-US" sz="2000" dirty="0">
+                <a:solidFill>
+                  <a:schemeClr val="bg2">
+                    <a:lumMod val="75000"/>
+                  </a:schemeClr>
+                </a:solidFill>
+                <a:latin typeface="Cambria Math" panose="02040503050406030204" pitchFamily="18" charset="0"/>
+                <a:ea typeface="Cambria Math" panose="02040503050406030204" pitchFamily="18" charset="0"/>
+              </a:rPr>
+              <a:t>Lower than average unemployment counties tended to have a lower amount of their population in jail, but a noticeably higher amount of crime per capita</a:t>
+            </a:r>
+          </a:p>
+        </p:txBody>
+      </p:sp>
     </p:spTree>
     <p:extLst>
       <p:ext uri="{BB962C8B-B14F-4D97-AF65-F5344CB8AC3E}">
@@ -16131,47 +16771,6 @@
           </a:prstGeom>
         </p:spPr>
       </p:pic>
-      <p:sp>
-        <p:nvSpPr>
-          <p:cNvPr id="2" name="Title 1">
-            <a:extLst>
-              <a:ext uri="{FF2B5EF4-FFF2-40B4-BE49-F238E27FC236}">
-                <a16:creationId xmlns:a16="http://schemas.microsoft.com/office/drawing/2014/main" id="{30264402-B2A8-41C1-BD9A-507E2249E5DC}"/>
-              </a:ext>
-            </a:extLst>
-          </p:cNvPr>
-          <p:cNvSpPr>
-            <a:spLocks noGrp="1"/>
-          </p:cNvSpPr>
-          <p:nvPr>
-            <p:ph type="title"/>
-          </p:nvPr>
-        </p:nvSpPr>
-        <p:spPr>
-          <a:xfrm>
-            <a:off x="1132764" y="0"/>
-            <a:ext cx="8773234" cy="1478570"/>
-          </a:xfrm>
-        </p:spPr>
-        <p:txBody>
-          <a:bodyPr/>
-          <a:lstStyle/>
-          <a:p>
-            <a:r>
-              <a:rPr lang="en-US" dirty="0">
-                <a:solidFill>
-                  <a:schemeClr val="bg2">
-                    <a:lumMod val="75000"/>
-                  </a:schemeClr>
-                </a:solidFill>
-                <a:latin typeface="Cambria Math" panose="02040503050406030204" pitchFamily="18" charset="0"/>
-                <a:ea typeface="Cambria Math" panose="02040503050406030204" pitchFamily="18" charset="0"/>
-              </a:rPr>
-              <a:t>Insights</a:t>
-            </a:r>
-          </a:p>
-        </p:txBody>
-      </p:sp>
       <p:pic>
         <p:nvPicPr>
           <p:cNvPr id="5" name="Picture 4">
@@ -16194,14 +16793,77 @@
         </p:blipFill>
         <p:spPr>
           <a:xfrm>
-            <a:off x="1303192" y="1009934"/>
-            <a:ext cx="9378946" cy="5643349"/>
+            <a:off x="1055356" y="153802"/>
+            <a:ext cx="10919134" cy="6570086"/>
           </a:xfrm>
           <a:prstGeom prst="rect">
             <a:avLst/>
           </a:prstGeom>
         </p:spPr>
       </p:pic>
+      <p:sp>
+        <p:nvSpPr>
+          <p:cNvPr id="6" name="Title 1">
+            <a:extLst>
+              <a:ext uri="{FF2B5EF4-FFF2-40B4-BE49-F238E27FC236}">
+                <a16:creationId xmlns:a16="http://schemas.microsoft.com/office/drawing/2014/main" id="{1D43E8C5-B9E1-4271-8014-E31619148F5F}"/>
+              </a:ext>
+            </a:extLst>
+          </p:cNvPr>
+          <p:cNvSpPr txBox="1">
+            <a:spLocks/>
+          </p:cNvSpPr>
+          <p:nvPr/>
+        </p:nvSpPr>
+        <p:spPr>
+          <a:xfrm>
+            <a:off x="0" y="75829"/>
+            <a:ext cx="1115566" cy="5721322"/>
+          </a:xfrm>
+          <a:prstGeom prst="rect">
+            <a:avLst/>
+          </a:prstGeom>
+        </p:spPr>
+        <p:txBody>
+          <a:bodyPr vert="vert270" lIns="91440" tIns="45720" rIns="91440" bIns="45720" rtlCol="0" anchor="ctr">
+            <a:normAutofit/>
+          </a:bodyPr>
+          <a:lstStyle>
+            <a:lvl1pPr algn="l" defTabSz="914400" rtl="0" eaLnBrk="1" latinLnBrk="0" hangingPunct="1">
+              <a:lnSpc>
+                <a:spcPct val="90000"/>
+              </a:lnSpc>
+              <a:spcBef>
+                <a:spcPct val="0"/>
+              </a:spcBef>
+              <a:buNone/>
+              <a:defRPr sz="3600" kern="1200" cap="all" baseline="0">
+                <a:solidFill>
+                  <a:schemeClr val="tx1"/>
+                </a:solidFill>
+                <a:latin typeface="+mj-lt"/>
+                <a:ea typeface="+mj-ea"/>
+                <a:cs typeface="+mj-cs"/>
+              </a:defRPr>
+            </a:lvl1pPr>
+          </a:lstStyle>
+          <a:p>
+            <a:pPr algn="r"/>
+            <a:r>
+              <a:rPr lang="en-US" dirty="0">
+                <a:solidFill>
+                  <a:schemeClr val="bg2">
+                    <a:lumMod val="75000"/>
+                  </a:schemeClr>
+                </a:solidFill>
+                <a:latin typeface="Cambria Math" panose="02040503050406030204" pitchFamily="18" charset="0"/>
+                <a:ea typeface="Cambria Math" panose="02040503050406030204" pitchFamily="18" charset="0"/>
+              </a:rPr>
+              <a:t>Insights</a:t>
+            </a:r>
+          </a:p>
+        </p:txBody>
+      </p:sp>
     </p:spTree>
     <p:extLst>
       <p:ext uri="{BB962C8B-B14F-4D97-AF65-F5344CB8AC3E}">

--- a/THE presentation.pptx
+++ b/THE presentation.pptx
@@ -21,9 +21,9 @@
     <p:sldId id="262" r:id="rId15"/>
     <p:sldId id="274" r:id="rId16"/>
     <p:sldId id="275" r:id="rId17"/>
-    <p:sldId id="263" r:id="rId18"/>
-    <p:sldId id="264" r:id="rId19"/>
-    <p:sldId id="265" r:id="rId20"/>
+    <p:sldId id="264" r:id="rId18"/>
+    <p:sldId id="265" r:id="rId19"/>
+    <p:sldId id="263" r:id="rId20"/>
   </p:sldIdLst>
   <p:sldSz cx="12192000" cy="6858000"/>
   <p:notesSz cx="6858000" cy="9144000"/>
@@ -180,7 +180,7 @@
           <a:noFill/>
           <a:extLst>
             <a:ext uri="{909E8E84-426E-40dd-AFC4-6F175D3DCCD1}">
-              <a14:hiddenFill xmlns="" xmlns:a14="http://schemas.microsoft.com/office/drawing/2010/main">
+              <a14:hiddenFill xmlns:a14="http://schemas.microsoft.com/office/drawing/2010/main" xmlns="">
                 <a:solidFill>
                   <a:srgbClr val="FFFFFF"/>
                 </a:solidFill>
@@ -240,7 +240,7 @@
             </a:ln>
             <a:extLst>
               <a:ext uri="{91240B29-F687-4f45-9708-019B960494DF}">
-                <a14:hiddenLine xmlns="" xmlns:a14="http://schemas.microsoft.com/office/drawing/2010/main" w="9525">
+                <a14:hiddenLine xmlns:a14="http://schemas.microsoft.com/office/drawing/2010/main" xmlns="" w="9525">
                   <a:solidFill>
                     <a:srgbClr val="000000"/>
                   </a:solidFill>
@@ -330,7 +330,7 @@
             </a:ln>
             <a:extLst>
               <a:ext uri="{91240B29-F687-4f45-9708-019B960494DF}">
-                <a14:hiddenLine xmlns="" xmlns:a14="http://schemas.microsoft.com/office/drawing/2010/main" w="9525">
+                <a14:hiddenLine xmlns:a14="http://schemas.microsoft.com/office/drawing/2010/main" xmlns="" w="9525">
                   <a:solidFill>
                     <a:srgbClr val="000000"/>
                   </a:solidFill>
@@ -420,7 +420,7 @@
             </a:ln>
             <a:extLst>
               <a:ext uri="{91240B29-F687-4f45-9708-019B960494DF}">
-                <a14:hiddenLine xmlns="" xmlns:a14="http://schemas.microsoft.com/office/drawing/2010/main" w="9525">
+                <a14:hiddenLine xmlns:a14="http://schemas.microsoft.com/office/drawing/2010/main" xmlns="" w="9525">
                   <a:solidFill>
                     <a:srgbClr val="000000"/>
                   </a:solidFill>
@@ -454,7 +454,7 @@
             </a:ln>
             <a:extLst>
               <a:ext uri="{91240B29-F687-4f45-9708-019B960494DF}">
-                <a14:hiddenLine xmlns="" xmlns:a14="http://schemas.microsoft.com/office/drawing/2010/main" w="9525">
+                <a14:hiddenLine xmlns:a14="http://schemas.microsoft.com/office/drawing/2010/main" xmlns="" w="9525">
                   <a:solidFill>
                     <a:srgbClr val="000000"/>
                   </a:solidFill>
@@ -544,7 +544,7 @@
             </a:ln>
             <a:extLst>
               <a:ext uri="{91240B29-F687-4f45-9708-019B960494DF}">
-                <a14:hiddenLine xmlns="" xmlns:a14="http://schemas.microsoft.com/office/drawing/2010/main" w="9525">
+                <a14:hiddenLine xmlns:a14="http://schemas.microsoft.com/office/drawing/2010/main" xmlns="" w="9525">
                   <a:solidFill>
                     <a:srgbClr val="000000"/>
                   </a:solidFill>
@@ -606,7 +606,7 @@
             </a:ln>
             <a:extLst>
               <a:ext uri="{91240B29-F687-4f45-9708-019B960494DF}">
-                <a14:hiddenLine xmlns="" xmlns:a14="http://schemas.microsoft.com/office/drawing/2010/main" w="9525">
+                <a14:hiddenLine xmlns:a14="http://schemas.microsoft.com/office/drawing/2010/main" xmlns="" w="9525">
                   <a:solidFill>
                     <a:srgbClr val="000000"/>
                   </a:solidFill>
@@ -668,7 +668,7 @@
             </a:ln>
             <a:extLst>
               <a:ext uri="{91240B29-F687-4f45-9708-019B960494DF}">
-                <a14:hiddenLine xmlns="" xmlns:a14="http://schemas.microsoft.com/office/drawing/2010/main" w="9525">
+                <a14:hiddenLine xmlns:a14="http://schemas.microsoft.com/office/drawing/2010/main" xmlns="" w="9525">
                   <a:solidFill>
                     <a:srgbClr val="000000"/>
                   </a:solidFill>
@@ -758,7 +758,7 @@
             </a:ln>
             <a:extLst>
               <a:ext uri="{91240B29-F687-4f45-9708-019B960494DF}">
-                <a14:hiddenLine xmlns="" xmlns:a14="http://schemas.microsoft.com/office/drawing/2010/main" w="9525">
+                <a14:hiddenLine xmlns:a14="http://schemas.microsoft.com/office/drawing/2010/main" xmlns="" w="9525">
                   <a:solidFill>
                     <a:srgbClr val="000000"/>
                   </a:solidFill>
@@ -820,7 +820,7 @@
             </a:ln>
             <a:extLst>
               <a:ext uri="{91240B29-F687-4f45-9708-019B960494DF}">
-                <a14:hiddenLine xmlns="" xmlns:a14="http://schemas.microsoft.com/office/drawing/2010/main" w="9525">
+                <a14:hiddenLine xmlns:a14="http://schemas.microsoft.com/office/drawing/2010/main" xmlns="" w="9525">
                   <a:solidFill>
                     <a:srgbClr val="000000"/>
                   </a:solidFill>
@@ -882,7 +882,7 @@
             </a:ln>
             <a:extLst>
               <a:ext uri="{91240B29-F687-4f45-9708-019B960494DF}">
-                <a14:hiddenLine xmlns="" xmlns:a14="http://schemas.microsoft.com/office/drawing/2010/main" w="9525">
+                <a14:hiddenLine xmlns:a14="http://schemas.microsoft.com/office/drawing/2010/main" xmlns="" w="9525">
                   <a:solidFill>
                     <a:srgbClr val="000000"/>
                   </a:solidFill>
@@ -972,7 +972,7 @@
             </a:ln>
             <a:extLst>
               <a:ext uri="{91240B29-F687-4f45-9708-019B960494DF}">
-                <a14:hiddenLine xmlns="" xmlns:a14="http://schemas.microsoft.com/office/drawing/2010/main" w="9525">
+                <a14:hiddenLine xmlns:a14="http://schemas.microsoft.com/office/drawing/2010/main" xmlns="" w="9525">
                   <a:solidFill>
                     <a:srgbClr val="000000"/>
                   </a:solidFill>
@@ -1062,7 +1062,7 @@
             </a:ln>
             <a:extLst>
               <a:ext uri="{91240B29-F687-4f45-9708-019B960494DF}">
-                <a14:hiddenLine xmlns="" xmlns:a14="http://schemas.microsoft.com/office/drawing/2010/main" w="9525">
+                <a14:hiddenLine xmlns:a14="http://schemas.microsoft.com/office/drawing/2010/main" xmlns="" w="9525">
                   <a:solidFill>
                     <a:srgbClr val="000000"/>
                   </a:solidFill>
@@ -1124,7 +1124,7 @@
             </a:ln>
             <a:extLst>
               <a:ext uri="{91240B29-F687-4f45-9708-019B960494DF}">
-                <a14:hiddenLine xmlns="" xmlns:a14="http://schemas.microsoft.com/office/drawing/2010/main" w="9525">
+                <a14:hiddenLine xmlns:a14="http://schemas.microsoft.com/office/drawing/2010/main" xmlns="" w="9525">
                   <a:solidFill>
                     <a:srgbClr val="000000"/>
                   </a:solidFill>
@@ -1234,7 +1234,7 @@
             </a:ln>
             <a:extLst>
               <a:ext uri="{91240B29-F687-4f45-9708-019B960494DF}">
-                <a14:hiddenLine xmlns="" xmlns:a14="http://schemas.microsoft.com/office/drawing/2010/main" w="9525">
+                <a14:hiddenLine xmlns:a14="http://schemas.microsoft.com/office/drawing/2010/main" xmlns="" w="9525">
                   <a:solidFill>
                     <a:srgbClr val="000000"/>
                   </a:solidFill>
@@ -1296,7 +1296,7 @@
             </a:ln>
             <a:extLst>
               <a:ext uri="{91240B29-F687-4f45-9708-019B960494DF}">
-                <a14:hiddenLine xmlns="" xmlns:a14="http://schemas.microsoft.com/office/drawing/2010/main" w="9525">
+                <a14:hiddenLine xmlns:a14="http://schemas.microsoft.com/office/drawing/2010/main" xmlns="" w="9525">
                   <a:solidFill>
                     <a:srgbClr val="000000"/>
                   </a:solidFill>
@@ -1386,7 +1386,7 @@
             </a:ln>
             <a:extLst>
               <a:ext uri="{91240B29-F687-4f45-9708-019B960494DF}">
-                <a14:hiddenLine xmlns="" xmlns:a14="http://schemas.microsoft.com/office/drawing/2010/main" w="9525">
+                <a14:hiddenLine xmlns:a14="http://schemas.microsoft.com/office/drawing/2010/main" xmlns="" w="9525">
                   <a:solidFill>
                     <a:srgbClr val="000000"/>
                   </a:solidFill>
@@ -1476,7 +1476,7 @@
             </a:ln>
             <a:extLst>
               <a:ext uri="{91240B29-F687-4f45-9708-019B960494DF}">
-                <a14:hiddenLine xmlns="" xmlns:a14="http://schemas.microsoft.com/office/drawing/2010/main" w="9525">
+                <a14:hiddenLine xmlns:a14="http://schemas.microsoft.com/office/drawing/2010/main" xmlns="" w="9525">
                   <a:solidFill>
                     <a:srgbClr val="000000"/>
                   </a:solidFill>
@@ -1538,7 +1538,7 @@
             </a:ln>
             <a:extLst>
               <a:ext uri="{91240B29-F687-4f45-9708-019B960494DF}">
-                <a14:hiddenLine xmlns="" xmlns:a14="http://schemas.microsoft.com/office/drawing/2010/main" w="9525">
+                <a14:hiddenLine xmlns:a14="http://schemas.microsoft.com/office/drawing/2010/main" xmlns="" w="9525">
                   <a:solidFill>
                     <a:srgbClr val="000000"/>
                   </a:solidFill>
@@ -1628,7 +1628,7 @@
             </a:ln>
             <a:extLst>
               <a:ext uri="{91240B29-F687-4f45-9708-019B960494DF}">
-                <a14:hiddenLine xmlns="" xmlns:a14="http://schemas.microsoft.com/office/drawing/2010/main" w="9525">
+                <a14:hiddenLine xmlns:a14="http://schemas.microsoft.com/office/drawing/2010/main" xmlns="" w="9525">
                   <a:solidFill>
                     <a:srgbClr val="000000"/>
                   </a:solidFill>
@@ -1718,7 +1718,7 @@
             </a:ln>
             <a:extLst>
               <a:ext uri="{91240B29-F687-4f45-9708-019B960494DF}">
-                <a14:hiddenLine xmlns="" xmlns:a14="http://schemas.microsoft.com/office/drawing/2010/main" w="9525">
+                <a14:hiddenLine xmlns:a14="http://schemas.microsoft.com/office/drawing/2010/main" xmlns="" w="9525">
                   <a:solidFill>
                     <a:srgbClr val="000000"/>
                   </a:solidFill>
@@ -1774,7 +1774,7 @@
             </a:ln>
             <a:extLst>
               <a:ext uri="{91240B29-F687-4f45-9708-019B960494DF}">
-                <a14:hiddenLine xmlns="" xmlns:a14="http://schemas.microsoft.com/office/drawing/2010/main" w="9525">
+                <a14:hiddenLine xmlns:a14="http://schemas.microsoft.com/office/drawing/2010/main" xmlns="" w="9525">
                   <a:solidFill>
                     <a:srgbClr val="000000"/>
                   </a:solidFill>
@@ -1864,7 +1864,7 @@
             </a:ln>
             <a:extLst>
               <a:ext uri="{91240B29-F687-4f45-9708-019B960494DF}">
-                <a14:hiddenLine xmlns="" xmlns:a14="http://schemas.microsoft.com/office/drawing/2010/main" w="9525">
+                <a14:hiddenLine xmlns:a14="http://schemas.microsoft.com/office/drawing/2010/main" xmlns="" w="9525">
                   <a:solidFill>
                     <a:srgbClr val="000000"/>
                   </a:solidFill>
@@ -1920,7 +1920,7 @@
             </a:ln>
             <a:extLst>
               <a:ext uri="{91240B29-F687-4f45-9708-019B960494DF}">
-                <a14:hiddenLine xmlns="" xmlns:a14="http://schemas.microsoft.com/office/drawing/2010/main" w="9525">
+                <a14:hiddenLine xmlns:a14="http://schemas.microsoft.com/office/drawing/2010/main" xmlns="" w="9525">
                   <a:solidFill>
                     <a:srgbClr val="000000"/>
                   </a:solidFill>
@@ -2010,7 +2010,7 @@
             </a:ln>
             <a:extLst>
               <a:ext uri="{91240B29-F687-4f45-9708-019B960494DF}">
-                <a14:hiddenLine xmlns="" xmlns:a14="http://schemas.microsoft.com/office/drawing/2010/main" w="9525">
+                <a14:hiddenLine xmlns:a14="http://schemas.microsoft.com/office/drawing/2010/main" xmlns="" w="9525">
                   <a:solidFill>
                     <a:srgbClr val="000000"/>
                   </a:solidFill>
@@ -2078,7 +2078,7 @@
             </a:ln>
             <a:extLst>
               <a:ext uri="{91240B29-F687-4f45-9708-019B960494DF}">
-                <a14:hiddenLine xmlns="" xmlns:a14="http://schemas.microsoft.com/office/drawing/2010/main" w="9525">
+                <a14:hiddenLine xmlns:a14="http://schemas.microsoft.com/office/drawing/2010/main" xmlns="" w="9525">
                   <a:solidFill>
                     <a:srgbClr val="000000"/>
                   </a:solidFill>
@@ -2168,7 +2168,7 @@
             </a:ln>
             <a:extLst>
               <a:ext uri="{91240B29-F687-4f45-9708-019B960494DF}">
-                <a14:hiddenLine xmlns="" xmlns:a14="http://schemas.microsoft.com/office/drawing/2010/main" w="9525">
+                <a14:hiddenLine xmlns:a14="http://schemas.microsoft.com/office/drawing/2010/main" xmlns="" w="9525">
                   <a:solidFill>
                     <a:srgbClr val="000000"/>
                   </a:solidFill>
@@ -2236,7 +2236,7 @@
             </a:ln>
             <a:extLst>
               <a:ext uri="{91240B29-F687-4f45-9708-019B960494DF}">
-                <a14:hiddenLine xmlns="" xmlns:a14="http://schemas.microsoft.com/office/drawing/2010/main" w="9525">
+                <a14:hiddenLine xmlns:a14="http://schemas.microsoft.com/office/drawing/2010/main" xmlns="" w="9525">
                   <a:solidFill>
                     <a:srgbClr val="000000"/>
                   </a:solidFill>
@@ -2326,7 +2326,7 @@
             </a:ln>
             <a:extLst>
               <a:ext uri="{91240B29-F687-4f45-9708-019B960494DF}">
-                <a14:hiddenLine xmlns="" xmlns:a14="http://schemas.microsoft.com/office/drawing/2010/main" w="9525">
+                <a14:hiddenLine xmlns:a14="http://schemas.microsoft.com/office/drawing/2010/main" xmlns="" w="9525">
                   <a:solidFill>
                     <a:srgbClr val="000000"/>
                   </a:solidFill>
@@ -2360,7 +2360,7 @@
             </a:ln>
             <a:extLst>
               <a:ext uri="{91240B29-F687-4f45-9708-019B960494DF}">
-                <a14:hiddenLine xmlns="" xmlns:a14="http://schemas.microsoft.com/office/drawing/2010/main" w="9525">
+                <a14:hiddenLine xmlns:a14="http://schemas.microsoft.com/office/drawing/2010/main" xmlns="" w="9525">
                   <a:solidFill>
                     <a:srgbClr val="000000"/>
                   </a:solidFill>
@@ -2450,7 +2450,7 @@
             </a:ln>
             <a:extLst>
               <a:ext uri="{91240B29-F687-4f45-9708-019B960494DF}">
-                <a14:hiddenLine xmlns="" xmlns:a14="http://schemas.microsoft.com/office/drawing/2010/main" w="9525">
+                <a14:hiddenLine xmlns:a14="http://schemas.microsoft.com/office/drawing/2010/main" xmlns="" w="9525">
                   <a:solidFill>
                     <a:srgbClr val="000000"/>
                   </a:solidFill>
@@ -2512,7 +2512,7 @@
             </a:ln>
             <a:extLst>
               <a:ext uri="{91240B29-F687-4f45-9708-019B960494DF}">
-                <a14:hiddenLine xmlns="" xmlns:a14="http://schemas.microsoft.com/office/drawing/2010/main" w="9525">
+                <a14:hiddenLine xmlns:a14="http://schemas.microsoft.com/office/drawing/2010/main" xmlns="" w="9525">
                   <a:solidFill>
                     <a:srgbClr val="000000"/>
                   </a:solidFill>
@@ -2574,7 +2574,7 @@
             </a:ln>
             <a:extLst>
               <a:ext uri="{91240B29-F687-4f45-9708-019B960494DF}">
-                <a14:hiddenLine xmlns="" xmlns:a14="http://schemas.microsoft.com/office/drawing/2010/main" w="9525">
+                <a14:hiddenLine xmlns:a14="http://schemas.microsoft.com/office/drawing/2010/main" xmlns="" w="9525">
                   <a:solidFill>
                     <a:srgbClr val="000000"/>
                   </a:solidFill>
@@ -2664,7 +2664,7 @@
             </a:ln>
             <a:extLst>
               <a:ext uri="{91240B29-F687-4f45-9708-019B960494DF}">
-                <a14:hiddenLine xmlns="" xmlns:a14="http://schemas.microsoft.com/office/drawing/2010/main" w="9525">
+                <a14:hiddenLine xmlns:a14="http://schemas.microsoft.com/office/drawing/2010/main" xmlns="" w="9525">
                   <a:solidFill>
                     <a:srgbClr val="000000"/>
                   </a:solidFill>
@@ -2732,7 +2732,7 @@
             </a:ln>
             <a:extLst>
               <a:ext uri="{91240B29-F687-4f45-9708-019B960494DF}">
-                <a14:hiddenLine xmlns="" xmlns:a14="http://schemas.microsoft.com/office/drawing/2010/main" w="9525">
+                <a14:hiddenLine xmlns:a14="http://schemas.microsoft.com/office/drawing/2010/main" xmlns="" w="9525">
                   <a:solidFill>
                     <a:srgbClr val="000000"/>
                   </a:solidFill>
@@ -2794,7 +2794,7 @@
             </a:ln>
             <a:extLst>
               <a:ext uri="{91240B29-F687-4f45-9708-019B960494DF}">
-                <a14:hiddenLine xmlns="" xmlns:a14="http://schemas.microsoft.com/office/drawing/2010/main" w="9525">
+                <a14:hiddenLine xmlns:a14="http://schemas.microsoft.com/office/drawing/2010/main" xmlns="" w="9525">
                   <a:solidFill>
                     <a:srgbClr val="000000"/>
                   </a:solidFill>
@@ -2884,7 +2884,7 @@
             </a:ln>
             <a:extLst>
               <a:ext uri="{91240B29-F687-4f45-9708-019B960494DF}">
-                <a14:hiddenLine xmlns="" xmlns:a14="http://schemas.microsoft.com/office/drawing/2010/main" w="9525">
+                <a14:hiddenLine xmlns:a14="http://schemas.microsoft.com/office/drawing/2010/main" xmlns="" w="9525">
                   <a:solidFill>
                     <a:srgbClr val="000000"/>
                   </a:solidFill>
@@ -2946,7 +2946,7 @@
             </a:ln>
             <a:extLst>
               <a:ext uri="{91240B29-F687-4f45-9708-019B960494DF}">
-                <a14:hiddenLine xmlns="" xmlns:a14="http://schemas.microsoft.com/office/drawing/2010/main" w="9525">
+                <a14:hiddenLine xmlns:a14="http://schemas.microsoft.com/office/drawing/2010/main" xmlns="" w="9525">
                   <a:solidFill>
                     <a:srgbClr val="000000"/>
                   </a:solidFill>
@@ -3036,7 +3036,7 @@
             </a:ln>
             <a:extLst>
               <a:ext uri="{91240B29-F687-4f45-9708-019B960494DF}">
-                <a14:hiddenLine xmlns="" xmlns:a14="http://schemas.microsoft.com/office/drawing/2010/main" w="9525">
+                <a14:hiddenLine xmlns:a14="http://schemas.microsoft.com/office/drawing/2010/main" xmlns="" w="9525">
                   <a:solidFill>
                     <a:srgbClr val="000000"/>
                   </a:solidFill>
@@ -3098,7 +3098,7 @@
             </a:ln>
             <a:extLst>
               <a:ext uri="{91240B29-F687-4f45-9708-019B960494DF}">
-                <a14:hiddenLine xmlns="" xmlns:a14="http://schemas.microsoft.com/office/drawing/2010/main" w="9525">
+                <a14:hiddenLine xmlns:a14="http://schemas.microsoft.com/office/drawing/2010/main" xmlns="" w="9525">
                   <a:solidFill>
                     <a:srgbClr val="000000"/>
                   </a:solidFill>
@@ -3188,7 +3188,7 @@
             </a:ln>
             <a:extLst>
               <a:ext uri="{91240B29-F687-4f45-9708-019B960494DF}">
-                <a14:hiddenLine xmlns="" xmlns:a14="http://schemas.microsoft.com/office/drawing/2010/main" w="9525">
+                <a14:hiddenLine xmlns:a14="http://schemas.microsoft.com/office/drawing/2010/main" xmlns="" w="9525">
                   <a:solidFill>
                     <a:srgbClr val="000000"/>
                   </a:solidFill>
@@ -3222,7 +3222,7 @@
             </a:ln>
             <a:extLst>
               <a:ext uri="{91240B29-F687-4f45-9708-019B960494DF}">
-                <a14:hiddenLine xmlns="" xmlns:a14="http://schemas.microsoft.com/office/drawing/2010/main" w="9525">
+                <a14:hiddenLine xmlns:a14="http://schemas.microsoft.com/office/drawing/2010/main" xmlns="" w="9525">
                   <a:solidFill>
                     <a:srgbClr val="000000"/>
                   </a:solidFill>
@@ -3287,7 +3287,7 @@
             </a:ln>
             <a:extLst>
               <a:ext uri="{91240B29-F687-4f45-9708-019B960494DF}">
-                <a14:hiddenLine xmlns="" xmlns:a14="http://schemas.microsoft.com/office/drawing/2010/main" w="9525">
+                <a14:hiddenLine xmlns:a14="http://schemas.microsoft.com/office/drawing/2010/main" xmlns="" w="9525">
                   <a:solidFill>
                     <a:srgbClr val="000000"/>
                   </a:solidFill>
@@ -3377,7 +3377,7 @@
             </a:ln>
             <a:extLst>
               <a:ext uri="{91240B29-F687-4f45-9708-019B960494DF}">
-                <a14:hiddenLine xmlns="" xmlns:a14="http://schemas.microsoft.com/office/drawing/2010/main" w="9525">
+                <a14:hiddenLine xmlns:a14="http://schemas.microsoft.com/office/drawing/2010/main" xmlns="" w="9525">
                   <a:solidFill>
                     <a:srgbClr val="000000"/>
                   </a:solidFill>
@@ -3439,7 +3439,7 @@
             </a:ln>
             <a:extLst>
               <a:ext uri="{91240B29-F687-4f45-9708-019B960494DF}">
-                <a14:hiddenLine xmlns="" xmlns:a14="http://schemas.microsoft.com/office/drawing/2010/main" w="9525">
+                <a14:hiddenLine xmlns:a14="http://schemas.microsoft.com/office/drawing/2010/main" xmlns="" w="9525">
                   <a:solidFill>
                     <a:srgbClr val="000000"/>
                   </a:solidFill>
@@ -3529,7 +3529,7 @@
             </a:ln>
             <a:extLst>
               <a:ext uri="{91240B29-F687-4f45-9708-019B960494DF}">
-                <a14:hiddenLine xmlns="" xmlns:a14="http://schemas.microsoft.com/office/drawing/2010/main" w="9525">
+                <a14:hiddenLine xmlns:a14="http://schemas.microsoft.com/office/drawing/2010/main" xmlns="" w="9525">
                   <a:solidFill>
                     <a:srgbClr val="000000"/>
                   </a:solidFill>
@@ -3619,7 +3619,7 @@
             </a:ln>
             <a:extLst>
               <a:ext uri="{91240B29-F687-4f45-9708-019B960494DF}">
-                <a14:hiddenLine xmlns="" xmlns:a14="http://schemas.microsoft.com/office/drawing/2010/main" w="9525">
+                <a14:hiddenLine xmlns:a14="http://schemas.microsoft.com/office/drawing/2010/main" xmlns="" w="9525">
                   <a:solidFill>
                     <a:srgbClr val="000000"/>
                   </a:solidFill>
@@ -3684,7 +3684,7 @@
             </a:ln>
             <a:extLst>
               <a:ext uri="{91240B29-F687-4f45-9708-019B960494DF}">
-                <a14:hiddenLine xmlns="" xmlns:a14="http://schemas.microsoft.com/office/drawing/2010/main" w="9525">
+                <a14:hiddenLine xmlns:a14="http://schemas.microsoft.com/office/drawing/2010/main" xmlns="" w="9525">
                   <a:solidFill>
                     <a:srgbClr val="000000"/>
                   </a:solidFill>
@@ -3746,7 +3746,7 @@
             </a:ln>
             <a:extLst>
               <a:ext uri="{91240B29-F687-4f45-9708-019B960494DF}">
-                <a14:hiddenLine xmlns="" xmlns:a14="http://schemas.microsoft.com/office/drawing/2010/main" w="9525">
+                <a14:hiddenLine xmlns:a14="http://schemas.microsoft.com/office/drawing/2010/main" xmlns="" w="9525">
                   <a:solidFill>
                     <a:srgbClr val="000000"/>
                   </a:solidFill>
@@ -3836,7 +3836,7 @@
             </a:ln>
             <a:extLst>
               <a:ext uri="{91240B29-F687-4f45-9708-019B960494DF}">
-                <a14:hiddenLine xmlns="" xmlns:a14="http://schemas.microsoft.com/office/drawing/2010/main" w="9525">
+                <a14:hiddenLine xmlns:a14="http://schemas.microsoft.com/office/drawing/2010/main" xmlns="" w="9525">
                   <a:solidFill>
                     <a:srgbClr val="000000"/>
                   </a:solidFill>
@@ -3926,7 +3926,7 @@
             </a:ln>
             <a:extLst>
               <a:ext uri="{91240B29-F687-4f45-9708-019B960494DF}">
-                <a14:hiddenLine xmlns="" xmlns:a14="http://schemas.microsoft.com/office/drawing/2010/main" w="9525">
+                <a14:hiddenLine xmlns:a14="http://schemas.microsoft.com/office/drawing/2010/main" xmlns="" w="9525">
                   <a:solidFill>
                     <a:srgbClr val="000000"/>
                   </a:solidFill>
@@ -3988,7 +3988,7 @@
             </a:ln>
             <a:extLst>
               <a:ext uri="{91240B29-F687-4f45-9708-019B960494DF}">
-                <a14:hiddenLine xmlns="" xmlns:a14="http://schemas.microsoft.com/office/drawing/2010/main" w="9525">
+                <a14:hiddenLine xmlns:a14="http://schemas.microsoft.com/office/drawing/2010/main" xmlns="" w="9525">
                   <a:solidFill>
                     <a:srgbClr val="000000"/>
                   </a:solidFill>
@@ -4108,7 +4108,7 @@
             </a:ln>
             <a:extLst>
               <a:ext uri="{91240B29-F687-4f45-9708-019B960494DF}">
-                <a14:hiddenLine xmlns="" xmlns:a14="http://schemas.microsoft.com/office/drawing/2010/main" w="9525">
+                <a14:hiddenLine xmlns:a14="http://schemas.microsoft.com/office/drawing/2010/main" xmlns="" w="9525">
                   <a:solidFill>
                     <a:srgbClr val="000000"/>
                   </a:solidFill>
@@ -4176,7 +4176,7 @@
             </a:ln>
             <a:extLst>
               <a:ext uri="{91240B29-F687-4f45-9708-019B960494DF}">
-                <a14:hiddenLine xmlns="" xmlns:a14="http://schemas.microsoft.com/office/drawing/2010/main" w="9525">
+                <a14:hiddenLine xmlns:a14="http://schemas.microsoft.com/office/drawing/2010/main" xmlns="" w="9525">
                   <a:solidFill>
                     <a:srgbClr val="000000"/>
                   </a:solidFill>
@@ -4266,7 +4266,7 @@
             </a:ln>
             <a:extLst>
               <a:ext uri="{91240B29-F687-4f45-9708-019B960494DF}">
-                <a14:hiddenLine xmlns="" xmlns:a14="http://schemas.microsoft.com/office/drawing/2010/main" w="9525">
+                <a14:hiddenLine xmlns:a14="http://schemas.microsoft.com/office/drawing/2010/main" xmlns="" w="9525">
                   <a:solidFill>
                     <a:srgbClr val="000000"/>
                   </a:solidFill>
@@ -9073,7 +9073,7 @@
           <a:noFill/>
           <a:extLst>
             <a:ext uri="{909E8E84-426E-40dd-AFC4-6F175D3DCCD1}">
-              <a14:hiddenFill xmlns="" xmlns:a14="http://schemas.microsoft.com/office/drawing/2010/main">
+              <a14:hiddenFill xmlns:a14="http://schemas.microsoft.com/office/drawing/2010/main" xmlns="">
                 <a:solidFill>
                   <a:srgbClr val="FFFFFF"/>
                 </a:solidFill>
@@ -9147,7 +9147,7 @@
               </a:ln>
               <a:extLst>
                 <a:ext uri="{91240B29-F687-4f45-9708-019B960494DF}">
-                  <a14:hiddenLine xmlns="" xmlns:a14="http://schemas.microsoft.com/office/drawing/2010/main" w="9525">
+                  <a14:hiddenLine xmlns:a14="http://schemas.microsoft.com/office/drawing/2010/main" xmlns="" w="9525">
                     <a:solidFill>
                       <a:srgbClr val="000000"/>
                     </a:solidFill>
@@ -9237,7 +9237,7 @@
               </a:ln>
               <a:extLst>
                 <a:ext uri="{91240B29-F687-4f45-9708-019B960494DF}">
-                  <a14:hiddenLine xmlns="" xmlns:a14="http://schemas.microsoft.com/office/drawing/2010/main" w="9525">
+                  <a14:hiddenLine xmlns:a14="http://schemas.microsoft.com/office/drawing/2010/main" xmlns="" w="9525">
                     <a:solidFill>
                       <a:srgbClr val="000000"/>
                     </a:solidFill>
@@ -9327,7 +9327,7 @@
               </a:ln>
               <a:extLst>
                 <a:ext uri="{91240B29-F687-4f45-9708-019B960494DF}">
-                  <a14:hiddenLine xmlns="" xmlns:a14="http://schemas.microsoft.com/office/drawing/2010/main" w="9525">
+                  <a14:hiddenLine xmlns:a14="http://schemas.microsoft.com/office/drawing/2010/main" xmlns="" w="9525">
                     <a:solidFill>
                       <a:srgbClr val="000000"/>
                     </a:solidFill>
@@ -9389,7 +9389,7 @@
               </a:ln>
               <a:extLst>
                 <a:ext uri="{91240B29-F687-4f45-9708-019B960494DF}">
-                  <a14:hiddenLine xmlns="" xmlns:a14="http://schemas.microsoft.com/office/drawing/2010/main" w="9525">
+                  <a14:hiddenLine xmlns:a14="http://schemas.microsoft.com/office/drawing/2010/main" xmlns="" w="9525">
                     <a:solidFill>
                       <a:srgbClr val="000000"/>
                     </a:solidFill>
@@ -9479,7 +9479,7 @@
               </a:ln>
               <a:extLst>
                 <a:ext uri="{91240B29-F687-4f45-9708-019B960494DF}">
-                  <a14:hiddenLine xmlns="" xmlns:a14="http://schemas.microsoft.com/office/drawing/2010/main" w="9525">
+                  <a14:hiddenLine xmlns:a14="http://schemas.microsoft.com/office/drawing/2010/main" xmlns="" w="9525">
                     <a:solidFill>
                       <a:srgbClr val="000000"/>
                     </a:solidFill>
@@ -9541,7 +9541,7 @@
               </a:ln>
               <a:extLst>
                 <a:ext uri="{91240B29-F687-4f45-9708-019B960494DF}">
-                  <a14:hiddenLine xmlns="" xmlns:a14="http://schemas.microsoft.com/office/drawing/2010/main" w="9525">
+                  <a14:hiddenLine xmlns:a14="http://schemas.microsoft.com/office/drawing/2010/main" xmlns="" w="9525">
                     <a:solidFill>
                       <a:srgbClr val="000000"/>
                     </a:solidFill>
@@ -9603,7 +9603,7 @@
               </a:ln>
               <a:extLst>
                 <a:ext uri="{91240B29-F687-4f45-9708-019B960494DF}">
-                  <a14:hiddenLine xmlns="" xmlns:a14="http://schemas.microsoft.com/office/drawing/2010/main" w="9525">
+                  <a14:hiddenLine xmlns:a14="http://schemas.microsoft.com/office/drawing/2010/main" xmlns="" w="9525">
                     <a:solidFill>
                       <a:srgbClr val="000000"/>
                     </a:solidFill>
@@ -9693,7 +9693,7 @@
               </a:ln>
               <a:extLst>
                 <a:ext uri="{91240B29-F687-4f45-9708-019B960494DF}">
-                  <a14:hiddenLine xmlns="" xmlns:a14="http://schemas.microsoft.com/office/drawing/2010/main" w="9525">
+                  <a14:hiddenLine xmlns:a14="http://schemas.microsoft.com/office/drawing/2010/main" xmlns="" w="9525">
                     <a:solidFill>
                       <a:srgbClr val="000000"/>
                     </a:solidFill>
@@ -9783,7 +9783,7 @@
               </a:ln>
               <a:extLst>
                 <a:ext uri="{91240B29-F687-4f45-9708-019B960494DF}">
-                  <a14:hiddenLine xmlns="" xmlns:a14="http://schemas.microsoft.com/office/drawing/2010/main" w="9525">
+                  <a14:hiddenLine xmlns:a14="http://schemas.microsoft.com/office/drawing/2010/main" xmlns="" w="9525">
                     <a:solidFill>
                       <a:srgbClr val="000000"/>
                     </a:solidFill>
@@ -9845,7 +9845,7 @@
               </a:ln>
               <a:extLst>
                 <a:ext uri="{91240B29-F687-4f45-9708-019B960494DF}">
-                  <a14:hiddenLine xmlns="" xmlns:a14="http://schemas.microsoft.com/office/drawing/2010/main" w="9525">
+                  <a14:hiddenLine xmlns:a14="http://schemas.microsoft.com/office/drawing/2010/main" xmlns="" w="9525">
                     <a:solidFill>
                       <a:srgbClr val="000000"/>
                     </a:solidFill>
@@ -9955,7 +9955,7 @@
               </a:ln>
               <a:extLst>
                 <a:ext uri="{91240B29-F687-4f45-9708-019B960494DF}">
-                  <a14:hiddenLine xmlns="" xmlns:a14="http://schemas.microsoft.com/office/drawing/2010/main" w="9525">
+                  <a14:hiddenLine xmlns:a14="http://schemas.microsoft.com/office/drawing/2010/main" xmlns="" w="9525">
                     <a:solidFill>
                       <a:srgbClr val="000000"/>
                     </a:solidFill>
@@ -10039,7 +10039,7 @@
               </a:ln>
               <a:extLst>
                 <a:ext uri="{91240B29-F687-4f45-9708-019B960494DF}">
-                  <a14:hiddenLine xmlns="" xmlns:a14="http://schemas.microsoft.com/office/drawing/2010/main" w="9525">
+                  <a14:hiddenLine xmlns:a14="http://schemas.microsoft.com/office/drawing/2010/main" xmlns="" w="9525">
                     <a:solidFill>
                       <a:srgbClr val="000000"/>
                     </a:solidFill>
@@ -10101,7 +10101,7 @@
               </a:ln>
               <a:extLst>
                 <a:ext uri="{91240B29-F687-4f45-9708-019B960494DF}">
-                  <a14:hiddenLine xmlns="" xmlns:a14="http://schemas.microsoft.com/office/drawing/2010/main" w="9525">
+                  <a14:hiddenLine xmlns:a14="http://schemas.microsoft.com/office/drawing/2010/main" xmlns="" w="9525">
                     <a:solidFill>
                       <a:srgbClr val="000000"/>
                     </a:solidFill>
@@ -10163,7 +10163,7 @@
               </a:ln>
               <a:extLst>
                 <a:ext uri="{91240B29-F687-4f45-9708-019B960494DF}">
-                  <a14:hiddenLine xmlns="" xmlns:a14="http://schemas.microsoft.com/office/drawing/2010/main" w="9525">
+                  <a14:hiddenLine xmlns:a14="http://schemas.microsoft.com/office/drawing/2010/main" xmlns="" w="9525">
                     <a:solidFill>
                       <a:srgbClr val="000000"/>
                     </a:solidFill>
@@ -10253,7 +10253,7 @@
               </a:ln>
               <a:extLst>
                 <a:ext uri="{91240B29-F687-4f45-9708-019B960494DF}">
-                  <a14:hiddenLine xmlns="" xmlns:a14="http://schemas.microsoft.com/office/drawing/2010/main" w="9525">
+                  <a14:hiddenLine xmlns:a14="http://schemas.microsoft.com/office/drawing/2010/main" xmlns="" w="9525">
                     <a:solidFill>
                       <a:srgbClr val="000000"/>
                     </a:solidFill>
@@ -10287,7 +10287,7 @@
               </a:ln>
               <a:extLst>
                 <a:ext uri="{91240B29-F687-4f45-9708-019B960494DF}">
-                  <a14:hiddenLine xmlns="" xmlns:a14="http://schemas.microsoft.com/office/drawing/2010/main" w="9525">
+                  <a14:hiddenLine xmlns:a14="http://schemas.microsoft.com/office/drawing/2010/main" xmlns="" w="9525">
                     <a:solidFill>
                       <a:srgbClr val="000000"/>
                     </a:solidFill>
@@ -10352,7 +10352,7 @@
               </a:ln>
               <a:extLst>
                 <a:ext uri="{91240B29-F687-4f45-9708-019B960494DF}">
-                  <a14:hiddenLine xmlns="" xmlns:a14="http://schemas.microsoft.com/office/drawing/2010/main" w="9525">
+                  <a14:hiddenLine xmlns:a14="http://schemas.microsoft.com/office/drawing/2010/main" xmlns="" w="9525">
                     <a:solidFill>
                       <a:srgbClr val="000000"/>
                     </a:solidFill>
@@ -10442,7 +10442,7 @@
               </a:ln>
               <a:extLst>
                 <a:ext uri="{91240B29-F687-4f45-9708-019B960494DF}">
-                  <a14:hiddenLine xmlns="" xmlns:a14="http://schemas.microsoft.com/office/drawing/2010/main" w="9525">
+                  <a14:hiddenLine xmlns:a14="http://schemas.microsoft.com/office/drawing/2010/main" xmlns="" w="9525">
                     <a:solidFill>
                       <a:srgbClr val="000000"/>
                     </a:solidFill>
@@ -10504,7 +10504,7 @@
               </a:ln>
               <a:extLst>
                 <a:ext uri="{91240B29-F687-4f45-9708-019B960494DF}">
-                  <a14:hiddenLine xmlns="" xmlns:a14="http://schemas.microsoft.com/office/drawing/2010/main" w="9525">
+                  <a14:hiddenLine xmlns:a14="http://schemas.microsoft.com/office/drawing/2010/main" xmlns="" w="9525">
                     <a:solidFill>
                       <a:srgbClr val="000000"/>
                     </a:solidFill>
@@ -10594,7 +10594,7 @@
               </a:ln>
               <a:extLst>
                 <a:ext uri="{91240B29-F687-4f45-9708-019B960494DF}">
-                  <a14:hiddenLine xmlns="" xmlns:a14="http://schemas.microsoft.com/office/drawing/2010/main" w="9525">
+                  <a14:hiddenLine xmlns:a14="http://schemas.microsoft.com/office/drawing/2010/main" xmlns="" w="9525">
                     <a:solidFill>
                       <a:srgbClr val="000000"/>
                     </a:solidFill>
@@ -10659,7 +10659,7 @@
               </a:ln>
               <a:extLst>
                 <a:ext uri="{91240B29-F687-4f45-9708-019B960494DF}">
-                  <a14:hiddenLine xmlns="" xmlns:a14="http://schemas.microsoft.com/office/drawing/2010/main" w="9525">
+                  <a14:hiddenLine xmlns:a14="http://schemas.microsoft.com/office/drawing/2010/main" xmlns="" w="9525">
                     <a:solidFill>
                       <a:srgbClr val="000000"/>
                     </a:solidFill>
@@ -10721,7 +10721,7 @@
               </a:ln>
               <a:extLst>
                 <a:ext uri="{91240B29-F687-4f45-9708-019B960494DF}">
-                  <a14:hiddenLine xmlns="" xmlns:a14="http://schemas.microsoft.com/office/drawing/2010/main" w="9525">
+                  <a14:hiddenLine xmlns:a14="http://schemas.microsoft.com/office/drawing/2010/main" xmlns="" w="9525">
                     <a:solidFill>
                       <a:srgbClr val="000000"/>
                     </a:solidFill>
@@ -10811,7 +10811,7 @@
               </a:ln>
               <a:extLst>
                 <a:ext uri="{91240B29-F687-4f45-9708-019B960494DF}">
-                  <a14:hiddenLine xmlns="" xmlns:a14="http://schemas.microsoft.com/office/drawing/2010/main" w="9525">
+                  <a14:hiddenLine xmlns:a14="http://schemas.microsoft.com/office/drawing/2010/main" xmlns="" w="9525">
                     <a:solidFill>
                       <a:srgbClr val="000000"/>
                     </a:solidFill>
@@ -10901,7 +10901,7 @@
               </a:ln>
               <a:extLst>
                 <a:ext uri="{91240B29-F687-4f45-9708-019B960494DF}">
-                  <a14:hiddenLine xmlns="" xmlns:a14="http://schemas.microsoft.com/office/drawing/2010/main" w="9525">
+                  <a14:hiddenLine xmlns:a14="http://schemas.microsoft.com/office/drawing/2010/main" xmlns="" w="9525">
                     <a:solidFill>
                       <a:srgbClr val="000000"/>
                     </a:solidFill>
@@ -10966,7 +10966,7 @@
               </a:ln>
               <a:extLst>
                 <a:ext uri="{91240B29-F687-4f45-9708-019B960494DF}">
-                  <a14:hiddenLine xmlns="" xmlns:a14="http://schemas.microsoft.com/office/drawing/2010/main" w="9525">
+                  <a14:hiddenLine xmlns:a14="http://schemas.microsoft.com/office/drawing/2010/main" xmlns="" w="9525">
                     <a:solidFill>
                       <a:srgbClr val="000000"/>
                     </a:solidFill>
@@ -11086,7 +11086,7 @@
               </a:ln>
               <a:extLst>
                 <a:ext uri="{91240B29-F687-4f45-9708-019B960494DF}">
-                  <a14:hiddenLine xmlns="" xmlns:a14="http://schemas.microsoft.com/office/drawing/2010/main" w="9525">
+                  <a14:hiddenLine xmlns:a14="http://schemas.microsoft.com/office/drawing/2010/main" xmlns="" w="9525">
                     <a:solidFill>
                       <a:srgbClr val="000000"/>
                     </a:solidFill>
@@ -11184,7 +11184,7 @@
               </a:ln>
               <a:extLst>
                 <a:ext uri="{91240B29-F687-4f45-9708-019B960494DF}">
-                  <a14:hiddenLine xmlns="" xmlns:a14="http://schemas.microsoft.com/office/drawing/2010/main" w="9525">
+                  <a14:hiddenLine xmlns:a14="http://schemas.microsoft.com/office/drawing/2010/main" xmlns="" w="9525">
                     <a:solidFill>
                       <a:srgbClr val="000000"/>
                     </a:solidFill>
@@ -11299,7 +11299,7 @@
               </a:ln>
               <a:extLst>
                 <a:ext uri="{91240B29-F687-4f45-9708-019B960494DF}">
-                  <a14:hiddenLine xmlns="" xmlns:a14="http://schemas.microsoft.com/office/drawing/2010/main" w="9525">
+                  <a14:hiddenLine xmlns:a14="http://schemas.microsoft.com/office/drawing/2010/main" xmlns="" w="9525">
                     <a:solidFill>
                       <a:srgbClr val="000000"/>
                     </a:solidFill>
@@ -11389,7 +11389,7 @@
               </a:ln>
               <a:extLst>
                 <a:ext uri="{91240B29-F687-4f45-9708-019B960494DF}">
-                  <a14:hiddenLine xmlns="" xmlns:a14="http://schemas.microsoft.com/office/drawing/2010/main" w="9525">
+                  <a14:hiddenLine xmlns:a14="http://schemas.microsoft.com/office/drawing/2010/main" xmlns="" w="9525">
                     <a:solidFill>
                       <a:srgbClr val="000000"/>
                     </a:solidFill>
@@ -11454,7 +11454,7 @@
               </a:ln>
               <a:extLst>
                 <a:ext uri="{91240B29-F687-4f45-9708-019B960494DF}">
-                  <a14:hiddenLine xmlns="" xmlns:a14="http://schemas.microsoft.com/office/drawing/2010/main" w="9525">
+                  <a14:hiddenLine xmlns:a14="http://schemas.microsoft.com/office/drawing/2010/main" xmlns="" w="9525">
                     <a:solidFill>
                       <a:srgbClr val="000000"/>
                     </a:solidFill>
@@ -11544,7 +11544,7 @@
               </a:ln>
               <a:extLst>
                 <a:ext uri="{91240B29-F687-4f45-9708-019B960494DF}">
-                  <a14:hiddenLine xmlns="" xmlns:a14="http://schemas.microsoft.com/office/drawing/2010/main" w="9525">
+                  <a14:hiddenLine xmlns:a14="http://schemas.microsoft.com/office/drawing/2010/main" xmlns="" w="9525">
                     <a:solidFill>
                       <a:srgbClr val="000000"/>
                     </a:solidFill>
@@ -11612,7 +11612,7 @@
               </a:ln>
               <a:extLst>
                 <a:ext uri="{91240B29-F687-4f45-9708-019B960494DF}">
-                  <a14:hiddenLine xmlns="" xmlns:a14="http://schemas.microsoft.com/office/drawing/2010/main" w="9525">
+                  <a14:hiddenLine xmlns:a14="http://schemas.microsoft.com/office/drawing/2010/main" xmlns="" w="9525">
                     <a:solidFill>
                       <a:srgbClr val="000000"/>
                     </a:solidFill>
@@ -11702,7 +11702,7 @@
               </a:ln>
               <a:extLst>
                 <a:ext uri="{91240B29-F687-4f45-9708-019B960494DF}">
-                  <a14:hiddenLine xmlns="" xmlns:a14="http://schemas.microsoft.com/office/drawing/2010/main" w="9525">
+                  <a14:hiddenLine xmlns:a14="http://schemas.microsoft.com/office/drawing/2010/main" xmlns="" w="9525">
                     <a:solidFill>
                       <a:srgbClr val="000000"/>
                     </a:solidFill>
@@ -11770,7 +11770,7 @@
               </a:ln>
               <a:extLst>
                 <a:ext uri="{91240B29-F687-4f45-9708-019B960494DF}">
-                  <a14:hiddenLine xmlns="" xmlns:a14="http://schemas.microsoft.com/office/drawing/2010/main" w="9525">
+                  <a14:hiddenLine xmlns:a14="http://schemas.microsoft.com/office/drawing/2010/main" xmlns="" w="9525">
                     <a:solidFill>
                       <a:srgbClr val="000000"/>
                     </a:solidFill>
@@ -11860,7 +11860,7 @@
               </a:ln>
               <a:extLst>
                 <a:ext uri="{91240B29-F687-4f45-9708-019B960494DF}">
-                  <a14:hiddenLine xmlns="" xmlns:a14="http://schemas.microsoft.com/office/drawing/2010/main" w="9525">
+                  <a14:hiddenLine xmlns:a14="http://schemas.microsoft.com/office/drawing/2010/main" xmlns="" w="9525">
                     <a:solidFill>
                       <a:srgbClr val="000000"/>
                     </a:solidFill>
@@ -11894,7 +11894,7 @@
               </a:ln>
               <a:extLst>
                 <a:ext uri="{91240B29-F687-4f45-9708-019B960494DF}">
-                  <a14:hiddenLine xmlns="" xmlns:a14="http://schemas.microsoft.com/office/drawing/2010/main" w="9525">
+                  <a14:hiddenLine xmlns:a14="http://schemas.microsoft.com/office/drawing/2010/main" xmlns="" w="9525">
                     <a:solidFill>
                       <a:srgbClr val="000000"/>
                     </a:solidFill>
@@ -14110,7 +14110,7 @@
                 <a:latin typeface="Cambria Math" panose="02040503050406030204" pitchFamily="18" charset="0"/>
                 <a:ea typeface="Cambria Math" panose="02040503050406030204" pitchFamily="18" charset="0"/>
               </a:rPr>
-              <a:t>4</a:t>
+              <a:t>Conclusion</a:t>
             </a:r>
           </a:p>
         </p:txBody>
@@ -14131,9 +14131,16 @@
             <p:ph idx="1"/>
           </p:nvPr>
         </p:nvSpPr>
-        <p:spPr/>
+        <p:spPr>
+          <a:xfrm>
+            <a:off x="1141413" y="1819945"/>
+            <a:ext cx="9905999" cy="4419537"/>
+          </a:xfrm>
+        </p:spPr>
         <p:txBody>
-          <a:bodyPr/>
+          <a:bodyPr>
+            <a:normAutofit fontScale="92500" lnSpcReduction="10000"/>
+          </a:bodyPr>
           <a:lstStyle/>
           <a:p>
             <a:r>
@@ -14146,7 +14153,7 @@
                 <a:latin typeface="Cambria Math" panose="02040503050406030204" pitchFamily="18" charset="0"/>
                 <a:ea typeface="Cambria Math" panose="02040503050406030204" pitchFamily="18" charset="0"/>
               </a:rPr>
-              <a:t>Data</a:t>
+              <a:t>This was a vital experience of close to real life project implementation</a:t>
             </a:r>
           </a:p>
           <a:p>
@@ -14160,7 +14167,7 @@
                 <a:latin typeface="Cambria Math" panose="02040503050406030204" pitchFamily="18" charset="0"/>
                 <a:ea typeface="Cambria Math" panose="02040503050406030204" pitchFamily="18" charset="0"/>
               </a:rPr>
-              <a:t>Obstacles</a:t>
+              <a:t>We’ve learned many things and repeated even more</a:t>
             </a:r>
           </a:p>
           <a:p>
@@ -14174,7 +14181,7 @@
                 <a:latin typeface="Cambria Math" panose="02040503050406030204" pitchFamily="18" charset="0"/>
                 <a:ea typeface="Cambria Math" panose="02040503050406030204" pitchFamily="18" charset="0"/>
               </a:rPr>
-              <a:t>Code flow</a:t>
+              <a:t>Teams are much better when having limited time since each person is stronger then others in one thing and team members complement each other’s skills</a:t>
             </a:r>
           </a:p>
           <a:p>
@@ -14188,7 +14195,7 @@
                 <a:latin typeface="Cambria Math" panose="02040503050406030204" pitchFamily="18" charset="0"/>
                 <a:ea typeface="Cambria Math" panose="02040503050406030204" pitchFamily="18" charset="0"/>
               </a:rPr>
-              <a:t>Insights</a:t>
+              <a:t>The clear goal in the beginning is half of the job done</a:t>
             </a:r>
           </a:p>
           <a:p>
@@ -14202,26 +14209,29 @@
                 <a:latin typeface="Cambria Math" panose="02040503050406030204" pitchFamily="18" charset="0"/>
                 <a:ea typeface="Cambria Math" panose="02040503050406030204" pitchFamily="18" charset="0"/>
               </a:rPr>
-              <a:t>Models</a:t>
+              <a:t>Data, data, data – how to get it and not violate laws, regulations, ethics, other people’s private space. </a:t>
             </a:r>
           </a:p>
           <a:p>
-            <a:endParaRPr lang="en-US" dirty="0">
-              <a:solidFill>
-                <a:schemeClr val="bg2">
-                  <a:lumMod val="75000"/>
-                </a:schemeClr>
-              </a:solidFill>
-              <a:latin typeface="Cambria Math" panose="02040503050406030204" pitchFamily="18" charset="0"/>
-              <a:ea typeface="Cambria Math" panose="02040503050406030204" pitchFamily="18" charset="0"/>
-            </a:endParaRPr>
+            <a:r>
+              <a:rPr lang="en-US" dirty="0">
+                <a:solidFill>
+                  <a:schemeClr val="bg2">
+                    <a:lumMod val="75000"/>
+                  </a:schemeClr>
+                </a:solidFill>
+                <a:latin typeface="Cambria Math" panose="02040503050406030204" pitchFamily="18" charset="0"/>
+                <a:ea typeface="Cambria Math" panose="02040503050406030204" pitchFamily="18" charset="0"/>
+              </a:rPr>
+              <a:t>We as Data Scientist are hungry for data, but each data point is someone else’s life. Sometimes people working with data need to take a step back and understand that there are people behind those numbers.</a:t>
+            </a:r>
           </a:p>
         </p:txBody>
       </p:sp>
     </p:spTree>
     <p:extLst>
       <p:ext uri="{BB962C8B-B14F-4D97-AF65-F5344CB8AC3E}">
-        <p14:creationId xmlns:p14="http://schemas.microsoft.com/office/powerpoint/2010/main" val="2919211087"/>
+        <p14:creationId xmlns:p14="http://schemas.microsoft.com/office/powerpoint/2010/main" val="429243427"/>
       </p:ext>
     </p:extLst>
   </p:cSld>
@@ -14309,7 +14319,12 @@
             <p:ph type="title"/>
           </p:nvPr>
         </p:nvSpPr>
-        <p:spPr/>
+        <p:spPr>
+          <a:xfrm>
+            <a:off x="1141412" y="0"/>
+            <a:ext cx="9905998" cy="1478570"/>
+          </a:xfrm>
+        </p:spPr>
         <p:txBody>
           <a:bodyPr/>
           <a:lstStyle/>
@@ -14324,7 +14339,7 @@
                 <a:latin typeface="Cambria Math" panose="02040503050406030204" pitchFamily="18" charset="0"/>
                 <a:ea typeface="Cambria Math" panose="02040503050406030204" pitchFamily="18" charset="0"/>
               </a:rPr>
-              <a:t>4</a:t>
+              <a:t>Sources</a:t>
             </a:r>
           </a:p>
         </p:txBody>
@@ -14345,89 +14360,585 @@
             <p:ph idx="1"/>
           </p:nvPr>
         </p:nvSpPr>
-        <p:spPr/>
+        <p:spPr>
+          <a:xfrm>
+            <a:off x="1141412" y="1214650"/>
+            <a:ext cx="9905999" cy="5540991"/>
+          </a:xfrm>
+        </p:spPr>
         <p:txBody>
-          <a:bodyPr/>
+          <a:bodyPr>
+            <a:normAutofit fontScale="40000" lnSpcReduction="20000"/>
+          </a:bodyPr>
           <a:lstStyle/>
           <a:p>
             <a:r>
-              <a:rPr lang="en-US" dirty="0">
+              <a:rPr lang="en-US" i="0" u="none" dirty="0">
                 <a:solidFill>
                   <a:schemeClr val="bg2">
                     <a:lumMod val="75000"/>
                   </a:schemeClr>
                 </a:solidFill>
-                <a:latin typeface="Cambria Math" panose="02040503050406030204" pitchFamily="18" charset="0"/>
-                <a:ea typeface="Cambria Math" panose="02040503050406030204" pitchFamily="18" charset="0"/>
+                <a:effectLst/>
+                <a:latin typeface="Slack-Lato"/>
+                <a:hlinkClick r:id="rId4">
+                  <a:extLst>
+                    <a:ext uri="{A12FA001-AC4F-418D-AE19-62706E023703}">
+                      <ahyp:hlinkClr xmlns:ahyp="http://schemas.microsoft.com/office/drawing/2018/hyperlinkcolor" val="tx"/>
+                    </a:ext>
+                  </a:extLst>
+                </a:hlinkClick>
               </a:rPr>
-              <a:t>Data</a:t>
+              <a:t>https://www.ers.usda.gov/data-products/county-level-data-sets/download-data/</a:t>
             </a:r>
+            <a:endParaRPr lang="en-US" i="0" u="none" dirty="0">
+              <a:solidFill>
+                <a:schemeClr val="bg2">
+                  <a:lumMod val="75000"/>
+                </a:schemeClr>
+              </a:solidFill>
+              <a:effectLst/>
+              <a:latin typeface="Slack-Lato"/>
+            </a:endParaRPr>
           </a:p>
           <a:p>
             <a:r>
-              <a:rPr lang="en-US" dirty="0">
+              <a:rPr lang="en-US" i="0" u="none" dirty="0">
                 <a:solidFill>
                   <a:schemeClr val="bg2">
                     <a:lumMod val="75000"/>
                   </a:schemeClr>
                 </a:solidFill>
-                <a:latin typeface="Cambria Math" panose="02040503050406030204" pitchFamily="18" charset="0"/>
-                <a:ea typeface="Cambria Math" panose="02040503050406030204" pitchFamily="18" charset="0"/>
+                <a:effectLst/>
+                <a:latin typeface="Slack-Lato"/>
+                <a:hlinkClick r:id="rId5">
+                  <a:extLst>
+                    <a:ext uri="{A12FA001-AC4F-418D-AE19-62706E023703}">
+                      <ahyp:hlinkClr xmlns:ahyp="http://schemas.microsoft.com/office/drawing/2018/hyperlinkcolor" val="tx"/>
+                    </a:ext>
+                  </a:extLst>
+                </a:hlinkClick>
               </a:rPr>
-              <a:t>Obstacles</a:t>
+              <a:t>https://www.epi.org/data/</a:t>
             </a:r>
+            <a:endParaRPr lang="en-US" i="0" u="none" dirty="0">
+              <a:solidFill>
+                <a:schemeClr val="bg2">
+                  <a:lumMod val="75000"/>
+                </a:schemeClr>
+              </a:solidFill>
+              <a:effectLst/>
+              <a:latin typeface="Slack-Lato"/>
+            </a:endParaRPr>
           </a:p>
           <a:p>
             <a:r>
-              <a:rPr lang="en-US" dirty="0">
+              <a:rPr lang="en-US" i="0" u="sng" dirty="0">
                 <a:solidFill>
                   <a:schemeClr val="bg2">
                     <a:lumMod val="75000"/>
                   </a:schemeClr>
                 </a:solidFill>
-                <a:latin typeface="Cambria Math" panose="02040503050406030204" pitchFamily="18" charset="0"/>
-                <a:ea typeface="Cambria Math" panose="02040503050406030204" pitchFamily="18" charset="0"/>
+                <a:effectLst/>
+                <a:latin typeface="Slack-Lato"/>
+                <a:hlinkClick r:id="rId6">
+                  <a:extLst>
+                    <a:ext uri="{A12FA001-AC4F-418D-AE19-62706E023703}">
+                      <ahyp:hlinkClr xmlns:ahyp="http://schemas.microsoft.com/office/drawing/2018/hyperlinkcolor" val="tx"/>
+                    </a:ext>
+                  </a:extLst>
+                </a:hlinkClick>
               </a:rPr>
-              <a:t>Code flow</a:t>
+              <a:t>https://www.census.gov/data/tables/2010/econ/susb/2010-susb-annual.html</a:t>
             </a:r>
+            <a:endParaRPr lang="en-US" i="0" u="sng" dirty="0">
+              <a:solidFill>
+                <a:schemeClr val="bg2">
+                  <a:lumMod val="75000"/>
+                </a:schemeClr>
+              </a:solidFill>
+              <a:effectLst/>
+              <a:latin typeface="Slack-Lato"/>
+            </a:endParaRPr>
           </a:p>
           <a:p>
             <a:r>
-              <a:rPr lang="en-US" dirty="0">
+              <a:rPr lang="en-US" i="0" u="none" dirty="0">
                 <a:solidFill>
                   <a:schemeClr val="bg2">
                     <a:lumMod val="75000"/>
                   </a:schemeClr>
                 </a:solidFill>
-                <a:latin typeface="Cambria Math" panose="02040503050406030204" pitchFamily="18" charset="0"/>
-                <a:ea typeface="Cambria Math" panose="02040503050406030204" pitchFamily="18" charset="0"/>
+                <a:effectLst/>
+                <a:latin typeface="Slack-Lato"/>
+                <a:hlinkClick r:id="rId7">
+                  <a:extLst>
+                    <a:ext uri="{A12FA001-AC4F-418D-AE19-62706E023703}">
+                      <ahyp:hlinkClr xmlns:ahyp="http://schemas.microsoft.com/office/drawing/2018/hyperlinkcolor" val="tx"/>
+                    </a:ext>
+                  </a:extLst>
+                </a:hlinkClick>
               </a:rPr>
-              <a:t>Insights</a:t>
+              <a:t>https://taxfoundation.org/</a:t>
             </a:r>
+            <a:endParaRPr lang="en-US" i="0" dirty="0">
+              <a:solidFill>
+                <a:schemeClr val="bg2">
+                  <a:lumMod val="75000"/>
+                </a:schemeClr>
+              </a:solidFill>
+              <a:effectLst/>
+              <a:latin typeface="Slack-Lato"/>
+            </a:endParaRPr>
           </a:p>
           <a:p>
             <a:r>
-              <a:rPr lang="en-US" dirty="0">
+              <a:rPr lang="en-US" i="0" u="none" dirty="0">
                 <a:solidFill>
                   <a:schemeClr val="bg2">
                     <a:lumMod val="75000"/>
                   </a:schemeClr>
                 </a:solidFill>
-                <a:latin typeface="Cambria Math" panose="02040503050406030204" pitchFamily="18" charset="0"/>
-                <a:ea typeface="Cambria Math" panose="02040503050406030204" pitchFamily="18" charset="0"/>
+                <a:effectLst/>
+                <a:latin typeface="Slack-Lato"/>
+                <a:hlinkClick r:id="rId8">
+                  <a:extLst>
+                    <a:ext uri="{A12FA001-AC4F-418D-AE19-62706E023703}">
+                      <ahyp:hlinkClr xmlns:ahyp="http://schemas.microsoft.com/office/drawing/2018/hyperlinkcolor" val="tx"/>
+                    </a:ext>
+                  </a:extLst>
+                </a:hlinkClick>
               </a:rPr>
-              <a:t>Models</a:t>
+              <a:t>https://www.irs.gov/statistics/soi-tax-stats-county-data-2018</a:t>
             </a:r>
-          </a:p>
-          <a:p>
-            <a:endParaRPr lang="en-US" dirty="0">
+            <a:endParaRPr lang="en-US" i="0" u="none" dirty="0">
               <a:solidFill>
                 <a:schemeClr val="bg2">
                   <a:lumMod val="75000"/>
                 </a:schemeClr>
               </a:solidFill>
-              <a:latin typeface="Cambria Math" panose="02040503050406030204" pitchFamily="18" charset="0"/>
-              <a:ea typeface="Cambria Math" panose="02040503050406030204" pitchFamily="18" charset="0"/>
+              <a:effectLst/>
+              <a:latin typeface="Slack-Lato"/>
+            </a:endParaRPr>
+          </a:p>
+          <a:p>
+            <a:r>
+              <a:rPr lang="en-US" i="0" u="none" dirty="0">
+                <a:solidFill>
+                  <a:schemeClr val="bg2">
+                    <a:lumMod val="75000"/>
+                  </a:schemeClr>
+                </a:solidFill>
+                <a:effectLst/>
+                <a:latin typeface="Slack-Lato"/>
+                <a:hlinkClick r:id="rId9">
+                  <a:extLst>
+                    <a:ext uri="{A12FA001-AC4F-418D-AE19-62706E023703}">
+                      <ahyp:hlinkClr xmlns:ahyp="http://schemas.microsoft.com/office/drawing/2018/hyperlinkcolor" val="tx"/>
+                    </a:ext>
+                  </a:extLst>
+                </a:hlinkClick>
+              </a:rPr>
+              <a:t>https://www.census.gov/programs-surveys/geography/guidance/geo-areas/urban-rural/2010-urban-rural.html</a:t>
+            </a:r>
+            <a:endParaRPr lang="en-US" i="0" dirty="0">
+              <a:solidFill>
+                <a:schemeClr val="bg2">
+                  <a:lumMod val="75000"/>
+                </a:schemeClr>
+              </a:solidFill>
+              <a:effectLst/>
+              <a:latin typeface="Slack-Lato"/>
+            </a:endParaRPr>
+          </a:p>
+          <a:p>
+            <a:r>
+              <a:rPr lang="en-US" i="0" u="none" dirty="0">
+                <a:solidFill>
+                  <a:schemeClr val="bg2">
+                    <a:lumMod val="75000"/>
+                  </a:schemeClr>
+                </a:solidFill>
+                <a:effectLst/>
+                <a:latin typeface="Slack-Lato"/>
+                <a:hlinkClick r:id="rId10">
+                  <a:extLst>
+                    <a:ext uri="{A12FA001-AC4F-418D-AE19-62706E023703}">
+                      <ahyp:hlinkClr xmlns:ahyp="http://schemas.microsoft.com/office/drawing/2018/hyperlinkcolor" val="tx"/>
+                    </a:ext>
+                  </a:extLst>
+                </a:hlinkClick>
+              </a:rPr>
+              <a:t>https://www.nass.usda.gov/Publications/AgCensus/2017/Full_Report/Volume_1,_Chapter_2_County_Level/</a:t>
+            </a:r>
+            <a:endParaRPr lang="en-US" i="0" dirty="0">
+              <a:solidFill>
+                <a:schemeClr val="bg2">
+                  <a:lumMod val="75000"/>
+                </a:schemeClr>
+              </a:solidFill>
+              <a:effectLst/>
+              <a:latin typeface="Slack-Lato"/>
+            </a:endParaRPr>
+          </a:p>
+          <a:p>
+            <a:r>
+              <a:rPr lang="en-US" i="0" u="sng" dirty="0">
+                <a:solidFill>
+                  <a:schemeClr val="bg2">
+                    <a:lumMod val="75000"/>
+                  </a:schemeClr>
+                </a:solidFill>
+                <a:effectLst/>
+                <a:latin typeface="Slack-Lato"/>
+                <a:hlinkClick r:id="rId11">
+                  <a:extLst>
+                    <a:ext uri="{A12FA001-AC4F-418D-AE19-62706E023703}">
+                      <ahyp:hlinkClr xmlns:ahyp="http://schemas.microsoft.com/office/drawing/2018/hyperlinkcolor" val="tx"/>
+                    </a:ext>
+                  </a:extLst>
+                </a:hlinkClick>
+              </a:rPr>
+              <a:t>https://dataverse.harvard.edu/dataset.xhtml?persistentId=doi:10.7910/DVN/VOQCHQ</a:t>
+            </a:r>
+            <a:endParaRPr lang="en-US" i="0" dirty="0">
+              <a:solidFill>
+                <a:schemeClr val="bg2">
+                  <a:lumMod val="75000"/>
+                </a:schemeClr>
+              </a:solidFill>
+              <a:effectLst/>
+              <a:latin typeface="Slack-Lato"/>
+            </a:endParaRPr>
+          </a:p>
+          <a:p>
+            <a:r>
+              <a:rPr lang="en-US" i="0" u="sng" dirty="0">
+                <a:solidFill>
+                  <a:schemeClr val="bg2">
+                    <a:lumMod val="75000"/>
+                  </a:schemeClr>
+                </a:solidFill>
+                <a:effectLst/>
+                <a:latin typeface="Slack-Lato"/>
+                <a:hlinkClick r:id="rId4">
+                  <a:extLst>
+                    <a:ext uri="{A12FA001-AC4F-418D-AE19-62706E023703}">
+                      <ahyp:hlinkClr xmlns:ahyp="http://schemas.microsoft.com/office/drawing/2018/hyperlinkcolor" val="tx"/>
+                    </a:ext>
+                  </a:extLst>
+                </a:hlinkClick>
+              </a:rPr>
+              <a:t>https://www.ers.usda.gov/data-products/county-level-data-sets/download-data/</a:t>
+            </a:r>
+            <a:endParaRPr lang="en-US" i="0" dirty="0">
+              <a:solidFill>
+                <a:schemeClr val="bg2">
+                  <a:lumMod val="75000"/>
+                </a:schemeClr>
+              </a:solidFill>
+              <a:effectLst/>
+              <a:latin typeface="Slack-Lato"/>
+            </a:endParaRPr>
+          </a:p>
+          <a:p>
+            <a:r>
+              <a:rPr lang="en-US" i="0" u="sng" dirty="0">
+                <a:solidFill>
+                  <a:schemeClr val="bg2">
+                    <a:lumMod val="75000"/>
+                  </a:schemeClr>
+                </a:solidFill>
+                <a:effectLst/>
+                <a:latin typeface="Slack-Lato"/>
+                <a:hlinkClick r:id="rId12">
+                  <a:extLst>
+                    <a:ext uri="{A12FA001-AC4F-418D-AE19-62706E023703}">
+                      <ahyp:hlinkClr xmlns:ahyp="http://schemas.microsoft.com/office/drawing/2018/hyperlinkcolor" val="tx"/>
+                    </a:ext>
+                  </a:extLst>
+                </a:hlinkClick>
+              </a:rPr>
+              <a:t>https://data.census.gov/cedsci/table?q=United%20States&amp;g=0USfalse_0100000US%240500000&amp;tid=ACSDP1Y2017.DP05&amp;hidePreview=true</a:t>
+            </a:r>
+            <a:endParaRPr lang="en-US" i="0" dirty="0">
+              <a:solidFill>
+                <a:schemeClr val="bg2">
+                  <a:lumMod val="75000"/>
+                </a:schemeClr>
+              </a:solidFill>
+              <a:effectLst/>
+              <a:latin typeface="Slack-Lato"/>
+            </a:endParaRPr>
+          </a:p>
+          <a:p>
+            <a:r>
+              <a:rPr lang="en-US" i="0" u="none" dirty="0">
+                <a:solidFill>
+                  <a:schemeClr val="bg2">
+                    <a:lumMod val="75000"/>
+                  </a:schemeClr>
+                </a:solidFill>
+                <a:effectLst/>
+                <a:latin typeface="Slack-Lato"/>
+                <a:hlinkClick r:id="rId13">
+                  <a:extLst>
+                    <a:ext uri="{A12FA001-AC4F-418D-AE19-62706E023703}">
+                      <ahyp:hlinkClr xmlns:ahyp="http://schemas.microsoft.com/office/drawing/2018/hyperlinkcolor" val="tx"/>
+                    </a:ext>
+                  </a:extLst>
+                </a:hlinkClick>
+              </a:rPr>
+              <a:t>https://www.census.gov/data/datasets/time-series/demo/popest/intercensal-2000-2010-counties.html</a:t>
+            </a:r>
+            <a:endParaRPr lang="en-US" i="0" dirty="0">
+              <a:solidFill>
+                <a:schemeClr val="bg2">
+                  <a:lumMod val="75000"/>
+                </a:schemeClr>
+              </a:solidFill>
+              <a:effectLst/>
+              <a:latin typeface="Slack-Lato"/>
+            </a:endParaRPr>
+          </a:p>
+          <a:p>
+            <a:r>
+              <a:rPr lang="en-US" i="0" u="none" dirty="0">
+                <a:solidFill>
+                  <a:schemeClr val="bg2">
+                    <a:lumMod val="75000"/>
+                  </a:schemeClr>
+                </a:solidFill>
+                <a:effectLst/>
+                <a:latin typeface="Slack-Lato"/>
+                <a:hlinkClick r:id="rId14">
+                  <a:extLst>
+                    <a:ext uri="{A12FA001-AC4F-418D-AE19-62706E023703}">
+                      <ahyp:hlinkClr xmlns:ahyp="http://schemas.microsoft.com/office/drawing/2018/hyperlinkcolor" val="tx"/>
+                    </a:ext>
+                  </a:extLst>
+                </a:hlinkClick>
+              </a:rPr>
+              <a:t>https://www.census.gov/data/datasets/time-series/demo/popest/2010s-counties-detail.html</a:t>
+            </a:r>
+            <a:endParaRPr lang="en-US" i="0" dirty="0">
+              <a:solidFill>
+                <a:schemeClr val="bg2">
+                  <a:lumMod val="75000"/>
+                </a:schemeClr>
+              </a:solidFill>
+              <a:effectLst/>
+              <a:latin typeface="Slack-Lato"/>
+            </a:endParaRPr>
+          </a:p>
+          <a:p>
+            <a:r>
+              <a:rPr lang="en-US" i="0" u="none" dirty="0">
+                <a:solidFill>
+                  <a:schemeClr val="bg2">
+                    <a:lumMod val="75000"/>
+                  </a:schemeClr>
+                </a:solidFill>
+                <a:effectLst/>
+                <a:latin typeface="Slack-Lato"/>
+                <a:hlinkClick r:id="rId15">
+                  <a:extLst>
+                    <a:ext uri="{A12FA001-AC4F-418D-AE19-62706E023703}">
+                      <ahyp:hlinkClr xmlns:ahyp="http://schemas.microsoft.com/office/drawing/2018/hyperlinkcolor" val="tx"/>
+                    </a:ext>
+                  </a:extLst>
+                </a:hlinkClick>
+              </a:rPr>
+              <a:t>https://worldpopulationreview.com/us-counties</a:t>
+            </a:r>
+            <a:endParaRPr lang="en-US" i="0" dirty="0">
+              <a:solidFill>
+                <a:schemeClr val="bg2">
+                  <a:lumMod val="75000"/>
+                </a:schemeClr>
+              </a:solidFill>
+              <a:effectLst/>
+              <a:latin typeface="Slack-Lato"/>
+            </a:endParaRPr>
+          </a:p>
+          <a:p>
+            <a:r>
+              <a:rPr lang="en-US" i="0" u="sng" dirty="0">
+                <a:solidFill>
+                  <a:schemeClr val="bg2">
+                    <a:lumMod val="75000"/>
+                  </a:schemeClr>
+                </a:solidFill>
+                <a:effectLst/>
+                <a:latin typeface="Slack-Lato"/>
+                <a:hlinkClick r:id="rId16">
+                  <a:extLst>
+                    <a:ext uri="{A12FA001-AC4F-418D-AE19-62706E023703}">
+                      <ahyp:hlinkClr xmlns:ahyp="http://schemas.microsoft.com/office/drawing/2018/hyperlinkcolor" val="tx"/>
+                    </a:ext>
+                  </a:extLst>
+                </a:hlinkClick>
+              </a:rPr>
+              <a:t>https://www.icpsr.umich.edu/web/NACJD/studies/36399/datadocumentation</a:t>
+            </a:r>
+            <a:endParaRPr lang="en-US" i="0" dirty="0">
+              <a:solidFill>
+                <a:schemeClr val="bg2">
+                  <a:lumMod val="75000"/>
+                </a:schemeClr>
+              </a:solidFill>
+              <a:effectLst/>
+              <a:latin typeface="Slack-Lato"/>
+            </a:endParaRPr>
+          </a:p>
+          <a:p>
+            <a:r>
+              <a:rPr lang="en-US" i="0" u="none" dirty="0">
+                <a:solidFill>
+                  <a:schemeClr val="bg2">
+                    <a:lumMod val="75000"/>
+                  </a:schemeClr>
+                </a:solidFill>
+                <a:effectLst/>
+                <a:latin typeface="Slack-Lato"/>
+                <a:hlinkClick r:id="rId17">
+                  <a:extLst>
+                    <a:ext uri="{A12FA001-AC4F-418D-AE19-62706E023703}">
+                      <ahyp:hlinkClr xmlns:ahyp="http://schemas.microsoft.com/office/drawing/2018/hyperlinkcolor" val="tx"/>
+                    </a:ext>
+                  </a:extLst>
+                </a:hlinkClick>
+              </a:rPr>
+              <a:t>https://www.icpsr.umich.edu/web/NACJD/search/studies?q=&amp;SERIESFULL_FACET_Q=57%7CUniform%20Crime%20Reporting%20Program%20Data%20Series</a:t>
+            </a:r>
+            <a:endParaRPr lang="en-US" i="0" dirty="0">
+              <a:solidFill>
+                <a:schemeClr val="bg2">
+                  <a:lumMod val="75000"/>
+                </a:schemeClr>
+              </a:solidFill>
+              <a:effectLst/>
+              <a:latin typeface="Slack-Lato"/>
+            </a:endParaRPr>
+          </a:p>
+          <a:p>
+            <a:r>
+              <a:rPr lang="en-US" i="0" u="none" dirty="0">
+                <a:solidFill>
+                  <a:schemeClr val="bg2">
+                    <a:lumMod val="75000"/>
+                  </a:schemeClr>
+                </a:solidFill>
+                <a:effectLst/>
+                <a:latin typeface="Slack-Lato"/>
+                <a:hlinkClick r:id="rId18">
+                  <a:extLst>
+                    <a:ext uri="{A12FA001-AC4F-418D-AE19-62706E023703}">
+                      <ahyp:hlinkClr xmlns:ahyp="http://schemas.microsoft.com/office/drawing/2018/hyperlinkcolor" val="tx"/>
+                    </a:ext>
+                  </a:extLst>
+                </a:hlinkClick>
+              </a:rPr>
+              <a:t>https://ucr.fbi.gov/crime-in-the-u.s/2010/crime-in-the-u.s.-2010/tables/10tbl80.xls/view</a:t>
+            </a:r>
+            <a:endParaRPr lang="en-US" i="0" dirty="0">
+              <a:solidFill>
+                <a:schemeClr val="bg2">
+                  <a:lumMod val="75000"/>
+                </a:schemeClr>
+              </a:solidFill>
+              <a:effectLst/>
+              <a:latin typeface="Slack-Lato"/>
+            </a:endParaRPr>
+          </a:p>
+          <a:p>
+            <a:r>
+              <a:rPr lang="en-US" i="0" u="sng" dirty="0">
+                <a:solidFill>
+                  <a:schemeClr val="bg2">
+                    <a:lumMod val="75000"/>
+                  </a:schemeClr>
+                </a:solidFill>
+                <a:effectLst/>
+                <a:latin typeface="Slack-Lato"/>
+                <a:hlinkClick r:id="rId19">
+                  <a:extLst>
+                    <a:ext uri="{A12FA001-AC4F-418D-AE19-62706E023703}">
+                      <ahyp:hlinkClr xmlns:ahyp="http://schemas.microsoft.com/office/drawing/2018/hyperlinkcolor" val="tx"/>
+                    </a:ext>
+                  </a:extLst>
+                </a:hlinkClick>
+              </a:rPr>
+              <a:t>https://www.bea.gov/data/income-saving/personal-income-county-metro-and-other-areas</a:t>
+            </a:r>
+            <a:endParaRPr lang="en-US" i="0" dirty="0">
+              <a:solidFill>
+                <a:schemeClr val="bg2">
+                  <a:lumMod val="75000"/>
+                </a:schemeClr>
+              </a:solidFill>
+              <a:effectLst/>
+              <a:latin typeface="Slack-Lato"/>
+            </a:endParaRPr>
+          </a:p>
+          <a:p>
+            <a:r>
+              <a:rPr lang="en-US" i="0" u="none" dirty="0">
+                <a:solidFill>
+                  <a:schemeClr val="bg2">
+                    <a:lumMod val="75000"/>
+                  </a:schemeClr>
+                </a:solidFill>
+                <a:effectLst/>
+                <a:latin typeface="Slack-Lato"/>
+                <a:hlinkClick r:id="rId20">
+                  <a:extLst>
+                    <a:ext uri="{A12FA001-AC4F-418D-AE19-62706E023703}">
+                      <ahyp:hlinkClr xmlns:ahyp="http://schemas.microsoft.com/office/drawing/2018/hyperlinkcolor" val="tx"/>
+                    </a:ext>
+                  </a:extLst>
+                </a:hlinkClick>
+              </a:rPr>
+              <a:t>https://www.dol.gov/general/topic/statistics/wagesearnings</a:t>
+            </a:r>
+            <a:endParaRPr lang="en-US" i="0" dirty="0">
+              <a:solidFill>
+                <a:schemeClr val="bg2">
+                  <a:lumMod val="75000"/>
+                </a:schemeClr>
+              </a:solidFill>
+              <a:effectLst/>
+              <a:latin typeface="Slack-Lato"/>
+            </a:endParaRPr>
+          </a:p>
+          <a:p>
+            <a:r>
+              <a:rPr lang="en-US" i="0" u="none" dirty="0">
+                <a:solidFill>
+                  <a:schemeClr val="bg2">
+                    <a:lumMod val="75000"/>
+                  </a:schemeClr>
+                </a:solidFill>
+                <a:effectLst/>
+                <a:latin typeface="Slack-Lato"/>
+                <a:hlinkClick r:id="rId21">
+                  <a:extLst>
+                    <a:ext uri="{A12FA001-AC4F-418D-AE19-62706E023703}">
+                      <ahyp:hlinkClr xmlns:ahyp="http://schemas.microsoft.com/office/drawing/2018/hyperlinkcolor" val="tx"/>
+                    </a:ext>
+                  </a:extLst>
+                </a:hlinkClick>
+              </a:rPr>
+              <a:t>https://advisorsmith.com/data/coli/</a:t>
+            </a:r>
+            <a:endParaRPr lang="en-US" i="0" dirty="0">
+              <a:solidFill>
+                <a:schemeClr val="bg2">
+                  <a:lumMod val="75000"/>
+                </a:schemeClr>
+              </a:solidFill>
+              <a:effectLst/>
+              <a:latin typeface="Slack-Lato"/>
             </a:endParaRPr>
           </a:p>
         </p:txBody>
@@ -14435,7 +14946,7 @@
     </p:spTree>
     <p:extLst>
       <p:ext uri="{BB962C8B-B14F-4D97-AF65-F5344CB8AC3E}">
-        <p14:creationId xmlns:p14="http://schemas.microsoft.com/office/powerpoint/2010/main" val="429243427"/>
+        <p14:creationId xmlns:p14="http://schemas.microsoft.com/office/powerpoint/2010/main" val="2950940264"/>
       </p:ext>
     </p:extLst>
   </p:cSld>
@@ -14523,16 +15034,12 @@
             <p:ph type="title"/>
           </p:nvPr>
         </p:nvSpPr>
-        <p:spPr>
-          <a:xfrm>
-            <a:off x="1141412" y="0"/>
-            <a:ext cx="9905998" cy="1478570"/>
-          </a:xfrm>
-        </p:spPr>
+        <p:spPr/>
         <p:txBody>
           <a:bodyPr/>
           <a:lstStyle/>
           <a:p>
+            <a:pPr algn="ctr"/>
             <a:r>
               <a:rPr lang="en-US" dirty="0">
                 <a:solidFill>
@@ -14543,7 +15050,7 @@
                 <a:latin typeface="Cambria Math" panose="02040503050406030204" pitchFamily="18" charset="0"/>
                 <a:ea typeface="Cambria Math" panose="02040503050406030204" pitchFamily="18" charset="0"/>
               </a:rPr>
-              <a:t>Sources</a:t>
+              <a:t>Thank you for your time</a:t>
             </a:r>
           </a:p>
         </p:txBody>
@@ -14564,585 +15071,36 @@
             <p:ph idx="1"/>
           </p:nvPr>
         </p:nvSpPr>
-        <p:spPr>
-          <a:xfrm>
-            <a:off x="1141412" y="1214650"/>
-            <a:ext cx="9905999" cy="5540991"/>
-          </a:xfrm>
-        </p:spPr>
+        <p:spPr/>
         <p:txBody>
-          <a:bodyPr>
-            <a:normAutofit fontScale="40000" lnSpcReduction="20000"/>
-          </a:bodyPr>
+          <a:bodyPr/>
           <a:lstStyle/>
           <a:p>
+            <a:pPr marL="0" indent="0" algn="ctr">
+              <a:buNone/>
+            </a:pPr>
             <a:r>
-              <a:rPr lang="en-US" i="0" u="none" dirty="0">
+              <a:rPr lang="en-US" sz="4000" dirty="0">
                 <a:solidFill>
                   <a:schemeClr val="bg2">
                     <a:lumMod val="75000"/>
                   </a:schemeClr>
                 </a:solidFill>
-                <a:effectLst/>
-                <a:latin typeface="Slack-Lato"/>
-                <a:hlinkClick r:id="rId4">
-                  <a:extLst>
-                    <a:ext uri="{A12FA001-AC4F-418D-AE19-62706E023703}">
-                      <ahyp:hlinkClr xmlns:ahyp="http://schemas.microsoft.com/office/drawing/2018/hyperlinkcolor" val="tx"/>
-                    </a:ext>
-                  </a:extLst>
-                </a:hlinkClick>
+                <a:latin typeface="Cambria Math" panose="02040503050406030204" pitchFamily="18" charset="0"/>
+                <a:ea typeface="Cambria Math" panose="02040503050406030204" pitchFamily="18" charset="0"/>
               </a:rPr>
-              <a:t>https://www.ers.usda.gov/data-products/county-level-data-sets/download-data/</a:t>
+              <a:t>Questions?</a:t>
             </a:r>
-            <a:endParaRPr lang="en-US" i="0" u="none" dirty="0">
+          </a:p>
+          <a:p>
+            <a:endParaRPr lang="en-US" dirty="0">
               <a:solidFill>
                 <a:schemeClr val="bg2">
                   <a:lumMod val="75000"/>
                 </a:schemeClr>
               </a:solidFill>
-              <a:effectLst/>
-              <a:latin typeface="Slack-Lato"/>
-            </a:endParaRPr>
-          </a:p>
-          <a:p>
-            <a:r>
-              <a:rPr lang="en-US" i="0" u="none" dirty="0">
-                <a:solidFill>
-                  <a:schemeClr val="bg2">
-                    <a:lumMod val="75000"/>
-                  </a:schemeClr>
-                </a:solidFill>
-                <a:effectLst/>
-                <a:latin typeface="Slack-Lato"/>
-                <a:hlinkClick r:id="rId5">
-                  <a:extLst>
-                    <a:ext uri="{A12FA001-AC4F-418D-AE19-62706E023703}">
-                      <ahyp:hlinkClr xmlns:ahyp="http://schemas.microsoft.com/office/drawing/2018/hyperlinkcolor" val="tx"/>
-                    </a:ext>
-                  </a:extLst>
-                </a:hlinkClick>
-              </a:rPr>
-              <a:t>https://www.epi.org/data/</a:t>
-            </a:r>
-            <a:endParaRPr lang="en-US" i="0" u="none" dirty="0">
-              <a:solidFill>
-                <a:schemeClr val="bg2">
-                  <a:lumMod val="75000"/>
-                </a:schemeClr>
-              </a:solidFill>
-              <a:effectLst/>
-              <a:latin typeface="Slack-Lato"/>
-            </a:endParaRPr>
-          </a:p>
-          <a:p>
-            <a:r>
-              <a:rPr lang="en-US" i="0" u="sng" dirty="0">
-                <a:solidFill>
-                  <a:schemeClr val="bg2">
-                    <a:lumMod val="75000"/>
-                  </a:schemeClr>
-                </a:solidFill>
-                <a:effectLst/>
-                <a:latin typeface="Slack-Lato"/>
-                <a:hlinkClick r:id="rId6">
-                  <a:extLst>
-                    <a:ext uri="{A12FA001-AC4F-418D-AE19-62706E023703}">
-                      <ahyp:hlinkClr xmlns:ahyp="http://schemas.microsoft.com/office/drawing/2018/hyperlinkcolor" val="tx"/>
-                    </a:ext>
-                  </a:extLst>
-                </a:hlinkClick>
-              </a:rPr>
-              <a:t>https://www.census.gov/data/tables/2010/econ/susb/2010-susb-annual.html</a:t>
-            </a:r>
-            <a:endParaRPr lang="en-US" i="0" u="sng" dirty="0">
-              <a:solidFill>
-                <a:schemeClr val="bg2">
-                  <a:lumMod val="75000"/>
-                </a:schemeClr>
-              </a:solidFill>
-              <a:effectLst/>
-              <a:latin typeface="Slack-Lato"/>
-            </a:endParaRPr>
-          </a:p>
-          <a:p>
-            <a:r>
-              <a:rPr lang="en-US" i="0" u="none" dirty="0">
-                <a:solidFill>
-                  <a:schemeClr val="bg2">
-                    <a:lumMod val="75000"/>
-                  </a:schemeClr>
-                </a:solidFill>
-                <a:effectLst/>
-                <a:latin typeface="Slack-Lato"/>
-                <a:hlinkClick r:id="rId7">
-                  <a:extLst>
-                    <a:ext uri="{A12FA001-AC4F-418D-AE19-62706E023703}">
-                      <ahyp:hlinkClr xmlns:ahyp="http://schemas.microsoft.com/office/drawing/2018/hyperlinkcolor" val="tx"/>
-                    </a:ext>
-                  </a:extLst>
-                </a:hlinkClick>
-              </a:rPr>
-              <a:t>https://taxfoundation.org/</a:t>
-            </a:r>
-            <a:endParaRPr lang="en-US" i="0" dirty="0">
-              <a:solidFill>
-                <a:schemeClr val="bg2">
-                  <a:lumMod val="75000"/>
-                </a:schemeClr>
-              </a:solidFill>
-              <a:effectLst/>
-              <a:latin typeface="Slack-Lato"/>
-            </a:endParaRPr>
-          </a:p>
-          <a:p>
-            <a:r>
-              <a:rPr lang="en-US" i="0" u="none" dirty="0">
-                <a:solidFill>
-                  <a:schemeClr val="bg2">
-                    <a:lumMod val="75000"/>
-                  </a:schemeClr>
-                </a:solidFill>
-                <a:effectLst/>
-                <a:latin typeface="Slack-Lato"/>
-                <a:hlinkClick r:id="rId8">
-                  <a:extLst>
-                    <a:ext uri="{A12FA001-AC4F-418D-AE19-62706E023703}">
-                      <ahyp:hlinkClr xmlns:ahyp="http://schemas.microsoft.com/office/drawing/2018/hyperlinkcolor" val="tx"/>
-                    </a:ext>
-                  </a:extLst>
-                </a:hlinkClick>
-              </a:rPr>
-              <a:t>https://www.irs.gov/statistics/soi-tax-stats-county-data-2018</a:t>
-            </a:r>
-            <a:endParaRPr lang="en-US" i="0" u="none" dirty="0">
-              <a:solidFill>
-                <a:schemeClr val="bg2">
-                  <a:lumMod val="75000"/>
-                </a:schemeClr>
-              </a:solidFill>
-              <a:effectLst/>
-              <a:latin typeface="Slack-Lato"/>
-            </a:endParaRPr>
-          </a:p>
-          <a:p>
-            <a:r>
-              <a:rPr lang="en-US" i="0" u="none" dirty="0">
-                <a:solidFill>
-                  <a:schemeClr val="bg2">
-                    <a:lumMod val="75000"/>
-                  </a:schemeClr>
-                </a:solidFill>
-                <a:effectLst/>
-                <a:latin typeface="Slack-Lato"/>
-                <a:hlinkClick r:id="rId9">
-                  <a:extLst>
-                    <a:ext uri="{A12FA001-AC4F-418D-AE19-62706E023703}">
-                      <ahyp:hlinkClr xmlns:ahyp="http://schemas.microsoft.com/office/drawing/2018/hyperlinkcolor" val="tx"/>
-                    </a:ext>
-                  </a:extLst>
-                </a:hlinkClick>
-              </a:rPr>
-              <a:t>https://www.census.gov/programs-surveys/geography/guidance/geo-areas/urban-rural/2010-urban-rural.html</a:t>
-            </a:r>
-            <a:endParaRPr lang="en-US" i="0" dirty="0">
-              <a:solidFill>
-                <a:schemeClr val="bg2">
-                  <a:lumMod val="75000"/>
-                </a:schemeClr>
-              </a:solidFill>
-              <a:effectLst/>
-              <a:latin typeface="Slack-Lato"/>
-            </a:endParaRPr>
-          </a:p>
-          <a:p>
-            <a:r>
-              <a:rPr lang="en-US" i="0" u="none" dirty="0">
-                <a:solidFill>
-                  <a:schemeClr val="bg2">
-                    <a:lumMod val="75000"/>
-                  </a:schemeClr>
-                </a:solidFill>
-                <a:effectLst/>
-                <a:latin typeface="Slack-Lato"/>
-                <a:hlinkClick r:id="rId10">
-                  <a:extLst>
-                    <a:ext uri="{A12FA001-AC4F-418D-AE19-62706E023703}">
-                      <ahyp:hlinkClr xmlns:ahyp="http://schemas.microsoft.com/office/drawing/2018/hyperlinkcolor" val="tx"/>
-                    </a:ext>
-                  </a:extLst>
-                </a:hlinkClick>
-              </a:rPr>
-              <a:t>https://www.nass.usda.gov/Publications/AgCensus/2017/Full_Report/Volume_1,_Chapter_2_County_Level/</a:t>
-            </a:r>
-            <a:endParaRPr lang="en-US" i="0" dirty="0">
-              <a:solidFill>
-                <a:schemeClr val="bg2">
-                  <a:lumMod val="75000"/>
-                </a:schemeClr>
-              </a:solidFill>
-              <a:effectLst/>
-              <a:latin typeface="Slack-Lato"/>
-            </a:endParaRPr>
-          </a:p>
-          <a:p>
-            <a:r>
-              <a:rPr lang="en-US" i="0" u="sng" dirty="0">
-                <a:solidFill>
-                  <a:schemeClr val="bg2">
-                    <a:lumMod val="75000"/>
-                  </a:schemeClr>
-                </a:solidFill>
-                <a:effectLst/>
-                <a:latin typeface="Slack-Lato"/>
-                <a:hlinkClick r:id="rId11">
-                  <a:extLst>
-                    <a:ext uri="{A12FA001-AC4F-418D-AE19-62706E023703}">
-                      <ahyp:hlinkClr xmlns:ahyp="http://schemas.microsoft.com/office/drawing/2018/hyperlinkcolor" val="tx"/>
-                    </a:ext>
-                  </a:extLst>
-                </a:hlinkClick>
-              </a:rPr>
-              <a:t>https://dataverse.harvard.edu/dataset.xhtml?persistentId=doi:10.7910/DVN/VOQCHQ</a:t>
-            </a:r>
-            <a:endParaRPr lang="en-US" i="0" dirty="0">
-              <a:solidFill>
-                <a:schemeClr val="bg2">
-                  <a:lumMod val="75000"/>
-                </a:schemeClr>
-              </a:solidFill>
-              <a:effectLst/>
-              <a:latin typeface="Slack-Lato"/>
-            </a:endParaRPr>
-          </a:p>
-          <a:p>
-            <a:r>
-              <a:rPr lang="en-US" i="0" u="sng" dirty="0">
-                <a:solidFill>
-                  <a:schemeClr val="bg2">
-                    <a:lumMod val="75000"/>
-                  </a:schemeClr>
-                </a:solidFill>
-                <a:effectLst/>
-                <a:latin typeface="Slack-Lato"/>
-                <a:hlinkClick r:id="rId4">
-                  <a:extLst>
-                    <a:ext uri="{A12FA001-AC4F-418D-AE19-62706E023703}">
-                      <ahyp:hlinkClr xmlns:ahyp="http://schemas.microsoft.com/office/drawing/2018/hyperlinkcolor" val="tx"/>
-                    </a:ext>
-                  </a:extLst>
-                </a:hlinkClick>
-              </a:rPr>
-              <a:t>https://www.ers.usda.gov/data-products/county-level-data-sets/download-data/</a:t>
-            </a:r>
-            <a:endParaRPr lang="en-US" i="0" dirty="0">
-              <a:solidFill>
-                <a:schemeClr val="bg2">
-                  <a:lumMod val="75000"/>
-                </a:schemeClr>
-              </a:solidFill>
-              <a:effectLst/>
-              <a:latin typeface="Slack-Lato"/>
-            </a:endParaRPr>
-          </a:p>
-          <a:p>
-            <a:r>
-              <a:rPr lang="en-US" i="0" u="sng" dirty="0">
-                <a:solidFill>
-                  <a:schemeClr val="bg2">
-                    <a:lumMod val="75000"/>
-                  </a:schemeClr>
-                </a:solidFill>
-                <a:effectLst/>
-                <a:latin typeface="Slack-Lato"/>
-                <a:hlinkClick r:id="rId12">
-                  <a:extLst>
-                    <a:ext uri="{A12FA001-AC4F-418D-AE19-62706E023703}">
-                      <ahyp:hlinkClr xmlns:ahyp="http://schemas.microsoft.com/office/drawing/2018/hyperlinkcolor" val="tx"/>
-                    </a:ext>
-                  </a:extLst>
-                </a:hlinkClick>
-              </a:rPr>
-              <a:t>https://data.census.gov/cedsci/table?q=United%20States&amp;g=0USfalse_0100000US%240500000&amp;tid=ACSDP1Y2017.DP05&amp;hidePreview=true</a:t>
-            </a:r>
-            <a:endParaRPr lang="en-US" i="0" dirty="0">
-              <a:solidFill>
-                <a:schemeClr val="bg2">
-                  <a:lumMod val="75000"/>
-                </a:schemeClr>
-              </a:solidFill>
-              <a:effectLst/>
-              <a:latin typeface="Slack-Lato"/>
-            </a:endParaRPr>
-          </a:p>
-          <a:p>
-            <a:r>
-              <a:rPr lang="en-US" i="0" u="none" dirty="0">
-                <a:solidFill>
-                  <a:schemeClr val="bg2">
-                    <a:lumMod val="75000"/>
-                  </a:schemeClr>
-                </a:solidFill>
-                <a:effectLst/>
-                <a:latin typeface="Slack-Lato"/>
-                <a:hlinkClick r:id="rId13">
-                  <a:extLst>
-                    <a:ext uri="{A12FA001-AC4F-418D-AE19-62706E023703}">
-                      <ahyp:hlinkClr xmlns:ahyp="http://schemas.microsoft.com/office/drawing/2018/hyperlinkcolor" val="tx"/>
-                    </a:ext>
-                  </a:extLst>
-                </a:hlinkClick>
-              </a:rPr>
-              <a:t>https://www.census.gov/data/datasets/time-series/demo/popest/intercensal-2000-2010-counties.html</a:t>
-            </a:r>
-            <a:endParaRPr lang="en-US" i="0" dirty="0">
-              <a:solidFill>
-                <a:schemeClr val="bg2">
-                  <a:lumMod val="75000"/>
-                </a:schemeClr>
-              </a:solidFill>
-              <a:effectLst/>
-              <a:latin typeface="Slack-Lato"/>
-            </a:endParaRPr>
-          </a:p>
-          <a:p>
-            <a:r>
-              <a:rPr lang="en-US" i="0" u="none" dirty="0">
-                <a:solidFill>
-                  <a:schemeClr val="bg2">
-                    <a:lumMod val="75000"/>
-                  </a:schemeClr>
-                </a:solidFill>
-                <a:effectLst/>
-                <a:latin typeface="Slack-Lato"/>
-                <a:hlinkClick r:id="rId14">
-                  <a:extLst>
-                    <a:ext uri="{A12FA001-AC4F-418D-AE19-62706E023703}">
-                      <ahyp:hlinkClr xmlns:ahyp="http://schemas.microsoft.com/office/drawing/2018/hyperlinkcolor" val="tx"/>
-                    </a:ext>
-                  </a:extLst>
-                </a:hlinkClick>
-              </a:rPr>
-              <a:t>https://www.census.gov/data/datasets/time-series/demo/popest/2010s-counties-detail.html</a:t>
-            </a:r>
-            <a:endParaRPr lang="en-US" i="0" dirty="0">
-              <a:solidFill>
-                <a:schemeClr val="bg2">
-                  <a:lumMod val="75000"/>
-                </a:schemeClr>
-              </a:solidFill>
-              <a:effectLst/>
-              <a:latin typeface="Slack-Lato"/>
-            </a:endParaRPr>
-          </a:p>
-          <a:p>
-            <a:r>
-              <a:rPr lang="en-US" i="0" u="none" dirty="0">
-                <a:solidFill>
-                  <a:schemeClr val="bg2">
-                    <a:lumMod val="75000"/>
-                  </a:schemeClr>
-                </a:solidFill>
-                <a:effectLst/>
-                <a:latin typeface="Slack-Lato"/>
-                <a:hlinkClick r:id="rId15">
-                  <a:extLst>
-                    <a:ext uri="{A12FA001-AC4F-418D-AE19-62706E023703}">
-                      <ahyp:hlinkClr xmlns:ahyp="http://schemas.microsoft.com/office/drawing/2018/hyperlinkcolor" val="tx"/>
-                    </a:ext>
-                  </a:extLst>
-                </a:hlinkClick>
-              </a:rPr>
-              <a:t>https://worldpopulationreview.com/us-counties</a:t>
-            </a:r>
-            <a:endParaRPr lang="en-US" i="0" dirty="0">
-              <a:solidFill>
-                <a:schemeClr val="bg2">
-                  <a:lumMod val="75000"/>
-                </a:schemeClr>
-              </a:solidFill>
-              <a:effectLst/>
-              <a:latin typeface="Slack-Lato"/>
-            </a:endParaRPr>
-          </a:p>
-          <a:p>
-            <a:r>
-              <a:rPr lang="en-US" i="0" u="sng" dirty="0">
-                <a:solidFill>
-                  <a:schemeClr val="bg2">
-                    <a:lumMod val="75000"/>
-                  </a:schemeClr>
-                </a:solidFill>
-                <a:effectLst/>
-                <a:latin typeface="Slack-Lato"/>
-                <a:hlinkClick r:id="rId16">
-                  <a:extLst>
-                    <a:ext uri="{A12FA001-AC4F-418D-AE19-62706E023703}">
-                      <ahyp:hlinkClr xmlns:ahyp="http://schemas.microsoft.com/office/drawing/2018/hyperlinkcolor" val="tx"/>
-                    </a:ext>
-                  </a:extLst>
-                </a:hlinkClick>
-              </a:rPr>
-              <a:t>https://www.icpsr.umich.edu/web/NACJD/studies/36399/datadocumentation</a:t>
-            </a:r>
-            <a:endParaRPr lang="en-US" i="0" dirty="0">
-              <a:solidFill>
-                <a:schemeClr val="bg2">
-                  <a:lumMod val="75000"/>
-                </a:schemeClr>
-              </a:solidFill>
-              <a:effectLst/>
-              <a:latin typeface="Slack-Lato"/>
-            </a:endParaRPr>
-          </a:p>
-          <a:p>
-            <a:r>
-              <a:rPr lang="en-US" i="0" u="none" dirty="0">
-                <a:solidFill>
-                  <a:schemeClr val="bg2">
-                    <a:lumMod val="75000"/>
-                  </a:schemeClr>
-                </a:solidFill>
-                <a:effectLst/>
-                <a:latin typeface="Slack-Lato"/>
-                <a:hlinkClick r:id="rId17">
-                  <a:extLst>
-                    <a:ext uri="{A12FA001-AC4F-418D-AE19-62706E023703}">
-                      <ahyp:hlinkClr xmlns:ahyp="http://schemas.microsoft.com/office/drawing/2018/hyperlinkcolor" val="tx"/>
-                    </a:ext>
-                  </a:extLst>
-                </a:hlinkClick>
-              </a:rPr>
-              <a:t>https://www.icpsr.umich.edu/web/NACJD/search/studies?q=&amp;SERIESFULL_FACET_Q=57%7CUniform%20Crime%20Reporting%20Program%20Data%20Series</a:t>
-            </a:r>
-            <a:endParaRPr lang="en-US" i="0" dirty="0">
-              <a:solidFill>
-                <a:schemeClr val="bg2">
-                  <a:lumMod val="75000"/>
-                </a:schemeClr>
-              </a:solidFill>
-              <a:effectLst/>
-              <a:latin typeface="Slack-Lato"/>
-            </a:endParaRPr>
-          </a:p>
-          <a:p>
-            <a:r>
-              <a:rPr lang="en-US" i="0" u="none" dirty="0">
-                <a:solidFill>
-                  <a:schemeClr val="bg2">
-                    <a:lumMod val="75000"/>
-                  </a:schemeClr>
-                </a:solidFill>
-                <a:effectLst/>
-                <a:latin typeface="Slack-Lato"/>
-                <a:hlinkClick r:id="rId18">
-                  <a:extLst>
-                    <a:ext uri="{A12FA001-AC4F-418D-AE19-62706E023703}">
-                      <ahyp:hlinkClr xmlns:ahyp="http://schemas.microsoft.com/office/drawing/2018/hyperlinkcolor" val="tx"/>
-                    </a:ext>
-                  </a:extLst>
-                </a:hlinkClick>
-              </a:rPr>
-              <a:t>https://ucr.fbi.gov/crime-in-the-u.s/2010/crime-in-the-u.s.-2010/tables/10tbl80.xls/view</a:t>
-            </a:r>
-            <a:endParaRPr lang="en-US" i="0" dirty="0">
-              <a:solidFill>
-                <a:schemeClr val="bg2">
-                  <a:lumMod val="75000"/>
-                </a:schemeClr>
-              </a:solidFill>
-              <a:effectLst/>
-              <a:latin typeface="Slack-Lato"/>
-            </a:endParaRPr>
-          </a:p>
-          <a:p>
-            <a:r>
-              <a:rPr lang="en-US" i="0" u="sng" dirty="0">
-                <a:solidFill>
-                  <a:schemeClr val="bg2">
-                    <a:lumMod val="75000"/>
-                  </a:schemeClr>
-                </a:solidFill>
-                <a:effectLst/>
-                <a:latin typeface="Slack-Lato"/>
-                <a:hlinkClick r:id="rId19">
-                  <a:extLst>
-                    <a:ext uri="{A12FA001-AC4F-418D-AE19-62706E023703}">
-                      <ahyp:hlinkClr xmlns:ahyp="http://schemas.microsoft.com/office/drawing/2018/hyperlinkcolor" val="tx"/>
-                    </a:ext>
-                  </a:extLst>
-                </a:hlinkClick>
-              </a:rPr>
-              <a:t>https://www.bea.gov/data/income-saving/personal-income-county-metro-and-other-areas</a:t>
-            </a:r>
-            <a:endParaRPr lang="en-US" i="0" dirty="0">
-              <a:solidFill>
-                <a:schemeClr val="bg2">
-                  <a:lumMod val="75000"/>
-                </a:schemeClr>
-              </a:solidFill>
-              <a:effectLst/>
-              <a:latin typeface="Slack-Lato"/>
-            </a:endParaRPr>
-          </a:p>
-          <a:p>
-            <a:r>
-              <a:rPr lang="en-US" i="0" u="none" dirty="0">
-                <a:solidFill>
-                  <a:schemeClr val="bg2">
-                    <a:lumMod val="75000"/>
-                  </a:schemeClr>
-                </a:solidFill>
-                <a:effectLst/>
-                <a:latin typeface="Slack-Lato"/>
-                <a:hlinkClick r:id="rId20">
-                  <a:extLst>
-                    <a:ext uri="{A12FA001-AC4F-418D-AE19-62706E023703}">
-                      <ahyp:hlinkClr xmlns:ahyp="http://schemas.microsoft.com/office/drawing/2018/hyperlinkcolor" val="tx"/>
-                    </a:ext>
-                  </a:extLst>
-                </a:hlinkClick>
-              </a:rPr>
-              <a:t>https://www.dol.gov/general/topic/statistics/wagesearnings</a:t>
-            </a:r>
-            <a:endParaRPr lang="en-US" i="0" dirty="0">
-              <a:solidFill>
-                <a:schemeClr val="bg2">
-                  <a:lumMod val="75000"/>
-                </a:schemeClr>
-              </a:solidFill>
-              <a:effectLst/>
-              <a:latin typeface="Slack-Lato"/>
-            </a:endParaRPr>
-          </a:p>
-          <a:p>
-            <a:r>
-              <a:rPr lang="en-US" i="0" u="none" dirty="0">
-                <a:solidFill>
-                  <a:schemeClr val="bg2">
-                    <a:lumMod val="75000"/>
-                  </a:schemeClr>
-                </a:solidFill>
-                <a:effectLst/>
-                <a:latin typeface="Slack-Lato"/>
-                <a:hlinkClick r:id="rId21">
-                  <a:extLst>
-                    <a:ext uri="{A12FA001-AC4F-418D-AE19-62706E023703}">
-                      <ahyp:hlinkClr xmlns:ahyp="http://schemas.microsoft.com/office/drawing/2018/hyperlinkcolor" val="tx"/>
-                    </a:ext>
-                  </a:extLst>
-                </a:hlinkClick>
-              </a:rPr>
-              <a:t>https://advisorsmith.com/data/coli/</a:t>
-            </a:r>
-            <a:endParaRPr lang="en-US" i="0" dirty="0">
-              <a:solidFill>
-                <a:schemeClr val="bg2">
-                  <a:lumMod val="75000"/>
-                </a:schemeClr>
-              </a:solidFill>
-              <a:effectLst/>
-              <a:latin typeface="Slack-Lato"/>
+              <a:latin typeface="Cambria Math" panose="02040503050406030204" pitchFamily="18" charset="0"/>
+              <a:ea typeface="Cambria Math" panose="02040503050406030204" pitchFamily="18" charset="0"/>
             </a:endParaRPr>
           </a:p>
         </p:txBody>
@@ -15150,7 +15108,7 @@
     </p:spTree>
     <p:extLst>
       <p:ext uri="{BB962C8B-B14F-4D97-AF65-F5344CB8AC3E}">
-        <p14:creationId xmlns:p14="http://schemas.microsoft.com/office/powerpoint/2010/main" val="2950940264"/>
+        <p14:creationId xmlns:p14="http://schemas.microsoft.com/office/powerpoint/2010/main" val="2919211087"/>
       </p:ext>
     </p:extLst>
   </p:cSld>
